--- a/AttendanceTracker/Url ve link.pptx
+++ b/AttendanceTracker/Url ve link.pptx
@@ -5,14 +5,20 @@
     <p:sldMasterId id="2147483648" r:id="rId1"/>
   </p:sldMasterIdLst>
   <p:notesMasterIdLst>
-    <p:notesMasterId r:id="rId7"/>
+    <p:notesMasterId r:id="rId13"/>
   </p:notesMasterIdLst>
   <p:sldIdLst>
     <p:sldId id="257" r:id="rId2"/>
     <p:sldId id="258" r:id="rId3"/>
     <p:sldId id="260" r:id="rId4"/>
     <p:sldId id="259" r:id="rId5"/>
-    <p:sldId id="261" r:id="rId6"/>
+    <p:sldId id="266" r:id="rId6"/>
+    <p:sldId id="261" r:id="rId7"/>
+    <p:sldId id="263" r:id="rId8"/>
+    <p:sldId id="262" r:id="rId9"/>
+    <p:sldId id="264" r:id="rId10"/>
+    <p:sldId id="267" r:id="rId11"/>
+    <p:sldId id="265" r:id="rId12"/>
   </p:sldIdLst>
   <p:sldSz cx="9144000" cy="6858000" type="screen4x3"/>
   <p:notesSz cx="6858000" cy="9144000"/>
@@ -196,7 +202,7 @@
           <a:p>
             <a:fld id="{F73806A5-E5A3-4649-8BFA-3FE63541A29B}" type="datetimeFigureOut">
               <a:rPr lang="tr-TR" smtClean="0"/>
-              <a:t>17.4.2015</a:t>
+              <a:t>18.4.2015</a:t>
             </a:fld>
             <a:endParaRPr lang="tr-TR"/>
           </a:p>
@@ -568,6 +574,233 @@
 </p:notes>
 </file>
 
+<file path=ppt/notesSlides/notesSlide10.xml><?xml version="1.0" encoding="utf-8"?>
+<p:notes xmlns:a="http://schemas.openxmlformats.org/drawingml/2006/main" xmlns:r="http://schemas.openxmlformats.org/officeDocument/2006/relationships" xmlns:p="http://schemas.openxmlformats.org/presentationml/2006/main">
+  <p:cSld>
+    <p:spTree>
+      <p:nvGrpSpPr>
+        <p:cNvPr id="1" name=""/>
+        <p:cNvGrpSpPr/>
+        <p:nvPr/>
+      </p:nvGrpSpPr>
+      <p:grpSpPr>
+        <a:xfrm>
+          <a:off x="0" y="0"/>
+          <a:ext cx="0" cy="0"/>
+          <a:chOff x="0" y="0"/>
+          <a:chExt cx="0" cy="0"/>
+        </a:xfrm>
+      </p:grpSpPr>
+      <p:sp>
+        <p:nvSpPr>
+          <p:cNvPr id="2" name="Slayt Görüntüsü Yer Tutucusu 1"/>
+          <p:cNvSpPr>
+            <a:spLocks noGrp="1" noRot="1" noChangeAspect="1"/>
+          </p:cNvSpPr>
+          <p:nvPr>
+            <p:ph type="sldImg"/>
+          </p:nvPr>
+        </p:nvSpPr>
+        <p:spPr/>
+      </p:sp>
+      <p:sp>
+        <p:nvSpPr>
+          <p:cNvPr id="3" name="Not Yer Tutucusu 2"/>
+          <p:cNvSpPr>
+            <a:spLocks noGrp="1"/>
+          </p:cNvSpPr>
+          <p:nvPr>
+            <p:ph type="body" idx="1"/>
+          </p:nvPr>
+        </p:nvSpPr>
+        <p:spPr/>
+        <p:txBody>
+          <a:bodyPr/>
+          <a:lstStyle/>
+          <a:p>
+            <a:r>
+              <a:rPr lang="tr-TR" dirty="0" smtClean="0"/>
+              <a:t>İstek (</a:t>
+            </a:r>
+            <a:r>
+              <a:rPr lang="tr-TR" b="1" dirty="0" err="1" smtClean="0"/>
+              <a:t>request</a:t>
+            </a:r>
+            <a:r>
+              <a:rPr lang="tr-TR" dirty="0" smtClean="0"/>
+              <a:t>) sonucunda içerik (</a:t>
+            </a:r>
+            <a:r>
+              <a:rPr lang="tr-TR" b="1" dirty="0" err="1" smtClean="0"/>
+              <a:t>content</a:t>
+            </a:r>
+            <a:r>
+              <a:rPr lang="tr-TR" dirty="0" smtClean="0"/>
+              <a:t>) döner.</a:t>
+            </a:r>
+            <a:endParaRPr lang="tr-TR" dirty="0"/>
+          </a:p>
+        </p:txBody>
+      </p:sp>
+      <p:sp>
+        <p:nvSpPr>
+          <p:cNvPr id="4" name="Slayt Numarası Yer Tutucusu 3"/>
+          <p:cNvSpPr>
+            <a:spLocks noGrp="1"/>
+          </p:cNvSpPr>
+          <p:nvPr>
+            <p:ph type="sldNum" sz="quarter" idx="10"/>
+          </p:nvPr>
+        </p:nvSpPr>
+        <p:spPr/>
+        <p:txBody>
+          <a:bodyPr/>
+          <a:lstStyle/>
+          <a:p>
+            <a:fld id="{DEE05281-1019-47E4-9489-2E7B9F0DE054}" type="slidenum">
+              <a:rPr lang="tr-TR" smtClean="0"/>
+              <a:t>10</a:t>
+            </a:fld>
+            <a:endParaRPr lang="tr-TR"/>
+          </a:p>
+        </p:txBody>
+      </p:sp>
+    </p:spTree>
+    <p:extLst>
+      <p:ext uri="{BB962C8B-B14F-4D97-AF65-F5344CB8AC3E}">
+        <p14:creationId xmlns:p14="http://schemas.microsoft.com/office/powerpoint/2010/main" val="3600343553"/>
+      </p:ext>
+    </p:extLst>
+  </p:cSld>
+  <p:clrMapOvr>
+    <a:masterClrMapping/>
+  </p:clrMapOvr>
+</p:notes>
+</file>
+
+<file path=ppt/notesSlides/notesSlide11.xml><?xml version="1.0" encoding="utf-8"?>
+<p:notes xmlns:a="http://schemas.openxmlformats.org/drawingml/2006/main" xmlns:r="http://schemas.openxmlformats.org/officeDocument/2006/relationships" xmlns:p="http://schemas.openxmlformats.org/presentationml/2006/main">
+  <p:cSld>
+    <p:spTree>
+      <p:nvGrpSpPr>
+        <p:cNvPr id="1" name=""/>
+        <p:cNvGrpSpPr/>
+        <p:nvPr/>
+      </p:nvGrpSpPr>
+      <p:grpSpPr>
+        <a:xfrm>
+          <a:off x="0" y="0"/>
+          <a:ext cx="0" cy="0"/>
+          <a:chOff x="0" y="0"/>
+          <a:chExt cx="0" cy="0"/>
+        </a:xfrm>
+      </p:grpSpPr>
+      <p:sp>
+        <p:nvSpPr>
+          <p:cNvPr id="2" name="Slayt Görüntüsü Yer Tutucusu 1"/>
+          <p:cNvSpPr>
+            <a:spLocks noGrp="1" noRot="1" noChangeAspect="1"/>
+          </p:cNvSpPr>
+          <p:nvPr>
+            <p:ph type="sldImg"/>
+          </p:nvPr>
+        </p:nvSpPr>
+        <p:spPr/>
+      </p:sp>
+      <p:sp>
+        <p:nvSpPr>
+          <p:cNvPr id="3" name="Not Yer Tutucusu 2"/>
+          <p:cNvSpPr>
+            <a:spLocks noGrp="1"/>
+          </p:cNvSpPr>
+          <p:nvPr>
+            <p:ph type="body" idx="1"/>
+          </p:nvPr>
+        </p:nvSpPr>
+        <p:spPr/>
+        <p:txBody>
+          <a:bodyPr/>
+          <a:lstStyle/>
+          <a:p>
+            <a:pPr marL="0" marR="0" indent="0" algn="l" defTabSz="914400" rtl="0" eaLnBrk="1" fontAlgn="auto" latinLnBrk="0" hangingPunct="1">
+              <a:lnSpc>
+                <a:spcPct val="100000"/>
+              </a:lnSpc>
+              <a:spcBef>
+                <a:spcPts val="0"/>
+              </a:spcBef>
+              <a:spcAft>
+                <a:spcPts val="0"/>
+              </a:spcAft>
+              <a:buClrTx/>
+              <a:buSzTx/>
+              <a:buFontTx/>
+              <a:buNone/>
+              <a:tabLst/>
+              <a:defRPr/>
+            </a:pPr>
+            <a:r>
+              <a:rPr lang="tr-TR" dirty="0" smtClean="0"/>
+              <a:t>İstek (</a:t>
+            </a:r>
+            <a:r>
+              <a:rPr lang="tr-TR" b="1" dirty="0" err="1" smtClean="0"/>
+              <a:t>request</a:t>
+            </a:r>
+            <a:r>
+              <a:rPr lang="tr-TR" dirty="0" smtClean="0"/>
+              <a:t>) sonucunda içerik (</a:t>
+            </a:r>
+            <a:r>
+              <a:rPr lang="tr-TR" b="1" dirty="0" err="1" smtClean="0"/>
+              <a:t>content</a:t>
+            </a:r>
+            <a:r>
+              <a:rPr lang="tr-TR" dirty="0" smtClean="0"/>
+              <a:t>) döner.</a:t>
+            </a:r>
+          </a:p>
+          <a:p>
+            <a:endParaRPr lang="tr-TR" dirty="0"/>
+          </a:p>
+        </p:txBody>
+      </p:sp>
+      <p:sp>
+        <p:nvSpPr>
+          <p:cNvPr id="4" name="Slayt Numarası Yer Tutucusu 3"/>
+          <p:cNvSpPr>
+            <a:spLocks noGrp="1"/>
+          </p:cNvSpPr>
+          <p:nvPr>
+            <p:ph type="sldNum" sz="quarter" idx="10"/>
+          </p:nvPr>
+        </p:nvSpPr>
+        <p:spPr/>
+        <p:txBody>
+          <a:bodyPr/>
+          <a:lstStyle/>
+          <a:p>
+            <a:fld id="{DEE05281-1019-47E4-9489-2E7B9F0DE054}" type="slidenum">
+              <a:rPr lang="tr-TR" smtClean="0"/>
+              <a:t>11</a:t>
+            </a:fld>
+            <a:endParaRPr lang="tr-TR"/>
+          </a:p>
+        </p:txBody>
+      </p:sp>
+    </p:spTree>
+    <p:extLst>
+      <p:ext uri="{BB962C8B-B14F-4D97-AF65-F5344CB8AC3E}">
+        <p14:creationId xmlns:p14="http://schemas.microsoft.com/office/powerpoint/2010/main" val="1275162085"/>
+      </p:ext>
+    </p:extLst>
+  </p:cSld>
+  <p:clrMapOvr>
+    <a:masterClrMapping/>
+  </p:clrMapOvr>
+</p:notes>
+</file>
+
 <file path=ppt/notesSlides/notesSlide2.xml><?xml version="1.0" encoding="utf-8"?>
 <p:notes xmlns:a="http://schemas.openxmlformats.org/drawingml/2006/main" xmlns:r="http://schemas.openxmlformats.org/officeDocument/2006/relationships" xmlns:p="http://schemas.openxmlformats.org/presentationml/2006/main">
   <p:cSld>
@@ -1000,11 +1233,7 @@
             </a:r>
             <a:r>
               <a:rPr lang="tr-TR" dirty="0" smtClean="0"/>
-              <a:t> </a:t>
-            </a:r>
-            <a:r>
-              <a:rPr lang="tr-TR" dirty="0" smtClean="0"/>
-              <a:t>içeren</a:t>
+              <a:t> içeren</a:t>
             </a:r>
             <a:r>
               <a:rPr lang="tr-TR" baseline="0" dirty="0" smtClean="0"/>
@@ -1012,11 +1241,7 @@
             </a:r>
             <a:r>
               <a:rPr lang="tr-TR" b="1" dirty="0" smtClean="0"/>
-              <a:t>html </a:t>
-            </a:r>
-            <a:r>
-              <a:rPr lang="tr-TR" b="1" dirty="0" smtClean="0"/>
-              <a:t>elemanları</a:t>
+              <a:t>html elemanları</a:t>
             </a:r>
             <a:endParaRPr lang="tr-TR" baseline="0" dirty="0" smtClean="0"/>
           </a:p>
@@ -1062,6 +1287,32 @@
               <a:t>biçimindedir (formatındadır)</a:t>
             </a:r>
             <a:endParaRPr lang="tr-TR" b="1" dirty="0" smtClean="0"/>
+          </a:p>
+          <a:p>
+            <a:endParaRPr lang="tr-TR" b="0" baseline="0" dirty="0" smtClean="0"/>
+          </a:p>
+          <a:p>
+            <a:r>
+              <a:rPr lang="tr-TR" b="0" baseline="0" dirty="0" err="1" smtClean="0"/>
+              <a:t>src</a:t>
+            </a:r>
+            <a:r>
+              <a:rPr lang="tr-TR" b="0" baseline="0" dirty="0" smtClean="0"/>
+              <a:t>, </a:t>
+            </a:r>
+            <a:r>
+              <a:rPr lang="tr-TR" b="0" baseline="0" dirty="0" err="1" smtClean="0"/>
+              <a:t>href</a:t>
+            </a:r>
+            <a:r>
+              <a:rPr lang="tr-TR" b="0" baseline="0" dirty="0" smtClean="0"/>
+              <a:t>, link, </a:t>
+            </a:r>
+            <a:r>
+              <a:rPr lang="tr-TR" b="0" baseline="0" dirty="0" err="1" smtClean="0"/>
+              <a:t>action</a:t>
+            </a:r>
+            <a:endParaRPr lang="tr-TR" b="0" baseline="0" dirty="0" smtClean="0"/>
           </a:p>
           <a:p>
             <a:endParaRPr lang="tr-TR" b="0" baseline="0" dirty="0" smtClean="0"/>
@@ -1165,6 +1416,126 @@
           <a:bodyPr/>
           <a:lstStyle/>
           <a:p>
+            <a:r>
+              <a:rPr lang="tr-TR" b="0" baseline="0" dirty="0" smtClean="0"/>
+              <a:t>En sık kullanılan html eleman öznitelikleri (</a:t>
+            </a:r>
+            <a:r>
+              <a:rPr lang="tr-TR" b="1" baseline="0" dirty="0" smtClean="0"/>
+              <a:t>html </a:t>
+            </a:r>
+            <a:r>
+              <a:rPr lang="tr-TR" b="1" baseline="0" dirty="0" err="1" smtClean="0"/>
+              <a:t>attributes</a:t>
+            </a:r>
+            <a:r>
+              <a:rPr lang="tr-TR" b="0" baseline="0" dirty="0" smtClean="0"/>
+              <a:t>)</a:t>
+            </a:r>
+          </a:p>
+          <a:p>
+            <a:r>
+              <a:rPr lang="tr-TR" b="0" baseline="0" dirty="0" err="1" smtClean="0"/>
+              <a:t>src</a:t>
+            </a:r>
+            <a:r>
+              <a:rPr lang="tr-TR" b="0" baseline="0" dirty="0" smtClean="0"/>
+              <a:t>, </a:t>
+            </a:r>
+            <a:r>
+              <a:rPr lang="tr-TR" b="0" baseline="0" dirty="0" err="1" smtClean="0"/>
+              <a:t>href</a:t>
+            </a:r>
+            <a:r>
+              <a:rPr lang="tr-TR" b="0" baseline="0" dirty="0" smtClean="0"/>
+              <a:t>, link</a:t>
+            </a:r>
+          </a:p>
+          <a:p>
+            <a:endParaRPr lang="tr-TR" b="1" dirty="0"/>
+          </a:p>
+        </p:txBody>
+      </p:sp>
+      <p:sp>
+        <p:nvSpPr>
+          <p:cNvPr id="4" name="Slayt Numarası Yer Tutucusu 3"/>
+          <p:cNvSpPr>
+            <a:spLocks noGrp="1"/>
+          </p:cNvSpPr>
+          <p:nvPr>
+            <p:ph type="sldNum" sz="quarter" idx="10"/>
+          </p:nvPr>
+        </p:nvSpPr>
+        <p:spPr/>
+        <p:txBody>
+          <a:bodyPr/>
+          <a:lstStyle/>
+          <a:p>
+            <a:fld id="{DEE05281-1019-47E4-9489-2E7B9F0DE054}" type="slidenum">
+              <a:rPr lang="tr-TR" smtClean="0"/>
+              <a:t>5</a:t>
+            </a:fld>
+            <a:endParaRPr lang="tr-TR"/>
+          </a:p>
+        </p:txBody>
+      </p:sp>
+    </p:spTree>
+    <p:extLst>
+      <p:ext uri="{BB962C8B-B14F-4D97-AF65-F5344CB8AC3E}">
+        <p14:creationId xmlns:p14="http://schemas.microsoft.com/office/powerpoint/2010/main" val="1572204956"/>
+      </p:ext>
+    </p:extLst>
+  </p:cSld>
+  <p:clrMapOvr>
+    <a:masterClrMapping/>
+  </p:clrMapOvr>
+</p:notes>
+</file>
+
+<file path=ppt/notesSlides/notesSlide6.xml><?xml version="1.0" encoding="utf-8"?>
+<p:notes xmlns:a="http://schemas.openxmlformats.org/drawingml/2006/main" xmlns:r="http://schemas.openxmlformats.org/officeDocument/2006/relationships" xmlns:p="http://schemas.openxmlformats.org/presentationml/2006/main">
+  <p:cSld>
+    <p:spTree>
+      <p:nvGrpSpPr>
+        <p:cNvPr id="1" name=""/>
+        <p:cNvGrpSpPr/>
+        <p:nvPr/>
+      </p:nvGrpSpPr>
+      <p:grpSpPr>
+        <a:xfrm>
+          <a:off x="0" y="0"/>
+          <a:ext cx="0" cy="0"/>
+          <a:chOff x="0" y="0"/>
+          <a:chExt cx="0" cy="0"/>
+        </a:xfrm>
+      </p:grpSpPr>
+      <p:sp>
+        <p:nvSpPr>
+          <p:cNvPr id="2" name="Slayt Görüntüsü Yer Tutucusu 1"/>
+          <p:cNvSpPr>
+            <a:spLocks noGrp="1" noRot="1" noChangeAspect="1"/>
+          </p:cNvSpPr>
+          <p:nvPr>
+            <p:ph type="sldImg"/>
+          </p:nvPr>
+        </p:nvSpPr>
+        <p:spPr/>
+      </p:sp>
+      <p:sp>
+        <p:nvSpPr>
+          <p:cNvPr id="3" name="Not Yer Tutucusu 2"/>
+          <p:cNvSpPr>
+            <a:spLocks noGrp="1"/>
+          </p:cNvSpPr>
+          <p:nvPr>
+            <p:ph type="body" idx="1"/>
+          </p:nvPr>
+        </p:nvSpPr>
+        <p:spPr/>
+        <p:txBody>
+          <a:bodyPr/>
+          <a:lstStyle/>
+          <a:p>
             <a:pPr marL="0" marR="0" indent="0" algn="l" defTabSz="914400" rtl="0" eaLnBrk="1" fontAlgn="auto" latinLnBrk="0" hangingPunct="1">
               <a:lnSpc>
                 <a:spcPct val="100000"/>
@@ -1229,7 +1600,7 @@
           <a:p>
             <a:fld id="{DEE05281-1019-47E4-9489-2E7B9F0DE054}" type="slidenum">
               <a:rPr lang="tr-TR" smtClean="0"/>
-              <a:t>5</a:t>
+              <a:t>6</a:t>
             </a:fld>
             <a:endParaRPr lang="tr-TR"/>
           </a:p>
@@ -1239,6 +1610,494 @@
     <p:extLst>
       <p:ext uri="{BB962C8B-B14F-4D97-AF65-F5344CB8AC3E}">
         <p14:creationId xmlns:p14="http://schemas.microsoft.com/office/powerpoint/2010/main" val="2409489727"/>
+      </p:ext>
+    </p:extLst>
+  </p:cSld>
+  <p:clrMapOvr>
+    <a:masterClrMapping/>
+  </p:clrMapOvr>
+</p:notes>
+</file>
+
+<file path=ppt/notesSlides/notesSlide7.xml><?xml version="1.0" encoding="utf-8"?>
+<p:notes xmlns:a="http://schemas.openxmlformats.org/drawingml/2006/main" xmlns:r="http://schemas.openxmlformats.org/officeDocument/2006/relationships" xmlns:p="http://schemas.openxmlformats.org/presentationml/2006/main">
+  <p:cSld>
+    <p:spTree>
+      <p:nvGrpSpPr>
+        <p:cNvPr id="1" name=""/>
+        <p:cNvGrpSpPr/>
+        <p:nvPr/>
+      </p:nvGrpSpPr>
+      <p:grpSpPr>
+        <a:xfrm>
+          <a:off x="0" y="0"/>
+          <a:ext cx="0" cy="0"/>
+          <a:chOff x="0" y="0"/>
+          <a:chExt cx="0" cy="0"/>
+        </a:xfrm>
+      </p:grpSpPr>
+      <p:sp>
+        <p:nvSpPr>
+          <p:cNvPr id="2" name="Slayt Görüntüsü Yer Tutucusu 1"/>
+          <p:cNvSpPr>
+            <a:spLocks noGrp="1" noRot="1" noChangeAspect="1"/>
+          </p:cNvSpPr>
+          <p:nvPr>
+            <p:ph type="sldImg"/>
+          </p:nvPr>
+        </p:nvSpPr>
+        <p:spPr/>
+      </p:sp>
+      <p:sp>
+        <p:nvSpPr>
+          <p:cNvPr id="3" name="Not Yer Tutucusu 2"/>
+          <p:cNvSpPr>
+            <a:spLocks noGrp="1"/>
+          </p:cNvSpPr>
+          <p:nvPr>
+            <p:ph type="body" idx="1"/>
+          </p:nvPr>
+        </p:nvSpPr>
+        <p:spPr/>
+        <p:txBody>
+          <a:bodyPr/>
+          <a:lstStyle/>
+          <a:p>
+            <a:pPr marL="0" marR="0" indent="0" algn="l" defTabSz="914400" rtl="0" eaLnBrk="1" fontAlgn="auto" latinLnBrk="0" hangingPunct="1">
+              <a:lnSpc>
+                <a:spcPct val="100000"/>
+              </a:lnSpc>
+              <a:spcBef>
+                <a:spcPts val="0"/>
+              </a:spcBef>
+              <a:spcAft>
+                <a:spcPts val="0"/>
+              </a:spcAft>
+              <a:buClrTx/>
+              <a:buSzTx/>
+              <a:buFontTx/>
+              <a:buNone/>
+              <a:tabLst/>
+              <a:defRPr/>
+            </a:pPr>
+            <a:r>
+              <a:rPr lang="tr-TR" b="1" dirty="0" err="1" smtClean="0"/>
+              <a:t>hyperlink</a:t>
+            </a:r>
+            <a:r>
+              <a:rPr lang="tr-TR" dirty="0" smtClean="0"/>
+              <a:t> içeren</a:t>
+            </a:r>
+            <a:r>
+              <a:rPr lang="tr-TR" baseline="0" dirty="0" smtClean="0"/>
+              <a:t> </a:t>
+            </a:r>
+            <a:r>
+              <a:rPr lang="tr-TR" b="1" dirty="0" smtClean="0"/>
+              <a:t>html elemanları</a:t>
+            </a:r>
+            <a:endParaRPr lang="tr-TR" baseline="0" dirty="0" smtClean="0"/>
+          </a:p>
+          <a:p>
+            <a:endParaRPr lang="tr-TR" dirty="0" smtClean="0"/>
+          </a:p>
+          <a:p>
+            <a:r>
+              <a:rPr lang="tr-TR" dirty="0" smtClean="0"/>
+              <a:t>Otomatik olarak web tarayıcı tarafından sunucudan </a:t>
+            </a:r>
+            <a:r>
+              <a:rPr lang="tr-TR" b="1" dirty="0" smtClean="0"/>
+              <a:t>GET</a:t>
+            </a:r>
+            <a:r>
+              <a:rPr lang="tr-TR" dirty="0" smtClean="0"/>
+              <a:t> ile istenen bazı html eleman başvuruları.</a:t>
+            </a:r>
+          </a:p>
+          <a:p>
+            <a:r>
+              <a:rPr lang="tr-TR" dirty="0" smtClean="0"/>
+              <a:t>NOT:</a:t>
+            </a:r>
+            <a:r>
+              <a:rPr lang="tr-TR" baseline="0" dirty="0" smtClean="0"/>
+              <a:t> </a:t>
+            </a:r>
+            <a:r>
+              <a:rPr lang="tr-TR" b="1" baseline="0" dirty="0" smtClean="0"/>
+              <a:t>form </a:t>
+            </a:r>
+            <a:r>
+              <a:rPr lang="tr-TR" b="0" baseline="0" dirty="0" smtClean="0"/>
+              <a:t>elemanı </a:t>
+            </a:r>
+            <a:r>
+              <a:rPr lang="tr-TR" b="1" baseline="0" dirty="0" err="1" smtClean="0"/>
+              <a:t>action</a:t>
+            </a:r>
+            <a:r>
+              <a:rPr lang="tr-TR" b="1" baseline="0" dirty="0" smtClean="0"/>
+              <a:t> </a:t>
+            </a:r>
+            <a:r>
+              <a:rPr lang="tr-TR" b="0" baseline="0" dirty="0" smtClean="0"/>
+              <a:t>özniteliğinde (</a:t>
+            </a:r>
+            <a:r>
+              <a:rPr lang="tr-TR" b="1" baseline="0" dirty="0" err="1" smtClean="0"/>
+              <a:t>attribute</a:t>
+            </a:r>
+            <a:r>
+              <a:rPr lang="tr-TR" b="0" baseline="0" dirty="0" smtClean="0"/>
+              <a:t>) </a:t>
+            </a:r>
+            <a:r>
+              <a:rPr lang="tr-TR" b="0" baseline="0" dirty="0" err="1" smtClean="0"/>
+              <a:t>yeralan</a:t>
+            </a:r>
+            <a:r>
+              <a:rPr lang="tr-TR" b="0" baseline="0" dirty="0" smtClean="0"/>
+              <a:t> başvurular web tarayıcı tarafından otomatik olarak istenmez. İstek kullanıcı tarafından etkileşimle başlatılır</a:t>
+            </a:r>
+            <a:endParaRPr lang="tr-TR" b="0" dirty="0"/>
+          </a:p>
+        </p:txBody>
+      </p:sp>
+      <p:sp>
+        <p:nvSpPr>
+          <p:cNvPr id="4" name="Slayt Numarası Yer Tutucusu 3"/>
+          <p:cNvSpPr>
+            <a:spLocks noGrp="1"/>
+          </p:cNvSpPr>
+          <p:nvPr>
+            <p:ph type="sldNum" sz="quarter" idx="10"/>
+          </p:nvPr>
+        </p:nvSpPr>
+        <p:spPr/>
+        <p:txBody>
+          <a:bodyPr/>
+          <a:lstStyle/>
+          <a:p>
+            <a:fld id="{DEE05281-1019-47E4-9489-2E7B9F0DE054}" type="slidenum">
+              <a:rPr lang="tr-TR" smtClean="0"/>
+              <a:t>7</a:t>
+            </a:fld>
+            <a:endParaRPr lang="tr-TR"/>
+          </a:p>
+        </p:txBody>
+      </p:sp>
+    </p:spTree>
+    <p:extLst>
+      <p:ext uri="{BB962C8B-B14F-4D97-AF65-F5344CB8AC3E}">
+        <p14:creationId xmlns:p14="http://schemas.microsoft.com/office/powerpoint/2010/main" val="2409489727"/>
+      </p:ext>
+    </p:extLst>
+  </p:cSld>
+  <p:clrMapOvr>
+    <a:masterClrMapping/>
+  </p:clrMapOvr>
+</p:notes>
+</file>
+
+<file path=ppt/notesSlides/notesSlide8.xml><?xml version="1.0" encoding="utf-8"?>
+<p:notes xmlns:a="http://schemas.openxmlformats.org/drawingml/2006/main" xmlns:r="http://schemas.openxmlformats.org/officeDocument/2006/relationships" xmlns:p="http://schemas.openxmlformats.org/presentationml/2006/main">
+  <p:cSld>
+    <p:spTree>
+      <p:nvGrpSpPr>
+        <p:cNvPr id="1" name=""/>
+        <p:cNvGrpSpPr/>
+        <p:nvPr/>
+      </p:nvGrpSpPr>
+      <p:grpSpPr>
+        <a:xfrm>
+          <a:off x="0" y="0"/>
+          <a:ext cx="0" cy="0"/>
+          <a:chOff x="0" y="0"/>
+          <a:chExt cx="0" cy="0"/>
+        </a:xfrm>
+      </p:grpSpPr>
+      <p:sp>
+        <p:nvSpPr>
+          <p:cNvPr id="2" name="Slayt Görüntüsü Yer Tutucusu 1"/>
+          <p:cNvSpPr>
+            <a:spLocks noGrp="1" noRot="1" noChangeAspect="1"/>
+          </p:cNvSpPr>
+          <p:nvPr>
+            <p:ph type="sldImg"/>
+          </p:nvPr>
+        </p:nvSpPr>
+        <p:spPr/>
+      </p:sp>
+      <p:sp>
+        <p:nvSpPr>
+          <p:cNvPr id="3" name="Not Yer Tutucusu 2"/>
+          <p:cNvSpPr>
+            <a:spLocks noGrp="1"/>
+          </p:cNvSpPr>
+          <p:nvPr>
+            <p:ph type="body" idx="1"/>
+          </p:nvPr>
+        </p:nvSpPr>
+        <p:spPr/>
+        <p:txBody>
+          <a:bodyPr/>
+          <a:lstStyle/>
+          <a:p>
+            <a:r>
+              <a:rPr lang="tr-TR" dirty="0" smtClean="0"/>
+              <a:t>GET : http eylemi (</a:t>
+            </a:r>
+            <a:r>
+              <a:rPr lang="tr-TR" b="1" dirty="0" smtClean="0"/>
+              <a:t>http </a:t>
+            </a:r>
+            <a:r>
+              <a:rPr lang="tr-TR" b="1" dirty="0" err="1" smtClean="0"/>
+              <a:t>verb</a:t>
+            </a:r>
+            <a:r>
+              <a:rPr lang="tr-TR" dirty="0" smtClean="0"/>
+              <a:t>)</a:t>
+            </a:r>
+          </a:p>
+          <a:p>
+            <a:r>
+              <a:rPr lang="tr-TR" dirty="0" smtClean="0"/>
+              <a:t>http isteği (</a:t>
+            </a:r>
+            <a:r>
+              <a:rPr lang="tr-TR" b="1" dirty="0" smtClean="0"/>
+              <a:t>http </a:t>
+            </a:r>
+            <a:r>
+              <a:rPr lang="tr-TR" b="1" dirty="0" err="1" smtClean="0"/>
+              <a:t>request</a:t>
+            </a:r>
+            <a:r>
+              <a:rPr lang="tr-TR" dirty="0" smtClean="0"/>
+              <a:t>)</a:t>
+            </a:r>
+          </a:p>
+          <a:p>
+            <a:endParaRPr lang="tr-TR" dirty="0" smtClean="0"/>
+          </a:p>
+          <a:p>
+            <a:r>
+              <a:rPr lang="tr-TR" dirty="0" smtClean="0"/>
+              <a:t>Otomatik olarak web tarayıcı tarafından sunucudan </a:t>
+            </a:r>
+            <a:r>
+              <a:rPr lang="tr-TR" b="1" dirty="0" smtClean="0"/>
+              <a:t>GET</a:t>
+            </a:r>
+            <a:r>
+              <a:rPr lang="tr-TR" dirty="0" smtClean="0"/>
+              <a:t> ile istenen bazı html eleman başvuruları.</a:t>
+            </a:r>
+          </a:p>
+          <a:p>
+            <a:r>
+              <a:rPr lang="tr-TR" dirty="0" smtClean="0"/>
+              <a:t>NOT:</a:t>
+            </a:r>
+            <a:r>
+              <a:rPr lang="tr-TR" baseline="0" dirty="0" smtClean="0"/>
+              <a:t> </a:t>
+            </a:r>
+            <a:r>
+              <a:rPr lang="tr-TR" b="1" baseline="0" dirty="0" smtClean="0"/>
+              <a:t>form </a:t>
+            </a:r>
+            <a:r>
+              <a:rPr lang="tr-TR" b="0" baseline="0" dirty="0" smtClean="0"/>
+              <a:t>elemanı </a:t>
+            </a:r>
+            <a:r>
+              <a:rPr lang="tr-TR" b="1" baseline="0" dirty="0" err="1" smtClean="0"/>
+              <a:t>action</a:t>
+            </a:r>
+            <a:r>
+              <a:rPr lang="tr-TR" b="1" baseline="0" dirty="0" smtClean="0"/>
+              <a:t> </a:t>
+            </a:r>
+            <a:r>
+              <a:rPr lang="tr-TR" b="0" baseline="0" dirty="0" smtClean="0"/>
+              <a:t>özniteliğinde (</a:t>
+            </a:r>
+            <a:r>
+              <a:rPr lang="tr-TR" b="1" baseline="0" dirty="0" err="1" smtClean="0"/>
+              <a:t>attribute</a:t>
+            </a:r>
+            <a:r>
+              <a:rPr lang="tr-TR" b="0" baseline="0" dirty="0" smtClean="0"/>
+              <a:t>) </a:t>
+            </a:r>
+            <a:r>
+              <a:rPr lang="tr-TR" b="0" baseline="0" dirty="0" err="1" smtClean="0"/>
+              <a:t>yeralan</a:t>
+            </a:r>
+            <a:r>
+              <a:rPr lang="tr-TR" b="0" baseline="0" dirty="0" smtClean="0"/>
+              <a:t> başvuru web tarayıcı tarafından otomatik olarak istenmez. İstek kullanıcı tarafından etkileşimle başlatılır.</a:t>
+            </a:r>
+            <a:endParaRPr lang="tr-TR" b="0" dirty="0" smtClean="0"/>
+          </a:p>
+          <a:p>
+            <a:endParaRPr lang="tr-TR" dirty="0"/>
+          </a:p>
+        </p:txBody>
+      </p:sp>
+      <p:sp>
+        <p:nvSpPr>
+          <p:cNvPr id="4" name="Slayt Numarası Yer Tutucusu 3"/>
+          <p:cNvSpPr>
+            <a:spLocks noGrp="1"/>
+          </p:cNvSpPr>
+          <p:nvPr>
+            <p:ph type="sldNum" sz="quarter" idx="10"/>
+          </p:nvPr>
+        </p:nvSpPr>
+        <p:spPr/>
+        <p:txBody>
+          <a:bodyPr/>
+          <a:lstStyle/>
+          <a:p>
+            <a:fld id="{DEE05281-1019-47E4-9489-2E7B9F0DE054}" type="slidenum">
+              <a:rPr lang="tr-TR" smtClean="0"/>
+              <a:t>8</a:t>
+            </a:fld>
+            <a:endParaRPr lang="tr-TR"/>
+          </a:p>
+        </p:txBody>
+      </p:sp>
+    </p:spTree>
+    <p:extLst>
+      <p:ext uri="{BB962C8B-B14F-4D97-AF65-F5344CB8AC3E}">
+        <p14:creationId xmlns:p14="http://schemas.microsoft.com/office/powerpoint/2010/main" val="1418189233"/>
+      </p:ext>
+    </p:extLst>
+  </p:cSld>
+  <p:clrMapOvr>
+    <a:masterClrMapping/>
+  </p:clrMapOvr>
+</p:notes>
+</file>
+
+<file path=ppt/notesSlides/notesSlide9.xml><?xml version="1.0" encoding="utf-8"?>
+<p:notes xmlns:a="http://schemas.openxmlformats.org/drawingml/2006/main" xmlns:r="http://schemas.openxmlformats.org/officeDocument/2006/relationships" xmlns:p="http://schemas.openxmlformats.org/presentationml/2006/main">
+  <p:cSld>
+    <p:spTree>
+      <p:nvGrpSpPr>
+        <p:cNvPr id="1" name=""/>
+        <p:cNvGrpSpPr/>
+        <p:nvPr/>
+      </p:nvGrpSpPr>
+      <p:grpSpPr>
+        <a:xfrm>
+          <a:off x="0" y="0"/>
+          <a:ext cx="0" cy="0"/>
+          <a:chOff x="0" y="0"/>
+          <a:chExt cx="0" cy="0"/>
+        </a:xfrm>
+      </p:grpSpPr>
+      <p:sp>
+        <p:nvSpPr>
+          <p:cNvPr id="2" name="Slayt Görüntüsü Yer Tutucusu 1"/>
+          <p:cNvSpPr>
+            <a:spLocks noGrp="1" noRot="1" noChangeAspect="1"/>
+          </p:cNvSpPr>
+          <p:nvPr>
+            <p:ph type="sldImg"/>
+          </p:nvPr>
+        </p:nvSpPr>
+        <p:spPr/>
+      </p:sp>
+      <p:sp>
+        <p:nvSpPr>
+          <p:cNvPr id="3" name="Not Yer Tutucusu 2"/>
+          <p:cNvSpPr>
+            <a:spLocks noGrp="1"/>
+          </p:cNvSpPr>
+          <p:nvPr>
+            <p:ph type="body" idx="1"/>
+          </p:nvPr>
+        </p:nvSpPr>
+        <p:spPr/>
+        <p:txBody>
+          <a:bodyPr/>
+          <a:lstStyle/>
+          <a:p>
+            <a:pPr marL="0" marR="0" indent="0" algn="l" defTabSz="914400" rtl="0" eaLnBrk="1" fontAlgn="auto" latinLnBrk="0" hangingPunct="1">
+              <a:lnSpc>
+                <a:spcPct val="100000"/>
+              </a:lnSpc>
+              <a:spcBef>
+                <a:spcPts val="0"/>
+              </a:spcBef>
+              <a:spcAft>
+                <a:spcPts val="0"/>
+              </a:spcAft>
+              <a:buClrTx/>
+              <a:buSzTx/>
+              <a:buFontTx/>
+              <a:buNone/>
+              <a:tabLst/>
+              <a:defRPr/>
+            </a:pPr>
+            <a:r>
+              <a:rPr lang="tr-TR" dirty="0" smtClean="0"/>
+              <a:t>İstek (</a:t>
+            </a:r>
+            <a:r>
+              <a:rPr lang="tr-TR" b="1" dirty="0" err="1" smtClean="0"/>
+              <a:t>request</a:t>
+            </a:r>
+            <a:r>
+              <a:rPr lang="tr-TR" dirty="0" smtClean="0"/>
+              <a:t>) sonucunda içerik (</a:t>
+            </a:r>
+            <a:r>
+              <a:rPr lang="tr-TR" b="1" dirty="0" err="1" smtClean="0"/>
+              <a:t>content</a:t>
+            </a:r>
+            <a:r>
+              <a:rPr lang="tr-TR" dirty="0" smtClean="0"/>
+              <a:t>) döner.</a:t>
+            </a:r>
+          </a:p>
+          <a:p>
+            <a:endParaRPr lang="tr-TR" dirty="0"/>
+          </a:p>
+        </p:txBody>
+      </p:sp>
+      <p:sp>
+        <p:nvSpPr>
+          <p:cNvPr id="4" name="Slayt Numarası Yer Tutucusu 3"/>
+          <p:cNvSpPr>
+            <a:spLocks noGrp="1"/>
+          </p:cNvSpPr>
+          <p:nvPr>
+            <p:ph type="sldNum" sz="quarter" idx="10"/>
+          </p:nvPr>
+        </p:nvSpPr>
+        <p:spPr/>
+        <p:txBody>
+          <a:bodyPr/>
+          <a:lstStyle/>
+          <a:p>
+            <a:fld id="{DEE05281-1019-47E4-9489-2E7B9F0DE054}" type="slidenum">
+              <a:rPr lang="tr-TR" smtClean="0"/>
+              <a:t>9</a:t>
+            </a:fld>
+            <a:endParaRPr lang="tr-TR"/>
+          </a:p>
+        </p:txBody>
+      </p:sp>
+    </p:spTree>
+    <p:extLst>
+      <p:ext uri="{BB962C8B-B14F-4D97-AF65-F5344CB8AC3E}">
+        <p14:creationId xmlns:p14="http://schemas.microsoft.com/office/powerpoint/2010/main" val="2233555733"/>
       </p:ext>
     </p:extLst>
   </p:cSld>
@@ -1429,7 +2288,7 @@
           <a:p>
             <a:fld id="{E5BEB1E4-7665-4EB1-96F5-7B72ECBE35B2}" type="datetimeFigureOut">
               <a:rPr lang="tr-TR" smtClean="0"/>
-              <a:t>17.4.2015</a:t>
+              <a:t>18.4.2015</a:t>
             </a:fld>
             <a:endParaRPr lang="tr-TR"/>
           </a:p>
@@ -1599,7 +2458,7 @@
           <a:p>
             <a:fld id="{E5BEB1E4-7665-4EB1-96F5-7B72ECBE35B2}" type="datetimeFigureOut">
               <a:rPr lang="tr-TR" smtClean="0"/>
-              <a:t>17.4.2015</a:t>
+              <a:t>18.4.2015</a:t>
             </a:fld>
             <a:endParaRPr lang="tr-TR"/>
           </a:p>
@@ -1779,7 +2638,7 @@
           <a:p>
             <a:fld id="{E5BEB1E4-7665-4EB1-96F5-7B72ECBE35B2}" type="datetimeFigureOut">
               <a:rPr lang="tr-TR" smtClean="0"/>
-              <a:t>17.4.2015</a:t>
+              <a:t>18.4.2015</a:t>
             </a:fld>
             <a:endParaRPr lang="tr-TR"/>
           </a:p>
@@ -1949,7 +2808,7 @@
           <a:p>
             <a:fld id="{E5BEB1E4-7665-4EB1-96F5-7B72ECBE35B2}" type="datetimeFigureOut">
               <a:rPr lang="tr-TR" smtClean="0"/>
-              <a:t>17.4.2015</a:t>
+              <a:t>18.4.2015</a:t>
             </a:fld>
             <a:endParaRPr lang="tr-TR"/>
           </a:p>
@@ -2195,7 +3054,7 @@
           <a:p>
             <a:fld id="{E5BEB1E4-7665-4EB1-96F5-7B72ECBE35B2}" type="datetimeFigureOut">
               <a:rPr lang="tr-TR" smtClean="0"/>
-              <a:t>17.4.2015</a:t>
+              <a:t>18.4.2015</a:t>
             </a:fld>
             <a:endParaRPr lang="tr-TR"/>
           </a:p>
@@ -2483,7 +3342,7 @@
           <a:p>
             <a:fld id="{E5BEB1E4-7665-4EB1-96F5-7B72ECBE35B2}" type="datetimeFigureOut">
               <a:rPr lang="tr-TR" smtClean="0"/>
-              <a:t>17.4.2015</a:t>
+              <a:t>18.4.2015</a:t>
             </a:fld>
             <a:endParaRPr lang="tr-TR"/>
           </a:p>
@@ -2905,7 +3764,7 @@
           <a:p>
             <a:fld id="{E5BEB1E4-7665-4EB1-96F5-7B72ECBE35B2}" type="datetimeFigureOut">
               <a:rPr lang="tr-TR" smtClean="0"/>
-              <a:t>17.4.2015</a:t>
+              <a:t>18.4.2015</a:t>
             </a:fld>
             <a:endParaRPr lang="tr-TR"/>
           </a:p>
@@ -3023,7 +3882,7 @@
           <a:p>
             <a:fld id="{E5BEB1E4-7665-4EB1-96F5-7B72ECBE35B2}" type="datetimeFigureOut">
               <a:rPr lang="tr-TR" smtClean="0"/>
-              <a:t>17.4.2015</a:t>
+              <a:t>18.4.2015</a:t>
             </a:fld>
             <a:endParaRPr lang="tr-TR"/>
           </a:p>
@@ -3118,7 +3977,7 @@
           <a:p>
             <a:fld id="{E5BEB1E4-7665-4EB1-96F5-7B72ECBE35B2}" type="datetimeFigureOut">
               <a:rPr lang="tr-TR" smtClean="0"/>
-              <a:t>17.4.2015</a:t>
+              <a:t>18.4.2015</a:t>
             </a:fld>
             <a:endParaRPr lang="tr-TR"/>
           </a:p>
@@ -3395,7 +4254,7 @@
           <a:p>
             <a:fld id="{E5BEB1E4-7665-4EB1-96F5-7B72ECBE35B2}" type="datetimeFigureOut">
               <a:rPr lang="tr-TR" smtClean="0"/>
-              <a:t>17.4.2015</a:t>
+              <a:t>18.4.2015</a:t>
             </a:fld>
             <a:endParaRPr lang="tr-TR"/>
           </a:p>
@@ -3648,7 +4507,7 @@
           <a:p>
             <a:fld id="{E5BEB1E4-7665-4EB1-96F5-7B72ECBE35B2}" type="datetimeFigureOut">
               <a:rPr lang="tr-TR" smtClean="0"/>
-              <a:t>17.4.2015</a:t>
+              <a:t>18.4.2015</a:t>
             </a:fld>
             <a:endParaRPr lang="tr-TR"/>
           </a:p>
@@ -3861,7 +4720,7 @@
           <a:p>
             <a:fld id="{E5BEB1E4-7665-4EB1-96F5-7B72ECBE35B2}" type="datetimeFigureOut">
               <a:rPr lang="tr-TR" smtClean="0"/>
-              <a:t>17.4.2015</a:t>
+              <a:t>18.4.2015</a:t>
             </a:fld>
             <a:endParaRPr lang="tr-TR"/>
           </a:p>
@@ -4298,6 +5157,2116 @@
   <p:clrMapOvr>
     <a:masterClrMapping/>
   </p:clrMapOvr>
+  <p:timing>
+    <p:tnLst>
+      <p:par>
+        <p:cTn id="1" dur="indefinite" restart="never" nodeType="tmRoot"/>
+      </p:par>
+    </p:tnLst>
+  </p:timing>
+</p:sld>
+</file>
+
+<file path=ppt/slides/slide10.xml><?xml version="1.0" encoding="utf-8"?>
+<p:sld xmlns:a="http://schemas.openxmlformats.org/drawingml/2006/main" xmlns:r="http://schemas.openxmlformats.org/officeDocument/2006/relationships" xmlns:p="http://schemas.openxmlformats.org/presentationml/2006/main">
+  <p:cSld>
+    <p:spTree>
+      <p:nvGrpSpPr>
+        <p:cNvPr id="1" name=""/>
+        <p:cNvGrpSpPr/>
+        <p:nvPr/>
+      </p:nvGrpSpPr>
+      <p:grpSpPr>
+        <a:xfrm>
+          <a:off x="0" y="0"/>
+          <a:ext cx="0" cy="0"/>
+          <a:chOff x="0" y="0"/>
+          <a:chExt cx="0" cy="0"/>
+        </a:xfrm>
+      </p:grpSpPr>
+      <p:pic>
+        <p:nvPicPr>
+          <p:cNvPr id="21" name="Resim 20"/>
+          <p:cNvPicPr>
+            <a:picLocks noChangeAspect="1"/>
+          </p:cNvPicPr>
+          <p:nvPr/>
+        </p:nvPicPr>
+        <p:blipFill>
+          <a:blip r:embed="rId3" cstate="print">
+            <a:extLst>
+              <a:ext uri="{28A0092B-C50C-407E-A947-70E740481C1C}">
+                <a14:useLocalDpi xmlns:a14="http://schemas.microsoft.com/office/drawing/2010/main" val="0"/>
+              </a:ext>
+            </a:extLst>
+          </a:blip>
+          <a:stretch>
+            <a:fillRect/>
+          </a:stretch>
+        </p:blipFill>
+        <p:spPr>
+          <a:xfrm>
+            <a:off x="608443" y="2204864"/>
+            <a:ext cx="2223247" cy="936104"/>
+          </a:xfrm>
+          <a:prstGeom prst="rect">
+            <a:avLst/>
+          </a:prstGeom>
+        </p:spPr>
+      </p:pic>
+      <p:pic>
+        <p:nvPicPr>
+          <p:cNvPr id="23" name="İçerik Yer Tutucusu 22"/>
+          <p:cNvPicPr>
+            <a:picLocks noGrp="1" noChangeAspect="1"/>
+          </p:cNvPicPr>
+          <p:nvPr>
+            <p:ph idx="1"/>
+          </p:nvPr>
+        </p:nvPicPr>
+        <p:blipFill>
+          <a:blip r:embed="rId4">
+            <a:extLst>
+              <a:ext uri="{28A0092B-C50C-407E-A947-70E740481C1C}">
+                <a14:useLocalDpi xmlns:a14="http://schemas.microsoft.com/office/drawing/2010/main" val="0"/>
+              </a:ext>
+            </a:extLst>
+          </a:blip>
+          <a:stretch>
+            <a:fillRect/>
+          </a:stretch>
+        </p:blipFill>
+        <p:spPr>
+          <a:xfrm>
+            <a:off x="5004048" y="3210808"/>
+            <a:ext cx="1072229" cy="1643351"/>
+          </a:xfrm>
+        </p:spPr>
+      </p:pic>
+      <p:sp>
+        <p:nvSpPr>
+          <p:cNvPr id="11" name="Yuvarlatılmış Dikdörtgen 10"/>
+          <p:cNvSpPr/>
+          <p:nvPr/>
+        </p:nvSpPr>
+        <p:spPr>
+          <a:xfrm>
+            <a:off x="1348892" y="2841908"/>
+            <a:ext cx="742719" cy="144640"/>
+          </a:xfrm>
+          <a:prstGeom prst="roundRect">
+            <a:avLst/>
+          </a:prstGeom>
+          <a:noFill/>
+        </p:spPr>
+        <p:style>
+          <a:lnRef idx="2">
+            <a:schemeClr val="accent1">
+              <a:shade val="50000"/>
+            </a:schemeClr>
+          </a:lnRef>
+          <a:fillRef idx="1">
+            <a:schemeClr val="accent1"/>
+          </a:fillRef>
+          <a:effectRef idx="0">
+            <a:schemeClr val="accent1"/>
+          </a:effectRef>
+          <a:fontRef idx="minor">
+            <a:schemeClr val="lt1"/>
+          </a:fontRef>
+        </p:style>
+        <p:txBody>
+          <a:bodyPr rtlCol="0" anchor="ctr"/>
+          <a:lstStyle/>
+          <a:p>
+            <a:pPr algn="ctr"/>
+            <a:endParaRPr lang="tr-TR"/>
+          </a:p>
+        </p:txBody>
+      </p:sp>
+      <p:sp>
+        <p:nvSpPr>
+          <p:cNvPr id="14" name="Metin kutusu 13"/>
+          <p:cNvSpPr txBox="1"/>
+          <p:nvPr/>
+        </p:nvSpPr>
+        <p:spPr>
+          <a:xfrm>
+            <a:off x="348754" y="3492981"/>
+            <a:ext cx="2842552" cy="261610"/>
+          </a:xfrm>
+          <a:prstGeom prst="rect">
+            <a:avLst/>
+          </a:prstGeom>
+          <a:noFill/>
+          <a:ln>
+            <a:solidFill>
+              <a:srgbClr val="7030A0"/>
+            </a:solidFill>
+            <a:prstDash val="dash"/>
+          </a:ln>
+        </p:spPr>
+        <p:txBody>
+          <a:bodyPr wrap="square" rtlCol="0">
+            <a:spAutoFit/>
+          </a:bodyPr>
+          <a:lstStyle/>
+          <a:p>
+            <a:pPr algn="ctr"/>
+            <a:r>
+              <a:rPr lang="tr-TR" sz="1100" dirty="0"/>
+              <a:t>GET</a:t>
+            </a:r>
+            <a:r>
+              <a:rPr lang="tr-TR" sz="1100" dirty="0">
+                <a:solidFill>
+                  <a:srgbClr val="0070C0"/>
+                </a:solidFill>
+              </a:rPr>
+              <a:t> </a:t>
+            </a:r>
+            <a:r>
+              <a:rPr lang="tr-TR" sz="1100" b="1" dirty="0">
+                <a:solidFill>
+                  <a:srgbClr val="7030A0"/>
+                </a:solidFill>
+              </a:rPr>
+              <a:t>http</a:t>
+            </a:r>
+            <a:r>
+              <a:rPr lang="tr-TR" sz="1100" b="1" dirty="0"/>
+              <a:t>://</a:t>
+            </a:r>
+            <a:r>
+              <a:rPr lang="tr-TR" sz="1100" b="1" dirty="0">
+                <a:solidFill>
+                  <a:schemeClr val="accent2">
+                    <a:lumMod val="75000"/>
+                  </a:schemeClr>
+                </a:solidFill>
+              </a:rPr>
+              <a:t>www</a:t>
+            </a:r>
+            <a:r>
+              <a:rPr lang="tr-TR" sz="1100" b="1" dirty="0"/>
+              <a:t>.</a:t>
+            </a:r>
+            <a:r>
+              <a:rPr lang="tr-TR" sz="1100" b="1" dirty="0">
+                <a:solidFill>
+                  <a:schemeClr val="tx2">
+                    <a:lumMod val="60000"/>
+                    <a:lumOff val="40000"/>
+                  </a:schemeClr>
+                </a:solidFill>
+              </a:rPr>
+              <a:t>gazete.com</a:t>
+            </a:r>
+            <a:r>
+              <a:rPr lang="tr-TR" sz="1100" b="1" dirty="0"/>
+              <a:t>/</a:t>
+            </a:r>
+            <a:r>
+              <a:rPr lang="tr-TR" sz="1100" dirty="0">
+                <a:solidFill>
+                  <a:schemeClr val="accent3">
+                    <a:lumMod val="75000"/>
+                  </a:schemeClr>
+                </a:solidFill>
+              </a:rPr>
+              <a:t>s</a:t>
+            </a:r>
+            <a:r>
+              <a:rPr lang="en-US" sz="1100" dirty="0" err="1">
+                <a:solidFill>
+                  <a:schemeClr val="accent3">
+                    <a:lumMod val="75000"/>
+                  </a:schemeClr>
+                </a:solidFill>
+              </a:rPr>
+              <a:t>tatic</a:t>
+            </a:r>
+            <a:r>
+              <a:rPr lang="tr-TR" sz="1100" dirty="0" smtClean="0">
+                <a:solidFill>
+                  <a:schemeClr val="accent3">
+                    <a:lumMod val="75000"/>
+                  </a:schemeClr>
+                </a:solidFill>
+              </a:rPr>
+              <a:t>/</a:t>
+            </a:r>
+            <a:r>
+              <a:rPr lang="tr-TR" sz="1100" dirty="0" err="1" smtClean="0">
+                <a:solidFill>
+                  <a:schemeClr val="accent3">
+                    <a:lumMod val="75000"/>
+                  </a:schemeClr>
+                </a:solidFill>
+              </a:rPr>
+              <a:t>smile</a:t>
+            </a:r>
+            <a:r>
+              <a:rPr lang="en-US" sz="1100" dirty="0" smtClean="0">
+                <a:solidFill>
+                  <a:schemeClr val="accent3">
+                    <a:lumMod val="75000"/>
+                  </a:schemeClr>
+                </a:solidFill>
+              </a:rPr>
+              <a:t>.</a:t>
+            </a:r>
+            <a:r>
+              <a:rPr lang="tr-TR" sz="1100" dirty="0" err="1" smtClean="0">
+                <a:solidFill>
+                  <a:schemeClr val="accent3">
+                    <a:lumMod val="75000"/>
+                  </a:schemeClr>
+                </a:solidFill>
+              </a:rPr>
+              <a:t>jpg</a:t>
+            </a:r>
+            <a:endParaRPr lang="tr-TR" sz="1100" dirty="0">
+              <a:solidFill>
+                <a:srgbClr val="0070C0"/>
+              </a:solidFill>
+            </a:endParaRPr>
+          </a:p>
+        </p:txBody>
+      </p:sp>
+      <p:cxnSp>
+        <p:nvCxnSpPr>
+          <p:cNvPr id="16" name="Düz Ok Bağlayıcısı 15"/>
+          <p:cNvCxnSpPr>
+            <a:stCxn id="11" idx="2"/>
+          </p:cNvCxnSpPr>
+          <p:nvPr/>
+        </p:nvCxnSpPr>
+        <p:spPr>
+          <a:xfrm flipH="1">
+            <a:off x="1720066" y="2986548"/>
+            <a:ext cx="186" cy="498735"/>
+          </a:xfrm>
+          <a:prstGeom prst="straightConnector1">
+            <a:avLst/>
+          </a:prstGeom>
+          <a:ln w="19050">
+            <a:solidFill>
+              <a:schemeClr val="accent1">
+                <a:lumMod val="75000"/>
+              </a:schemeClr>
+            </a:solidFill>
+            <a:tailEnd type="arrow"/>
+          </a:ln>
+        </p:spPr>
+        <p:style>
+          <a:lnRef idx="1">
+            <a:schemeClr val="accent1"/>
+          </a:lnRef>
+          <a:fillRef idx="0">
+            <a:schemeClr val="accent1"/>
+          </a:fillRef>
+          <a:effectRef idx="0">
+            <a:schemeClr val="accent1"/>
+          </a:effectRef>
+          <a:fontRef idx="minor">
+            <a:schemeClr val="tx1"/>
+          </a:fontRef>
+        </p:style>
+      </p:cxnSp>
+      <p:cxnSp>
+        <p:nvCxnSpPr>
+          <p:cNvPr id="17" name="Düz Ok Bağlayıcısı 16"/>
+          <p:cNvCxnSpPr/>
+          <p:nvPr/>
+        </p:nvCxnSpPr>
+        <p:spPr>
+          <a:xfrm>
+            <a:off x="3223750" y="3623786"/>
+            <a:ext cx="1790684" cy="0"/>
+          </a:xfrm>
+          <a:prstGeom prst="straightConnector1">
+            <a:avLst/>
+          </a:prstGeom>
+          <a:ln w="19050">
+            <a:solidFill>
+              <a:srgbClr val="7030A0"/>
+            </a:solidFill>
+            <a:tailEnd type="arrow"/>
+          </a:ln>
+        </p:spPr>
+        <p:style>
+          <a:lnRef idx="1">
+            <a:schemeClr val="accent1"/>
+          </a:lnRef>
+          <a:fillRef idx="0">
+            <a:schemeClr val="accent1"/>
+          </a:fillRef>
+          <a:effectRef idx="0">
+            <a:schemeClr val="accent1"/>
+          </a:effectRef>
+          <a:fontRef idx="minor">
+            <a:schemeClr val="tx1"/>
+          </a:fontRef>
+        </p:style>
+      </p:cxnSp>
+      <p:cxnSp>
+        <p:nvCxnSpPr>
+          <p:cNvPr id="20" name="Düz Bağlayıcı 19"/>
+          <p:cNvCxnSpPr/>
+          <p:nvPr/>
+        </p:nvCxnSpPr>
+        <p:spPr>
+          <a:xfrm>
+            <a:off x="4008298" y="2149132"/>
+            <a:ext cx="72008" cy="3753118"/>
+          </a:xfrm>
+          <a:prstGeom prst="line">
+            <a:avLst/>
+          </a:prstGeom>
+          <a:ln w="28575">
+            <a:solidFill>
+              <a:srgbClr val="7030A0"/>
+            </a:solidFill>
+            <a:prstDash val="dash"/>
+          </a:ln>
+        </p:spPr>
+        <p:style>
+          <a:lnRef idx="1">
+            <a:schemeClr val="accent1"/>
+          </a:lnRef>
+          <a:fillRef idx="0">
+            <a:schemeClr val="accent1"/>
+          </a:fillRef>
+          <a:effectRef idx="0">
+            <a:schemeClr val="accent1"/>
+          </a:effectRef>
+          <a:fontRef idx="minor">
+            <a:schemeClr val="tx1"/>
+          </a:fontRef>
+        </p:style>
+      </p:cxnSp>
+      <p:sp>
+        <p:nvSpPr>
+          <p:cNvPr id="22" name="Metin kutusu 21"/>
+          <p:cNvSpPr txBox="1"/>
+          <p:nvPr/>
+        </p:nvSpPr>
+        <p:spPr>
+          <a:xfrm>
+            <a:off x="3609004" y="1677305"/>
+            <a:ext cx="843912" cy="461665"/>
+          </a:xfrm>
+          <a:prstGeom prst="rect">
+            <a:avLst/>
+          </a:prstGeom>
+          <a:noFill/>
+        </p:spPr>
+        <p:txBody>
+          <a:bodyPr wrap="square" rtlCol="0">
+            <a:spAutoFit/>
+          </a:bodyPr>
+          <a:lstStyle/>
+          <a:p>
+            <a:pPr algn="ctr"/>
+            <a:r>
+              <a:rPr lang="tr-TR" sz="2400" b="1" dirty="0" smtClean="0">
+                <a:solidFill>
+                  <a:srgbClr val="7030A0"/>
+                </a:solidFill>
+              </a:rPr>
+              <a:t>http</a:t>
+            </a:r>
+            <a:endParaRPr lang="tr-TR" sz="2400" b="1" dirty="0">
+              <a:solidFill>
+                <a:srgbClr val="7030A0"/>
+              </a:solidFill>
+            </a:endParaRPr>
+          </a:p>
+        </p:txBody>
+      </p:sp>
+      <p:sp>
+        <p:nvSpPr>
+          <p:cNvPr id="24" name="Metin kutusu 23"/>
+          <p:cNvSpPr txBox="1"/>
+          <p:nvPr/>
+        </p:nvSpPr>
+        <p:spPr>
+          <a:xfrm>
+            <a:off x="4823088" y="2728271"/>
+            <a:ext cx="1491228" cy="461665"/>
+          </a:xfrm>
+          <a:prstGeom prst="rect">
+            <a:avLst/>
+          </a:prstGeom>
+          <a:noFill/>
+        </p:spPr>
+        <p:txBody>
+          <a:bodyPr wrap="square" rtlCol="0">
+            <a:spAutoFit/>
+          </a:bodyPr>
+          <a:lstStyle/>
+          <a:p>
+            <a:pPr algn="ctr"/>
+            <a:r>
+              <a:rPr lang="tr-TR" sz="2400" b="1" dirty="0" smtClean="0">
+                <a:solidFill>
+                  <a:schemeClr val="accent2">
+                    <a:lumMod val="75000"/>
+                  </a:schemeClr>
+                </a:solidFill>
+              </a:rPr>
+              <a:t>www</a:t>
+            </a:r>
+            <a:endParaRPr lang="tr-TR" sz="2400" b="1" dirty="0">
+              <a:solidFill>
+                <a:schemeClr val="accent2">
+                  <a:lumMod val="75000"/>
+                </a:schemeClr>
+              </a:solidFill>
+            </a:endParaRPr>
+          </a:p>
+        </p:txBody>
+      </p:sp>
+      <p:sp>
+        <p:nvSpPr>
+          <p:cNvPr id="30" name="Yuvarlatılmış Dikdörtgen 29"/>
+          <p:cNvSpPr/>
+          <p:nvPr/>
+        </p:nvSpPr>
+        <p:spPr>
+          <a:xfrm>
+            <a:off x="6307545" y="3515774"/>
+            <a:ext cx="1576824" cy="1152128"/>
+          </a:xfrm>
+          <a:prstGeom prst="roundRect">
+            <a:avLst/>
+          </a:prstGeom>
+          <a:noFill/>
+          <a:ln>
+            <a:solidFill>
+              <a:schemeClr val="accent3">
+                <a:lumMod val="75000"/>
+              </a:schemeClr>
+            </a:solidFill>
+          </a:ln>
+        </p:spPr>
+        <p:style>
+          <a:lnRef idx="2">
+            <a:schemeClr val="accent1">
+              <a:shade val="50000"/>
+            </a:schemeClr>
+          </a:lnRef>
+          <a:fillRef idx="1">
+            <a:schemeClr val="accent1"/>
+          </a:fillRef>
+          <a:effectRef idx="0">
+            <a:schemeClr val="accent1"/>
+          </a:effectRef>
+          <a:fontRef idx="minor">
+            <a:schemeClr val="lt1"/>
+          </a:fontRef>
+        </p:style>
+        <p:txBody>
+          <a:bodyPr rtlCol="0" anchor="ctr"/>
+          <a:lstStyle/>
+          <a:p>
+            <a:pPr algn="ctr"/>
+            <a:endParaRPr lang="tr-TR"/>
+          </a:p>
+        </p:txBody>
+      </p:sp>
+      <p:sp>
+        <p:nvSpPr>
+          <p:cNvPr id="31" name="Metin kutusu 30"/>
+          <p:cNvSpPr txBox="1"/>
+          <p:nvPr/>
+        </p:nvSpPr>
+        <p:spPr>
+          <a:xfrm>
+            <a:off x="6212294" y="3189936"/>
+            <a:ext cx="1720840" cy="369332"/>
+          </a:xfrm>
+          <a:prstGeom prst="rect">
+            <a:avLst/>
+          </a:prstGeom>
+          <a:noFill/>
+        </p:spPr>
+        <p:txBody>
+          <a:bodyPr wrap="square" rtlCol="0">
+            <a:spAutoFit/>
+          </a:bodyPr>
+          <a:lstStyle/>
+          <a:p>
+            <a:r>
+              <a:rPr lang="tr-TR" dirty="0" smtClean="0">
+                <a:solidFill>
+                  <a:schemeClr val="accent3">
+                    <a:lumMod val="75000"/>
+                  </a:schemeClr>
+                </a:solidFill>
+              </a:rPr>
+              <a:t>/</a:t>
+            </a:r>
+            <a:r>
+              <a:rPr lang="tr-TR" dirty="0" err="1" smtClean="0">
+                <a:solidFill>
+                  <a:schemeClr val="accent3">
+                    <a:lumMod val="75000"/>
+                  </a:schemeClr>
+                </a:solidFill>
+              </a:rPr>
+              <a:t>static</a:t>
+            </a:r>
+            <a:r>
+              <a:rPr lang="tr-TR" dirty="0" smtClean="0">
+                <a:solidFill>
+                  <a:schemeClr val="accent3">
+                    <a:lumMod val="75000"/>
+                  </a:schemeClr>
+                </a:solidFill>
+              </a:rPr>
+              <a:t>/smile.jpg</a:t>
+            </a:r>
+            <a:endParaRPr lang="tr-TR" dirty="0">
+              <a:solidFill>
+                <a:schemeClr val="accent3">
+                  <a:lumMod val="75000"/>
+                </a:schemeClr>
+              </a:solidFill>
+            </a:endParaRPr>
+          </a:p>
+        </p:txBody>
+      </p:sp>
+      <p:sp>
+        <p:nvSpPr>
+          <p:cNvPr id="37" name="Yuvarlatılmış Dikdörtgen 36"/>
+          <p:cNvSpPr/>
+          <p:nvPr/>
+        </p:nvSpPr>
+        <p:spPr>
+          <a:xfrm>
+            <a:off x="558903" y="4199850"/>
+            <a:ext cx="2572937" cy="1152128"/>
+          </a:xfrm>
+          <a:prstGeom prst="roundRect">
+            <a:avLst/>
+          </a:prstGeom>
+          <a:noFill/>
+          <a:ln>
+            <a:solidFill>
+              <a:srgbClr val="0070C0"/>
+            </a:solidFill>
+            <a:prstDash val="sysDot"/>
+          </a:ln>
+        </p:spPr>
+        <p:style>
+          <a:lnRef idx="2">
+            <a:schemeClr val="accent1">
+              <a:shade val="50000"/>
+            </a:schemeClr>
+          </a:lnRef>
+          <a:fillRef idx="1">
+            <a:schemeClr val="accent1"/>
+          </a:fillRef>
+          <a:effectRef idx="0">
+            <a:schemeClr val="accent1"/>
+          </a:effectRef>
+          <a:fontRef idx="minor">
+            <a:schemeClr val="lt1"/>
+          </a:fontRef>
+        </p:style>
+        <p:txBody>
+          <a:bodyPr rtlCol="0" anchor="ctr"/>
+          <a:lstStyle/>
+          <a:p>
+            <a:pPr algn="ctr"/>
+            <a:endParaRPr lang="tr-TR"/>
+          </a:p>
+        </p:txBody>
+      </p:sp>
+      <p:sp>
+        <p:nvSpPr>
+          <p:cNvPr id="47" name="Metin kutusu 46"/>
+          <p:cNvSpPr txBox="1"/>
+          <p:nvPr/>
+        </p:nvSpPr>
+        <p:spPr>
+          <a:xfrm>
+            <a:off x="3223750" y="3346784"/>
+            <a:ext cx="792088" cy="276999"/>
+          </a:xfrm>
+          <a:prstGeom prst="rect">
+            <a:avLst/>
+          </a:prstGeom>
+          <a:noFill/>
+        </p:spPr>
+        <p:txBody>
+          <a:bodyPr wrap="square" rtlCol="0">
+            <a:spAutoFit/>
+          </a:bodyPr>
+          <a:lstStyle/>
+          <a:p>
+            <a:pPr algn="ctr"/>
+            <a:r>
+              <a:rPr lang="tr-TR" sz="1200" b="1" dirty="0" err="1" smtClean="0">
+                <a:solidFill>
+                  <a:srgbClr val="7030A0"/>
+                </a:solidFill>
+              </a:rPr>
+              <a:t>request</a:t>
+            </a:r>
+            <a:endParaRPr lang="tr-TR" sz="1200" b="1" dirty="0">
+              <a:solidFill>
+                <a:srgbClr val="7030A0"/>
+              </a:solidFill>
+            </a:endParaRPr>
+          </a:p>
+        </p:txBody>
+      </p:sp>
+      <p:sp>
+        <p:nvSpPr>
+          <p:cNvPr id="49" name="Metin kutusu 48"/>
+          <p:cNvSpPr txBox="1"/>
+          <p:nvPr/>
+        </p:nvSpPr>
+        <p:spPr>
+          <a:xfrm>
+            <a:off x="4082992" y="3953338"/>
+            <a:ext cx="892245" cy="276999"/>
+          </a:xfrm>
+          <a:prstGeom prst="rect">
+            <a:avLst/>
+          </a:prstGeom>
+          <a:noFill/>
+        </p:spPr>
+        <p:txBody>
+          <a:bodyPr wrap="square" rtlCol="0">
+            <a:spAutoFit/>
+          </a:bodyPr>
+          <a:lstStyle/>
+          <a:p>
+            <a:pPr algn="ctr"/>
+            <a:r>
+              <a:rPr lang="tr-TR" sz="1200" b="1" dirty="0" err="1" smtClean="0">
+                <a:solidFill>
+                  <a:srgbClr val="7030A0"/>
+                </a:solidFill>
+              </a:rPr>
+              <a:t>response</a:t>
+            </a:r>
+            <a:endParaRPr lang="tr-TR" sz="1200" b="1" dirty="0">
+              <a:solidFill>
+                <a:srgbClr val="7030A0"/>
+              </a:solidFill>
+            </a:endParaRPr>
+          </a:p>
+        </p:txBody>
+      </p:sp>
+      <p:sp>
+        <p:nvSpPr>
+          <p:cNvPr id="53" name="Metin kutusu 52"/>
+          <p:cNvSpPr txBox="1"/>
+          <p:nvPr/>
+        </p:nvSpPr>
+        <p:spPr>
+          <a:xfrm>
+            <a:off x="5903106" y="1628800"/>
+            <a:ext cx="1264064" cy="369332"/>
+          </a:xfrm>
+          <a:prstGeom prst="rect">
+            <a:avLst/>
+          </a:prstGeom>
+          <a:noFill/>
+          <a:ln w="19050">
+            <a:solidFill>
+              <a:schemeClr val="tx2">
+                <a:lumMod val="60000"/>
+                <a:lumOff val="40000"/>
+              </a:schemeClr>
+            </a:solidFill>
+          </a:ln>
+        </p:spPr>
+        <p:txBody>
+          <a:bodyPr wrap="none" rtlCol="0">
+            <a:spAutoFit/>
+          </a:bodyPr>
+          <a:lstStyle/>
+          <a:p>
+            <a:r>
+              <a:rPr lang="tr-TR" b="1" dirty="0">
+                <a:solidFill>
+                  <a:schemeClr val="tx2">
+                    <a:lumMod val="60000"/>
+                    <a:lumOff val="40000"/>
+                  </a:schemeClr>
+                </a:solidFill>
+              </a:rPr>
+              <a:t>gazete.com</a:t>
+            </a:r>
+            <a:endParaRPr lang="tr-TR" dirty="0"/>
+          </a:p>
+        </p:txBody>
+      </p:sp>
+      <p:cxnSp>
+        <p:nvCxnSpPr>
+          <p:cNvPr id="68" name="Düz Ok Bağlayıcısı 67"/>
+          <p:cNvCxnSpPr/>
+          <p:nvPr/>
+        </p:nvCxnSpPr>
+        <p:spPr>
+          <a:xfrm flipH="1">
+            <a:off x="3172792" y="4226488"/>
+            <a:ext cx="1787587" cy="0"/>
+          </a:xfrm>
+          <a:prstGeom prst="straightConnector1">
+            <a:avLst/>
+          </a:prstGeom>
+          <a:ln w="19050">
+            <a:solidFill>
+              <a:srgbClr val="7030A0"/>
+            </a:solidFill>
+            <a:tailEnd type="arrow"/>
+          </a:ln>
+        </p:spPr>
+        <p:style>
+          <a:lnRef idx="1">
+            <a:schemeClr val="accent1"/>
+          </a:lnRef>
+          <a:fillRef idx="0">
+            <a:schemeClr val="accent1"/>
+          </a:fillRef>
+          <a:effectRef idx="0">
+            <a:schemeClr val="accent1"/>
+          </a:effectRef>
+          <a:fontRef idx="minor">
+            <a:schemeClr val="tx1"/>
+          </a:fontRef>
+        </p:style>
+      </p:cxnSp>
+      <p:sp>
+        <p:nvSpPr>
+          <p:cNvPr id="71" name="Başlık 1"/>
+          <p:cNvSpPr>
+            <a:spLocks noGrp="1"/>
+          </p:cNvSpPr>
+          <p:nvPr>
+            <p:ph type="title"/>
+          </p:nvPr>
+        </p:nvSpPr>
+        <p:spPr/>
+        <p:txBody>
+          <a:bodyPr>
+            <a:normAutofit fontScale="90000"/>
+          </a:bodyPr>
+          <a:lstStyle/>
+          <a:p>
+            <a:r>
+              <a:rPr lang="tr-TR" sz="4900" dirty="0" smtClean="0"/>
+              <a:t>URL ve link </a:t>
+            </a:r>
+            <a:r>
+              <a:rPr lang="tr-TR" dirty="0" smtClean="0"/>
+              <a:t/>
+            </a:r>
+            <a:br>
+              <a:rPr lang="tr-TR" dirty="0" smtClean="0"/>
+            </a:br>
+            <a:r>
+              <a:rPr lang="tr-TR" b="1" dirty="0" smtClean="0"/>
+              <a:t>http</a:t>
+            </a:r>
+            <a:r>
+              <a:rPr lang="tr-TR" dirty="0" smtClean="0"/>
+              <a:t> </a:t>
+            </a:r>
+            <a:r>
+              <a:rPr lang="tr-TR" b="1" dirty="0" smtClean="0"/>
+              <a:t>GET</a:t>
+            </a:r>
+            <a:r>
+              <a:rPr lang="tr-TR" dirty="0" smtClean="0"/>
+              <a:t> isteği</a:t>
+            </a:r>
+            <a:endParaRPr lang="tr-TR" dirty="0"/>
+          </a:p>
+        </p:txBody>
+      </p:sp>
+      <p:pic>
+        <p:nvPicPr>
+          <p:cNvPr id="5" name="Resim 4"/>
+          <p:cNvPicPr>
+            <a:picLocks noChangeAspect="1"/>
+          </p:cNvPicPr>
+          <p:nvPr/>
+        </p:nvPicPr>
+        <p:blipFill>
+          <a:blip r:embed="rId5">
+            <a:extLst>
+              <a:ext uri="{28A0092B-C50C-407E-A947-70E740481C1C}">
+                <a14:useLocalDpi xmlns:a14="http://schemas.microsoft.com/office/drawing/2010/main" val="0"/>
+              </a:ext>
+            </a:extLst>
+          </a:blip>
+          <a:stretch>
+            <a:fillRect/>
+          </a:stretch>
+        </p:blipFill>
+        <p:spPr>
+          <a:xfrm>
+            <a:off x="6439313" y="3605270"/>
+            <a:ext cx="1266802" cy="973135"/>
+          </a:xfrm>
+          <a:prstGeom prst="rect">
+            <a:avLst/>
+          </a:prstGeom>
+        </p:spPr>
+      </p:pic>
+      <p:pic>
+        <p:nvPicPr>
+          <p:cNvPr id="26" name="Resim 25"/>
+          <p:cNvPicPr>
+            <a:picLocks noChangeAspect="1"/>
+          </p:cNvPicPr>
+          <p:nvPr/>
+        </p:nvPicPr>
+        <p:blipFill>
+          <a:blip r:embed="rId5">
+            <a:extLst>
+              <a:ext uri="{28A0092B-C50C-407E-A947-70E740481C1C}">
+                <a14:useLocalDpi xmlns:a14="http://schemas.microsoft.com/office/drawing/2010/main" val="0"/>
+              </a:ext>
+            </a:extLst>
+          </a:blip>
+          <a:stretch>
+            <a:fillRect/>
+          </a:stretch>
+        </p:blipFill>
+        <p:spPr>
+          <a:xfrm>
+            <a:off x="6462556" y="3605270"/>
+            <a:ext cx="1266802" cy="973135"/>
+          </a:xfrm>
+          <a:prstGeom prst="rect">
+            <a:avLst/>
+          </a:prstGeom>
+        </p:spPr>
+      </p:pic>
+      <p:pic>
+        <p:nvPicPr>
+          <p:cNvPr id="6" name="Resim 5"/>
+          <p:cNvPicPr>
+            <a:picLocks noChangeAspect="1"/>
+          </p:cNvPicPr>
+          <p:nvPr/>
+        </p:nvPicPr>
+        <p:blipFill>
+          <a:blip r:embed="rId6">
+            <a:extLst>
+              <a:ext uri="{28A0092B-C50C-407E-A947-70E740481C1C}">
+                <a14:useLocalDpi xmlns:a14="http://schemas.microsoft.com/office/drawing/2010/main" val="0"/>
+              </a:ext>
+            </a:extLst>
+          </a:blip>
+          <a:stretch>
+            <a:fillRect/>
+          </a:stretch>
+        </p:blipFill>
+        <p:spPr>
+          <a:xfrm>
+            <a:off x="1259388" y="4279615"/>
+            <a:ext cx="992597" cy="992597"/>
+          </a:xfrm>
+          <a:prstGeom prst="rect">
+            <a:avLst/>
+          </a:prstGeom>
+        </p:spPr>
+      </p:pic>
+    </p:spTree>
+    <p:extLst>
+      <p:ext uri="{BB962C8B-B14F-4D97-AF65-F5344CB8AC3E}">
+        <p14:creationId xmlns:p14="http://schemas.microsoft.com/office/powerpoint/2010/main" val="3079816602"/>
+      </p:ext>
+    </p:extLst>
+  </p:cSld>
+  <p:clrMapOvr>
+    <a:masterClrMapping/>
+  </p:clrMapOvr>
+  <p:timing>
+    <p:tnLst>
+      <p:par>
+        <p:cTn id="1" dur="indefinite" restart="never" nodeType="tmRoot"/>
+      </p:par>
+    </p:tnLst>
+  </p:timing>
+</p:sld>
+</file>
+
+<file path=ppt/slides/slide11.xml><?xml version="1.0" encoding="utf-8"?>
+<p:sld xmlns:a="http://schemas.openxmlformats.org/drawingml/2006/main" xmlns:r="http://schemas.openxmlformats.org/officeDocument/2006/relationships" xmlns:p="http://schemas.openxmlformats.org/presentationml/2006/main">
+  <p:cSld>
+    <p:spTree>
+      <p:nvGrpSpPr>
+        <p:cNvPr id="1" name=""/>
+        <p:cNvGrpSpPr/>
+        <p:nvPr/>
+      </p:nvGrpSpPr>
+      <p:grpSpPr>
+        <a:xfrm>
+          <a:off x="0" y="0"/>
+          <a:ext cx="0" cy="0"/>
+          <a:chOff x="0" y="0"/>
+          <a:chExt cx="0" cy="0"/>
+        </a:xfrm>
+      </p:grpSpPr>
+      <p:cxnSp>
+        <p:nvCxnSpPr>
+          <p:cNvPr id="20" name="Düz Bağlayıcı 19"/>
+          <p:cNvCxnSpPr/>
+          <p:nvPr/>
+        </p:nvCxnSpPr>
+        <p:spPr>
+          <a:xfrm>
+            <a:off x="4008298" y="2149132"/>
+            <a:ext cx="72008" cy="3753118"/>
+          </a:xfrm>
+          <a:prstGeom prst="line">
+            <a:avLst/>
+          </a:prstGeom>
+          <a:ln w="28575">
+            <a:solidFill>
+              <a:srgbClr val="7030A0"/>
+            </a:solidFill>
+            <a:prstDash val="dash"/>
+          </a:ln>
+        </p:spPr>
+        <p:style>
+          <a:lnRef idx="1">
+            <a:schemeClr val="accent1"/>
+          </a:lnRef>
+          <a:fillRef idx="0">
+            <a:schemeClr val="accent1"/>
+          </a:fillRef>
+          <a:effectRef idx="0">
+            <a:schemeClr val="accent1"/>
+          </a:effectRef>
+          <a:fontRef idx="minor">
+            <a:schemeClr val="tx1"/>
+          </a:fontRef>
+        </p:style>
+      </p:cxnSp>
+      <p:pic>
+        <p:nvPicPr>
+          <p:cNvPr id="2" name="Resim 1"/>
+          <p:cNvPicPr>
+            <a:picLocks noChangeAspect="1"/>
+          </p:cNvPicPr>
+          <p:nvPr/>
+        </p:nvPicPr>
+        <p:blipFill>
+          <a:blip r:embed="rId3" cstate="print">
+            <a:extLst>
+              <a:ext uri="{28A0092B-C50C-407E-A947-70E740481C1C}">
+                <a14:useLocalDpi xmlns:a14="http://schemas.microsoft.com/office/drawing/2010/main" val="0"/>
+              </a:ext>
+            </a:extLst>
+          </a:blip>
+          <a:stretch>
+            <a:fillRect/>
+          </a:stretch>
+        </p:blipFill>
+        <p:spPr>
+          <a:xfrm>
+            <a:off x="567709" y="1933041"/>
+            <a:ext cx="2254860" cy="1345700"/>
+          </a:xfrm>
+          <a:prstGeom prst="rect">
+            <a:avLst/>
+          </a:prstGeom>
+        </p:spPr>
+      </p:pic>
+      <p:pic>
+        <p:nvPicPr>
+          <p:cNvPr id="23" name="İçerik Yer Tutucusu 22"/>
+          <p:cNvPicPr>
+            <a:picLocks noGrp="1" noChangeAspect="1"/>
+          </p:cNvPicPr>
+          <p:nvPr>
+            <p:ph idx="1"/>
+          </p:nvPr>
+        </p:nvPicPr>
+        <p:blipFill>
+          <a:blip r:embed="rId4">
+            <a:extLst>
+              <a:ext uri="{28A0092B-C50C-407E-A947-70E740481C1C}">
+                <a14:useLocalDpi xmlns:a14="http://schemas.microsoft.com/office/drawing/2010/main" val="0"/>
+              </a:ext>
+            </a:extLst>
+          </a:blip>
+          <a:stretch>
+            <a:fillRect/>
+          </a:stretch>
+        </p:blipFill>
+        <p:spPr>
+          <a:xfrm>
+            <a:off x="5004048" y="3210808"/>
+            <a:ext cx="1152128" cy="1765808"/>
+          </a:xfrm>
+        </p:spPr>
+      </p:pic>
+      <p:sp>
+        <p:nvSpPr>
+          <p:cNvPr id="11" name="Yuvarlatılmış Dikdörtgen 10"/>
+          <p:cNvSpPr/>
+          <p:nvPr/>
+        </p:nvSpPr>
+        <p:spPr>
+          <a:xfrm>
+            <a:off x="1500746" y="2478038"/>
+            <a:ext cx="1296144" cy="148999"/>
+          </a:xfrm>
+          <a:prstGeom prst="roundRect">
+            <a:avLst/>
+          </a:prstGeom>
+          <a:noFill/>
+        </p:spPr>
+        <p:style>
+          <a:lnRef idx="2">
+            <a:schemeClr val="accent1">
+              <a:shade val="50000"/>
+            </a:schemeClr>
+          </a:lnRef>
+          <a:fillRef idx="1">
+            <a:schemeClr val="accent1"/>
+          </a:fillRef>
+          <a:effectRef idx="0">
+            <a:schemeClr val="accent1"/>
+          </a:effectRef>
+          <a:fontRef idx="minor">
+            <a:schemeClr val="lt1"/>
+          </a:fontRef>
+        </p:style>
+        <p:txBody>
+          <a:bodyPr rtlCol="0" anchor="ctr"/>
+          <a:lstStyle/>
+          <a:p>
+            <a:pPr algn="ctr"/>
+            <a:endParaRPr lang="tr-TR"/>
+          </a:p>
+        </p:txBody>
+      </p:sp>
+      <p:sp>
+        <p:nvSpPr>
+          <p:cNvPr id="14" name="Metin kutusu 13"/>
+          <p:cNvSpPr txBox="1"/>
+          <p:nvPr/>
+        </p:nvSpPr>
+        <p:spPr>
+          <a:xfrm>
+            <a:off x="348754" y="3575531"/>
+            <a:ext cx="2999110" cy="261610"/>
+          </a:xfrm>
+          <a:prstGeom prst="rect">
+            <a:avLst/>
+          </a:prstGeom>
+          <a:noFill/>
+          <a:ln>
+            <a:solidFill>
+              <a:srgbClr val="7030A0"/>
+            </a:solidFill>
+            <a:prstDash val="dash"/>
+          </a:ln>
+        </p:spPr>
+        <p:txBody>
+          <a:bodyPr wrap="square" rtlCol="0">
+            <a:spAutoFit/>
+          </a:bodyPr>
+          <a:lstStyle/>
+          <a:p>
+            <a:pPr algn="ctr"/>
+            <a:r>
+              <a:rPr lang="tr-TR" sz="1100" dirty="0" smtClean="0"/>
+              <a:t>POST</a:t>
+            </a:r>
+            <a:r>
+              <a:rPr lang="tr-TR" sz="1100" dirty="0" smtClean="0">
+                <a:solidFill>
+                  <a:srgbClr val="0070C0"/>
+                </a:solidFill>
+              </a:rPr>
+              <a:t> </a:t>
+            </a:r>
+            <a:r>
+              <a:rPr lang="tr-TR" sz="1100" b="1" dirty="0">
+                <a:solidFill>
+                  <a:srgbClr val="7030A0"/>
+                </a:solidFill>
+              </a:rPr>
+              <a:t>http</a:t>
+            </a:r>
+            <a:r>
+              <a:rPr lang="tr-TR" sz="1100" b="1" dirty="0"/>
+              <a:t>://</a:t>
+            </a:r>
+            <a:r>
+              <a:rPr lang="tr-TR" sz="1100" b="1" dirty="0" smtClean="0">
+                <a:solidFill>
+                  <a:schemeClr val="accent2">
+                    <a:lumMod val="75000"/>
+                  </a:schemeClr>
+                </a:solidFill>
+              </a:rPr>
+              <a:t>www</a:t>
+            </a:r>
+            <a:r>
+              <a:rPr lang="tr-TR" sz="1100" b="1" dirty="0" smtClean="0"/>
+              <a:t>.</a:t>
+            </a:r>
+            <a:r>
+              <a:rPr lang="tr-TR" sz="1100" b="1" dirty="0" smtClean="0">
+                <a:solidFill>
+                  <a:schemeClr val="tx2">
+                    <a:lumMod val="60000"/>
+                    <a:lumOff val="40000"/>
+                  </a:schemeClr>
+                </a:solidFill>
+              </a:rPr>
+              <a:t>gazete.com</a:t>
+            </a:r>
+            <a:r>
+              <a:rPr lang="tr-TR" sz="1100" b="1" dirty="0" smtClean="0"/>
+              <a:t>/</a:t>
+            </a:r>
+            <a:r>
+              <a:rPr lang="tr-TR" sz="1100" dirty="0" smtClean="0">
+                <a:solidFill>
+                  <a:schemeClr val="accent3">
+                    <a:lumMod val="75000"/>
+                  </a:schemeClr>
+                </a:solidFill>
+              </a:rPr>
+              <a:t>test/formadata</a:t>
+            </a:r>
+            <a:endParaRPr lang="tr-TR" sz="1100" dirty="0">
+              <a:solidFill>
+                <a:srgbClr val="0070C0"/>
+              </a:solidFill>
+            </a:endParaRPr>
+          </a:p>
+        </p:txBody>
+      </p:sp>
+      <p:cxnSp>
+        <p:nvCxnSpPr>
+          <p:cNvPr id="16" name="Düz Ok Bağlayıcısı 15"/>
+          <p:cNvCxnSpPr/>
+          <p:nvPr/>
+        </p:nvCxnSpPr>
+        <p:spPr>
+          <a:xfrm>
+            <a:off x="2147748" y="2627037"/>
+            <a:ext cx="1070" cy="934112"/>
+          </a:xfrm>
+          <a:prstGeom prst="straightConnector1">
+            <a:avLst/>
+          </a:prstGeom>
+          <a:ln w="19050">
+            <a:solidFill>
+              <a:schemeClr val="accent1">
+                <a:lumMod val="75000"/>
+              </a:schemeClr>
+            </a:solidFill>
+            <a:tailEnd type="arrow"/>
+          </a:ln>
+        </p:spPr>
+        <p:style>
+          <a:lnRef idx="1">
+            <a:schemeClr val="accent1"/>
+          </a:lnRef>
+          <a:fillRef idx="0">
+            <a:schemeClr val="accent1"/>
+          </a:fillRef>
+          <a:effectRef idx="0">
+            <a:schemeClr val="accent1"/>
+          </a:effectRef>
+          <a:fontRef idx="minor">
+            <a:schemeClr val="tx1"/>
+          </a:fontRef>
+        </p:style>
+      </p:cxnSp>
+      <p:cxnSp>
+        <p:nvCxnSpPr>
+          <p:cNvPr id="17" name="Düz Ok Bağlayıcısı 16"/>
+          <p:cNvCxnSpPr/>
+          <p:nvPr/>
+        </p:nvCxnSpPr>
+        <p:spPr>
+          <a:xfrm>
+            <a:off x="3419872" y="3687109"/>
+            <a:ext cx="1543737" cy="0"/>
+          </a:xfrm>
+          <a:prstGeom prst="straightConnector1">
+            <a:avLst/>
+          </a:prstGeom>
+          <a:ln w="19050">
+            <a:solidFill>
+              <a:srgbClr val="7030A0"/>
+            </a:solidFill>
+            <a:tailEnd type="arrow"/>
+          </a:ln>
+        </p:spPr>
+        <p:style>
+          <a:lnRef idx="1">
+            <a:schemeClr val="accent1"/>
+          </a:lnRef>
+          <a:fillRef idx="0">
+            <a:schemeClr val="accent1"/>
+          </a:fillRef>
+          <a:effectRef idx="0">
+            <a:schemeClr val="accent1"/>
+          </a:effectRef>
+          <a:fontRef idx="minor">
+            <a:schemeClr val="tx1"/>
+          </a:fontRef>
+        </p:style>
+      </p:cxnSp>
+      <p:sp>
+        <p:nvSpPr>
+          <p:cNvPr id="22" name="Metin kutusu 21"/>
+          <p:cNvSpPr txBox="1"/>
+          <p:nvPr/>
+        </p:nvSpPr>
+        <p:spPr>
+          <a:xfrm>
+            <a:off x="3609004" y="1677305"/>
+            <a:ext cx="843912" cy="461665"/>
+          </a:xfrm>
+          <a:prstGeom prst="rect">
+            <a:avLst/>
+          </a:prstGeom>
+          <a:noFill/>
+        </p:spPr>
+        <p:txBody>
+          <a:bodyPr wrap="square" rtlCol="0">
+            <a:spAutoFit/>
+          </a:bodyPr>
+          <a:lstStyle/>
+          <a:p>
+            <a:pPr algn="ctr"/>
+            <a:r>
+              <a:rPr lang="tr-TR" sz="2400" b="1" dirty="0" smtClean="0">
+                <a:solidFill>
+                  <a:srgbClr val="7030A0"/>
+                </a:solidFill>
+              </a:rPr>
+              <a:t>http</a:t>
+            </a:r>
+            <a:endParaRPr lang="tr-TR" sz="2400" b="1" dirty="0">
+              <a:solidFill>
+                <a:srgbClr val="7030A0"/>
+              </a:solidFill>
+            </a:endParaRPr>
+          </a:p>
+        </p:txBody>
+      </p:sp>
+      <p:sp>
+        <p:nvSpPr>
+          <p:cNvPr id="24" name="Metin kutusu 23"/>
+          <p:cNvSpPr txBox="1"/>
+          <p:nvPr/>
+        </p:nvSpPr>
+        <p:spPr>
+          <a:xfrm>
+            <a:off x="5143138" y="2665280"/>
+            <a:ext cx="901040" cy="461665"/>
+          </a:xfrm>
+          <a:prstGeom prst="rect">
+            <a:avLst/>
+          </a:prstGeom>
+          <a:noFill/>
+        </p:spPr>
+        <p:txBody>
+          <a:bodyPr wrap="square" rtlCol="0">
+            <a:spAutoFit/>
+          </a:bodyPr>
+          <a:lstStyle/>
+          <a:p>
+            <a:pPr algn="ctr"/>
+            <a:r>
+              <a:rPr lang="tr-TR" sz="2400" b="1" dirty="0" smtClean="0">
+                <a:solidFill>
+                  <a:schemeClr val="accent2">
+                    <a:lumMod val="75000"/>
+                  </a:schemeClr>
+                </a:solidFill>
+              </a:rPr>
+              <a:t>www</a:t>
+            </a:r>
+            <a:endParaRPr lang="tr-TR" sz="2400" b="1" dirty="0">
+              <a:solidFill>
+                <a:schemeClr val="accent2">
+                  <a:lumMod val="75000"/>
+                </a:schemeClr>
+              </a:solidFill>
+            </a:endParaRPr>
+          </a:p>
+        </p:txBody>
+      </p:sp>
+      <p:sp>
+        <p:nvSpPr>
+          <p:cNvPr id="30" name="Yuvarlatılmış Dikdörtgen 29"/>
+          <p:cNvSpPr/>
+          <p:nvPr/>
+        </p:nvSpPr>
+        <p:spPr>
+          <a:xfrm>
+            <a:off x="6732240" y="3311611"/>
+            <a:ext cx="1804334" cy="1152128"/>
+          </a:xfrm>
+          <a:prstGeom prst="roundRect">
+            <a:avLst/>
+          </a:prstGeom>
+          <a:noFill/>
+          <a:ln>
+            <a:solidFill>
+              <a:schemeClr val="accent3">
+                <a:lumMod val="75000"/>
+              </a:schemeClr>
+            </a:solidFill>
+          </a:ln>
+        </p:spPr>
+        <p:style>
+          <a:lnRef idx="2">
+            <a:schemeClr val="accent1">
+              <a:shade val="50000"/>
+            </a:schemeClr>
+          </a:lnRef>
+          <a:fillRef idx="1">
+            <a:schemeClr val="accent1"/>
+          </a:fillRef>
+          <a:effectRef idx="0">
+            <a:schemeClr val="accent1"/>
+          </a:effectRef>
+          <a:fontRef idx="minor">
+            <a:schemeClr val="lt1"/>
+          </a:fontRef>
+        </p:style>
+        <p:txBody>
+          <a:bodyPr rtlCol="0" anchor="ctr"/>
+          <a:lstStyle/>
+          <a:p>
+            <a:pPr algn="ctr"/>
+            <a:endParaRPr lang="tr-TR"/>
+          </a:p>
+        </p:txBody>
+      </p:sp>
+      <p:sp>
+        <p:nvSpPr>
+          <p:cNvPr id="31" name="Metin kutusu 30"/>
+          <p:cNvSpPr txBox="1"/>
+          <p:nvPr/>
+        </p:nvSpPr>
+        <p:spPr>
+          <a:xfrm>
+            <a:off x="6699037" y="2957955"/>
+            <a:ext cx="1720840" cy="369332"/>
+          </a:xfrm>
+          <a:prstGeom prst="rect">
+            <a:avLst/>
+          </a:prstGeom>
+          <a:noFill/>
+        </p:spPr>
+        <p:txBody>
+          <a:bodyPr wrap="square" rtlCol="0">
+            <a:spAutoFit/>
+          </a:bodyPr>
+          <a:lstStyle/>
+          <a:p>
+            <a:r>
+              <a:rPr lang="tr-TR" dirty="0" smtClean="0">
+                <a:solidFill>
+                  <a:schemeClr val="accent3">
+                    <a:lumMod val="75000"/>
+                  </a:schemeClr>
+                </a:solidFill>
+              </a:rPr>
+              <a:t>/test/</a:t>
+            </a:r>
+            <a:r>
+              <a:rPr lang="tr-TR" dirty="0" err="1" smtClean="0">
+                <a:solidFill>
+                  <a:schemeClr val="accent3">
+                    <a:lumMod val="75000"/>
+                  </a:schemeClr>
+                </a:solidFill>
+              </a:rPr>
+              <a:t>formdata</a:t>
+            </a:r>
+            <a:endParaRPr lang="tr-TR" dirty="0">
+              <a:solidFill>
+                <a:schemeClr val="accent3">
+                  <a:lumMod val="75000"/>
+                </a:schemeClr>
+              </a:solidFill>
+            </a:endParaRPr>
+          </a:p>
+        </p:txBody>
+      </p:sp>
+      <p:sp>
+        <p:nvSpPr>
+          <p:cNvPr id="37" name="Yuvarlatılmış Dikdörtgen 36"/>
+          <p:cNvSpPr/>
+          <p:nvPr/>
+        </p:nvSpPr>
+        <p:spPr>
+          <a:xfrm>
+            <a:off x="342879" y="4149080"/>
+            <a:ext cx="3004985" cy="1152128"/>
+          </a:xfrm>
+          <a:prstGeom prst="roundRect">
+            <a:avLst/>
+          </a:prstGeom>
+          <a:noFill/>
+          <a:ln>
+            <a:solidFill>
+              <a:srgbClr val="0070C0"/>
+            </a:solidFill>
+            <a:prstDash val="sysDot"/>
+          </a:ln>
+        </p:spPr>
+        <p:style>
+          <a:lnRef idx="2">
+            <a:schemeClr val="accent1">
+              <a:shade val="50000"/>
+            </a:schemeClr>
+          </a:lnRef>
+          <a:fillRef idx="1">
+            <a:schemeClr val="accent1"/>
+          </a:fillRef>
+          <a:effectRef idx="0">
+            <a:schemeClr val="accent1"/>
+          </a:effectRef>
+          <a:fontRef idx="minor">
+            <a:schemeClr val="lt1"/>
+          </a:fontRef>
+        </p:style>
+        <p:txBody>
+          <a:bodyPr rtlCol="0" anchor="ctr"/>
+          <a:lstStyle/>
+          <a:p>
+            <a:pPr algn="ctr"/>
+            <a:endParaRPr lang="tr-TR"/>
+          </a:p>
+        </p:txBody>
+      </p:sp>
+      <p:sp>
+        <p:nvSpPr>
+          <p:cNvPr id="47" name="Metin kutusu 46"/>
+          <p:cNvSpPr txBox="1"/>
+          <p:nvPr/>
+        </p:nvSpPr>
+        <p:spPr>
+          <a:xfrm>
+            <a:off x="3279276" y="3385041"/>
+            <a:ext cx="792088" cy="276999"/>
+          </a:xfrm>
+          <a:prstGeom prst="rect">
+            <a:avLst/>
+          </a:prstGeom>
+          <a:noFill/>
+        </p:spPr>
+        <p:txBody>
+          <a:bodyPr wrap="square" rtlCol="0">
+            <a:spAutoFit/>
+          </a:bodyPr>
+          <a:lstStyle/>
+          <a:p>
+            <a:pPr algn="ctr"/>
+            <a:r>
+              <a:rPr lang="tr-TR" sz="1200" b="1" dirty="0" err="1" smtClean="0">
+                <a:solidFill>
+                  <a:srgbClr val="7030A0"/>
+                </a:solidFill>
+              </a:rPr>
+              <a:t>request</a:t>
+            </a:r>
+            <a:endParaRPr lang="tr-TR" sz="1200" b="1" dirty="0">
+              <a:solidFill>
+                <a:srgbClr val="7030A0"/>
+              </a:solidFill>
+            </a:endParaRPr>
+          </a:p>
+        </p:txBody>
+      </p:sp>
+      <p:sp>
+        <p:nvSpPr>
+          <p:cNvPr id="49" name="Metin kutusu 48"/>
+          <p:cNvSpPr txBox="1"/>
+          <p:nvPr/>
+        </p:nvSpPr>
+        <p:spPr>
+          <a:xfrm>
+            <a:off x="4071364" y="4463112"/>
+            <a:ext cx="892245" cy="276999"/>
+          </a:xfrm>
+          <a:prstGeom prst="rect">
+            <a:avLst/>
+          </a:prstGeom>
+          <a:noFill/>
+        </p:spPr>
+        <p:txBody>
+          <a:bodyPr wrap="square" rtlCol="0">
+            <a:spAutoFit/>
+          </a:bodyPr>
+          <a:lstStyle/>
+          <a:p>
+            <a:pPr algn="ctr"/>
+            <a:r>
+              <a:rPr lang="tr-TR" sz="1200" b="1" dirty="0" err="1" smtClean="0">
+                <a:solidFill>
+                  <a:srgbClr val="7030A0"/>
+                </a:solidFill>
+              </a:rPr>
+              <a:t>response</a:t>
+            </a:r>
+            <a:endParaRPr lang="tr-TR" sz="1200" b="1" dirty="0">
+              <a:solidFill>
+                <a:srgbClr val="7030A0"/>
+              </a:solidFill>
+            </a:endParaRPr>
+          </a:p>
+        </p:txBody>
+      </p:sp>
+      <p:sp>
+        <p:nvSpPr>
+          <p:cNvPr id="53" name="Metin kutusu 52"/>
+          <p:cNvSpPr txBox="1"/>
+          <p:nvPr/>
+        </p:nvSpPr>
+        <p:spPr>
+          <a:xfrm>
+            <a:off x="5903106" y="1628800"/>
+            <a:ext cx="1264064" cy="369332"/>
+          </a:xfrm>
+          <a:prstGeom prst="rect">
+            <a:avLst/>
+          </a:prstGeom>
+          <a:noFill/>
+          <a:ln w="19050">
+            <a:solidFill>
+              <a:schemeClr val="tx2">
+                <a:lumMod val="60000"/>
+                <a:lumOff val="40000"/>
+              </a:schemeClr>
+            </a:solidFill>
+          </a:ln>
+        </p:spPr>
+        <p:txBody>
+          <a:bodyPr wrap="none" rtlCol="0">
+            <a:spAutoFit/>
+          </a:bodyPr>
+          <a:lstStyle/>
+          <a:p>
+            <a:r>
+              <a:rPr lang="tr-TR" b="1" dirty="0">
+                <a:solidFill>
+                  <a:schemeClr val="tx2">
+                    <a:lumMod val="60000"/>
+                    <a:lumOff val="40000"/>
+                  </a:schemeClr>
+                </a:solidFill>
+              </a:rPr>
+              <a:t>gazete.com</a:t>
+            </a:r>
+            <a:endParaRPr lang="tr-TR" dirty="0"/>
+          </a:p>
+        </p:txBody>
+      </p:sp>
+      <p:cxnSp>
+        <p:nvCxnSpPr>
+          <p:cNvPr id="68" name="Düz Ok Bağlayıcısı 67"/>
+          <p:cNvCxnSpPr/>
+          <p:nvPr/>
+        </p:nvCxnSpPr>
+        <p:spPr>
+          <a:xfrm flipH="1">
+            <a:off x="3419872" y="4738187"/>
+            <a:ext cx="1540508" cy="3849"/>
+          </a:xfrm>
+          <a:prstGeom prst="straightConnector1">
+            <a:avLst/>
+          </a:prstGeom>
+          <a:ln w="19050">
+            <a:solidFill>
+              <a:srgbClr val="7030A0"/>
+            </a:solidFill>
+            <a:tailEnd type="arrow"/>
+          </a:ln>
+        </p:spPr>
+        <p:style>
+          <a:lnRef idx="1">
+            <a:schemeClr val="accent1"/>
+          </a:lnRef>
+          <a:fillRef idx="0">
+            <a:schemeClr val="accent1"/>
+          </a:fillRef>
+          <a:effectRef idx="0">
+            <a:schemeClr val="accent1"/>
+          </a:effectRef>
+          <a:fontRef idx="minor">
+            <a:schemeClr val="tx1"/>
+          </a:fontRef>
+        </p:style>
+      </p:cxnSp>
+      <p:sp>
+        <p:nvSpPr>
+          <p:cNvPr id="71" name="Başlık 1"/>
+          <p:cNvSpPr>
+            <a:spLocks noGrp="1"/>
+          </p:cNvSpPr>
+          <p:nvPr>
+            <p:ph type="title"/>
+          </p:nvPr>
+        </p:nvSpPr>
+        <p:spPr/>
+        <p:txBody>
+          <a:bodyPr>
+            <a:normAutofit fontScale="90000"/>
+          </a:bodyPr>
+          <a:lstStyle/>
+          <a:p>
+            <a:r>
+              <a:rPr lang="tr-TR" sz="4900" dirty="0" smtClean="0"/>
+              <a:t>URL ve link </a:t>
+            </a:r>
+            <a:r>
+              <a:rPr lang="tr-TR" dirty="0" smtClean="0"/>
+              <a:t/>
+            </a:r>
+            <a:br>
+              <a:rPr lang="tr-TR" dirty="0" smtClean="0"/>
+            </a:br>
+            <a:r>
+              <a:rPr lang="tr-TR" b="1" dirty="0" smtClean="0"/>
+              <a:t>http</a:t>
+            </a:r>
+            <a:r>
+              <a:rPr lang="tr-TR" dirty="0" smtClean="0"/>
+              <a:t> </a:t>
+            </a:r>
+            <a:r>
+              <a:rPr lang="tr-TR" b="1" dirty="0" smtClean="0"/>
+              <a:t>POST</a:t>
+            </a:r>
+            <a:r>
+              <a:rPr lang="tr-TR" dirty="0" smtClean="0"/>
+              <a:t> isteği</a:t>
+            </a:r>
+            <a:endParaRPr lang="tr-TR" dirty="0"/>
+          </a:p>
+        </p:txBody>
+      </p:sp>
+      <p:sp>
+        <p:nvSpPr>
+          <p:cNvPr id="28" name="Metin kutusu 27"/>
+          <p:cNvSpPr txBox="1"/>
+          <p:nvPr/>
+        </p:nvSpPr>
+        <p:spPr>
+          <a:xfrm>
+            <a:off x="3164238" y="3732517"/>
+            <a:ext cx="1978900" cy="246221"/>
+          </a:xfrm>
+          <a:prstGeom prst="rect">
+            <a:avLst/>
+          </a:prstGeom>
+          <a:noFill/>
+        </p:spPr>
+        <p:txBody>
+          <a:bodyPr wrap="square" rtlCol="0">
+            <a:spAutoFit/>
+          </a:bodyPr>
+          <a:lstStyle/>
+          <a:p>
+            <a:pPr algn="ctr"/>
+            <a:r>
+              <a:rPr lang="tr-TR" sz="1000" b="1" dirty="0" smtClean="0">
+                <a:solidFill>
+                  <a:srgbClr val="7030A0"/>
+                </a:solidFill>
+              </a:rPr>
+              <a:t>&amp;</a:t>
+            </a:r>
+            <a:r>
+              <a:rPr lang="tr-TR" sz="1000" b="1" dirty="0" err="1" smtClean="0">
+                <a:solidFill>
+                  <a:srgbClr val="7030A0"/>
+                </a:solidFill>
+              </a:rPr>
+              <a:t>firstname</a:t>
+            </a:r>
+            <a:r>
+              <a:rPr lang="tr-TR" sz="1000" b="1" dirty="0" smtClean="0">
+                <a:solidFill>
+                  <a:srgbClr val="7030A0"/>
+                </a:solidFill>
+              </a:rPr>
+              <a:t>=</a:t>
+            </a:r>
+            <a:r>
+              <a:rPr lang="tr-TR" sz="1000" b="1" dirty="0" err="1" smtClean="0">
+                <a:solidFill>
+                  <a:srgbClr val="7030A0"/>
+                </a:solidFill>
+              </a:rPr>
+              <a:t>ali&amp;number</a:t>
+            </a:r>
+            <a:r>
+              <a:rPr lang="tr-TR" sz="1000" b="1" dirty="0" smtClean="0">
+                <a:solidFill>
+                  <a:srgbClr val="7030A0"/>
+                </a:solidFill>
+              </a:rPr>
+              <a:t>=12</a:t>
+            </a:r>
+            <a:endParaRPr lang="tr-TR" sz="1000" b="1" dirty="0">
+              <a:solidFill>
+                <a:srgbClr val="7030A0"/>
+              </a:solidFill>
+            </a:endParaRPr>
+          </a:p>
+        </p:txBody>
+      </p:sp>
+      <p:pic>
+        <p:nvPicPr>
+          <p:cNvPr id="10" name="Resim 9"/>
+          <p:cNvPicPr>
+            <a:picLocks noChangeAspect="1"/>
+          </p:cNvPicPr>
+          <p:nvPr/>
+        </p:nvPicPr>
+        <p:blipFill>
+          <a:blip r:embed="rId5" cstate="print">
+            <a:extLst>
+              <a:ext uri="{28A0092B-C50C-407E-A947-70E740481C1C}">
+                <a14:useLocalDpi xmlns:a14="http://schemas.microsoft.com/office/drawing/2010/main" val="0"/>
+              </a:ext>
+            </a:extLst>
+          </a:blip>
+          <a:stretch>
+            <a:fillRect/>
+          </a:stretch>
+        </p:blipFill>
+        <p:spPr>
+          <a:xfrm>
+            <a:off x="6850856" y="3667836"/>
+            <a:ext cx="871726" cy="871726"/>
+          </a:xfrm>
+          <a:prstGeom prst="rect">
+            <a:avLst/>
+          </a:prstGeom>
+        </p:spPr>
+      </p:pic>
+      <p:sp>
+        <p:nvSpPr>
+          <p:cNvPr id="32" name="Metin kutusu 31"/>
+          <p:cNvSpPr txBox="1"/>
+          <p:nvPr/>
+        </p:nvSpPr>
+        <p:spPr>
+          <a:xfrm>
+            <a:off x="6473729" y="3314928"/>
+            <a:ext cx="1978900" cy="246221"/>
+          </a:xfrm>
+          <a:prstGeom prst="rect">
+            <a:avLst/>
+          </a:prstGeom>
+          <a:noFill/>
+        </p:spPr>
+        <p:txBody>
+          <a:bodyPr wrap="square" rtlCol="0">
+            <a:spAutoFit/>
+          </a:bodyPr>
+          <a:lstStyle/>
+          <a:p>
+            <a:pPr algn="ctr"/>
+            <a:r>
+              <a:rPr lang="tr-TR" sz="1000" b="1" dirty="0" err="1" smtClean="0">
+                <a:solidFill>
+                  <a:schemeClr val="accent3">
+                    <a:lumMod val="75000"/>
+                  </a:schemeClr>
+                </a:solidFill>
+              </a:rPr>
+              <a:t>firstname:</a:t>
+            </a:r>
+            <a:r>
+              <a:rPr lang="tr-TR" sz="1000" b="1" dirty="0" err="1" smtClean="0"/>
+              <a:t>ali</a:t>
+            </a:r>
+            <a:r>
+              <a:rPr lang="tr-TR" sz="1000" b="1" dirty="0" smtClean="0">
+                <a:solidFill>
+                  <a:schemeClr val="accent3">
+                    <a:lumMod val="75000"/>
+                  </a:schemeClr>
+                </a:solidFill>
+              </a:rPr>
+              <a:t> number:</a:t>
+            </a:r>
+            <a:r>
+              <a:rPr lang="tr-TR" sz="1000" b="1" dirty="0" smtClean="0"/>
+              <a:t>12</a:t>
+            </a:r>
+            <a:endParaRPr lang="tr-TR" sz="1000" b="1" dirty="0"/>
+          </a:p>
+        </p:txBody>
+      </p:sp>
+      <p:cxnSp>
+        <p:nvCxnSpPr>
+          <p:cNvPr id="18" name="Dirsek Bağlayıcısı 17"/>
+          <p:cNvCxnSpPr/>
+          <p:nvPr/>
+        </p:nvCxnSpPr>
+        <p:spPr>
+          <a:xfrm rot="10800000" flipV="1">
+            <a:off x="5940154" y="4318367"/>
+            <a:ext cx="1440158" cy="418444"/>
+          </a:xfrm>
+          <a:prstGeom prst="bentConnector3">
+            <a:avLst>
+              <a:gd name="adj1" fmla="val -265"/>
+            </a:avLst>
+          </a:prstGeom>
+          <a:ln w="19050">
+            <a:solidFill>
+              <a:srgbClr val="7030A0"/>
+            </a:solidFill>
+            <a:tailEnd type="arrow"/>
+          </a:ln>
+        </p:spPr>
+        <p:style>
+          <a:lnRef idx="1">
+            <a:schemeClr val="accent1"/>
+          </a:lnRef>
+          <a:fillRef idx="0">
+            <a:schemeClr val="accent1"/>
+          </a:fillRef>
+          <a:effectRef idx="0">
+            <a:schemeClr val="accent1"/>
+          </a:effectRef>
+          <a:fontRef idx="minor">
+            <a:schemeClr val="tx1"/>
+          </a:fontRef>
+        </p:style>
+      </p:cxnSp>
+      <p:pic>
+        <p:nvPicPr>
+          <p:cNvPr id="55" name="Resim 54"/>
+          <p:cNvPicPr>
+            <a:picLocks noChangeAspect="1"/>
+          </p:cNvPicPr>
+          <p:nvPr/>
+        </p:nvPicPr>
+        <p:blipFill>
+          <a:blip r:embed="rId6" cstate="print">
+            <a:extLst>
+              <a:ext uri="{28A0092B-C50C-407E-A947-70E740481C1C}">
+                <a14:useLocalDpi xmlns:a14="http://schemas.microsoft.com/office/drawing/2010/main" val="0"/>
+              </a:ext>
+            </a:extLst>
+          </a:blip>
+          <a:stretch>
+            <a:fillRect/>
+          </a:stretch>
+        </p:blipFill>
+        <p:spPr>
+          <a:xfrm>
+            <a:off x="467544" y="4257092"/>
+            <a:ext cx="2260380" cy="959442"/>
+          </a:xfrm>
+          <a:prstGeom prst="rect">
+            <a:avLst/>
+          </a:prstGeom>
+        </p:spPr>
+      </p:pic>
+      <p:cxnSp>
+        <p:nvCxnSpPr>
+          <p:cNvPr id="64" name="Düz Ok Bağlayıcısı 63"/>
+          <p:cNvCxnSpPr/>
+          <p:nvPr/>
+        </p:nvCxnSpPr>
+        <p:spPr>
+          <a:xfrm>
+            <a:off x="6162526" y="3699243"/>
+            <a:ext cx="542861" cy="0"/>
+          </a:xfrm>
+          <a:prstGeom prst="straightConnector1">
+            <a:avLst/>
+          </a:prstGeom>
+          <a:ln w="19050">
+            <a:solidFill>
+              <a:schemeClr val="accent3">
+                <a:lumMod val="75000"/>
+              </a:schemeClr>
+            </a:solidFill>
+            <a:tailEnd type="arrow"/>
+          </a:ln>
+        </p:spPr>
+        <p:style>
+          <a:lnRef idx="1">
+            <a:schemeClr val="accent1"/>
+          </a:lnRef>
+          <a:fillRef idx="0">
+            <a:schemeClr val="accent1"/>
+          </a:fillRef>
+          <a:effectRef idx="0">
+            <a:schemeClr val="accent1"/>
+          </a:effectRef>
+          <a:fontRef idx="minor">
+            <a:schemeClr val="tx1"/>
+          </a:fontRef>
+        </p:style>
+      </p:cxnSp>
+      <p:sp>
+        <p:nvSpPr>
+          <p:cNvPr id="74" name="Metin kutusu 73"/>
+          <p:cNvSpPr txBox="1"/>
+          <p:nvPr/>
+        </p:nvSpPr>
+        <p:spPr>
+          <a:xfrm>
+            <a:off x="7661915" y="3782690"/>
+            <a:ext cx="788999" cy="369332"/>
+          </a:xfrm>
+          <a:prstGeom prst="rect">
+            <a:avLst/>
+          </a:prstGeom>
+          <a:noFill/>
+        </p:spPr>
+        <p:txBody>
+          <a:bodyPr wrap="none" rtlCol="0">
+            <a:spAutoFit/>
+          </a:bodyPr>
+          <a:lstStyle/>
+          <a:p>
+            <a:r>
+              <a:rPr lang="tr-TR" dirty="0">
+                <a:solidFill>
+                  <a:schemeClr val="accent3">
+                    <a:lumMod val="75000"/>
+                  </a:schemeClr>
+                </a:solidFill>
+              </a:rPr>
+              <a:t>A</a:t>
+            </a:r>
+            <a:r>
+              <a:rPr lang="tr-TR" dirty="0" smtClean="0">
+                <a:solidFill>
+                  <a:schemeClr val="accent3">
+                    <a:lumMod val="75000"/>
+                  </a:schemeClr>
+                </a:solidFill>
+              </a:rPr>
+              <a:t>ction</a:t>
+            </a:r>
+            <a:endParaRPr lang="tr-TR" dirty="0"/>
+          </a:p>
+        </p:txBody>
+      </p:sp>
+      <p:sp>
+        <p:nvSpPr>
+          <p:cNvPr id="75" name="Metin kutusu 74"/>
+          <p:cNvSpPr txBox="1"/>
+          <p:nvPr/>
+        </p:nvSpPr>
+        <p:spPr>
+          <a:xfrm>
+            <a:off x="6137552" y="4471020"/>
+            <a:ext cx="997868" cy="276999"/>
+          </a:xfrm>
+          <a:prstGeom prst="rect">
+            <a:avLst/>
+          </a:prstGeom>
+          <a:noFill/>
+        </p:spPr>
+        <p:txBody>
+          <a:bodyPr wrap="square" rtlCol="0">
+            <a:spAutoFit/>
+          </a:bodyPr>
+          <a:lstStyle/>
+          <a:p>
+            <a:pPr algn="ctr"/>
+            <a:r>
+              <a:rPr lang="tr-TR" sz="1200" dirty="0" err="1" smtClean="0">
+                <a:solidFill>
+                  <a:srgbClr val="7030A0"/>
+                </a:solidFill>
+              </a:rPr>
+              <a:t>ActionResult</a:t>
+            </a:r>
+            <a:endParaRPr lang="tr-TR" sz="1200" dirty="0">
+              <a:solidFill>
+                <a:srgbClr val="7030A0"/>
+              </a:solidFill>
+            </a:endParaRPr>
+          </a:p>
+        </p:txBody>
+      </p:sp>
+      <p:cxnSp>
+        <p:nvCxnSpPr>
+          <p:cNvPr id="89" name="Düz Ok Bağlayıcısı 88"/>
+          <p:cNvCxnSpPr/>
+          <p:nvPr/>
+        </p:nvCxnSpPr>
+        <p:spPr>
+          <a:xfrm>
+            <a:off x="7359104" y="3543046"/>
+            <a:ext cx="0" cy="300379"/>
+          </a:xfrm>
+          <a:prstGeom prst="straightConnector1">
+            <a:avLst/>
+          </a:prstGeom>
+          <a:ln w="19050">
+            <a:solidFill>
+              <a:schemeClr val="accent3">
+                <a:lumMod val="75000"/>
+              </a:schemeClr>
+            </a:solidFill>
+            <a:tailEnd type="arrow"/>
+          </a:ln>
+        </p:spPr>
+        <p:style>
+          <a:lnRef idx="1">
+            <a:schemeClr val="accent1"/>
+          </a:lnRef>
+          <a:fillRef idx="0">
+            <a:schemeClr val="accent1"/>
+          </a:fillRef>
+          <a:effectRef idx="0">
+            <a:schemeClr val="accent1"/>
+          </a:effectRef>
+          <a:fontRef idx="minor">
+            <a:schemeClr val="tx1"/>
+          </a:fontRef>
+        </p:style>
+      </p:cxnSp>
+    </p:spTree>
+    <p:extLst>
+      <p:ext uri="{BB962C8B-B14F-4D97-AF65-F5344CB8AC3E}">
+        <p14:creationId xmlns:p14="http://schemas.microsoft.com/office/powerpoint/2010/main" val="3232193340"/>
+      </p:ext>
+    </p:extLst>
+  </p:cSld>
+  <p:clrMapOvr>
+    <a:masterClrMapping/>
+  </p:clrMapOvr>
+  <p:timing>
+    <p:tnLst>
+      <p:par>
+        <p:cTn id="1" dur="indefinite" restart="never" nodeType="tmRoot"/>
+      </p:par>
+    </p:tnLst>
+  </p:timing>
 </p:sld>
 </file>
 
@@ -4888,6 +7857,13 @@
   <p:clrMapOvr>
     <a:masterClrMapping/>
   </p:clrMapOvr>
+  <p:timing>
+    <p:tnLst>
+      <p:par>
+        <p:cTn id="1" dur="indefinite" restart="never" nodeType="tmRoot"/>
+      </p:par>
+    </p:tnLst>
+  </p:timing>
 </p:sld>
 </file>
 
@@ -5449,7 +8425,7 @@
                   </a:schemeClr>
                 </a:solidFill>
               </a:rPr>
-              <a:t>smile.png</a:t>
+              <a:t>smile.jpg</a:t>
             </a:r>
             <a:endParaRPr lang="tr-TR" dirty="0">
               <a:solidFill>
@@ -5560,6 +8536,13 @@
   <p:clrMapOvr>
     <a:masterClrMapping/>
   </p:clrMapOvr>
+  <p:timing>
+    <p:tnLst>
+      <p:par>
+        <p:cTn id="1" dur="indefinite" restart="never" nodeType="tmRoot"/>
+      </p:par>
+    </p:tnLst>
+  </p:timing>
 </p:sld>
 </file>
 
@@ -5623,11 +8606,7 @@
             </a:r>
             <a:r>
               <a:rPr lang="tr-TR" dirty="0" smtClean="0"/>
-              <a:t>taşıyan html </a:t>
-            </a:r>
-            <a:r>
-              <a:rPr lang="tr-TR" dirty="0" smtClean="0"/>
-              <a:t>elemanları</a:t>
+              <a:t>taşıyan html elemanları</a:t>
             </a:r>
             <a:endParaRPr lang="tr-TR" dirty="0"/>
           </a:p>
@@ -5651,7 +8630,7 @@
         </p:spPr>
         <p:txBody>
           <a:bodyPr>
-            <a:normAutofit lnSpcReduction="10000"/>
+            <a:normAutofit fontScale="92500" lnSpcReduction="20000"/>
           </a:bodyPr>
           <a:lstStyle/>
           <a:p>
@@ -5754,6 +8733,61 @@
               </a:rPr>
               <a:t>href</a:t>
             </a:r>
+            <a:endParaRPr lang="tr-TR" b="1" dirty="0" smtClean="0">
+              <a:solidFill>
+                <a:srgbClr val="FF0000"/>
+              </a:solidFill>
+              <a:latin typeface="Consolas" panose="020B0609020204030204" pitchFamily="49" charset="0"/>
+              <a:cs typeface="Consolas" panose="020B0609020204030204" pitchFamily="49" charset="0"/>
+            </a:endParaRPr>
+          </a:p>
+          <a:p>
+            <a:r>
+              <a:rPr lang="tr-TR" b="1" dirty="0" err="1">
+                <a:solidFill>
+                  <a:schemeClr val="accent2">
+                    <a:lumMod val="75000"/>
+                  </a:schemeClr>
+                </a:solidFill>
+                <a:latin typeface="Consolas" panose="020B0609020204030204" pitchFamily="49" charset="0"/>
+                <a:cs typeface="Consolas" panose="020B0609020204030204" pitchFamily="49" charset="0"/>
+              </a:rPr>
+              <a:t>s</a:t>
+            </a:r>
+            <a:r>
+              <a:rPr lang="tr-TR" b="1" dirty="0" err="1" smtClean="0">
+                <a:solidFill>
+                  <a:schemeClr val="accent2">
+                    <a:lumMod val="75000"/>
+                  </a:schemeClr>
+                </a:solidFill>
+                <a:latin typeface="Consolas" panose="020B0609020204030204" pitchFamily="49" charset="0"/>
+                <a:cs typeface="Consolas" panose="020B0609020204030204" pitchFamily="49" charset="0"/>
+              </a:rPr>
+              <a:t>cript</a:t>
+            </a:r>
+            <a:r>
+              <a:rPr lang="tr-TR" b="1" dirty="0" smtClean="0">
+                <a:solidFill>
+                  <a:schemeClr val="accent2">
+                    <a:lumMod val="75000"/>
+                  </a:schemeClr>
+                </a:solidFill>
+                <a:latin typeface="Consolas" panose="020B0609020204030204" pitchFamily="49" charset="0"/>
+                <a:cs typeface="Consolas" panose="020B0609020204030204" pitchFamily="49" charset="0"/>
+              </a:rPr>
+              <a:t> </a:t>
+            </a:r>
+            <a:r>
+              <a:rPr lang="tr-TR" b="1" dirty="0" err="1">
+                <a:solidFill>
+                  <a:srgbClr val="FF0000"/>
+                </a:solidFill>
+                <a:latin typeface="Consolas" panose="020B0609020204030204" pitchFamily="49" charset="0"/>
+                <a:cs typeface="Consolas" panose="020B0609020204030204" pitchFamily="49" charset="0"/>
+              </a:rPr>
+              <a:t>src</a:t>
+            </a:r>
             <a:endParaRPr lang="en-US" dirty="0" smtClean="0">
               <a:latin typeface="Consolas" panose="020B0609020204030204" pitchFamily="49" charset="0"/>
               <a:cs typeface="Consolas" panose="020B0609020204030204" pitchFamily="49" charset="0"/>
@@ -5793,26 +8827,6 @@
               <a:t> </a:t>
             </a:r>
             <a:r>
-              <a:rPr lang="tr-TR" b="1" dirty="0" err="1" smtClean="0">
-                <a:solidFill>
-                  <a:srgbClr val="FF0000"/>
-                </a:solidFill>
-                <a:latin typeface="Consolas" panose="020B0609020204030204" pitchFamily="49" charset="0"/>
-                <a:cs typeface="Consolas" panose="020B0609020204030204" pitchFamily="49" charset="0"/>
-              </a:rPr>
-              <a:t>formaction</a:t>
-            </a:r>
-            <a:r>
-              <a:rPr lang="tr-TR" b="1" dirty="0" smtClean="0">
-                <a:solidFill>
-                  <a:srgbClr val="FF0000"/>
-                </a:solidFill>
-                <a:latin typeface="Consolas" panose="020B0609020204030204" pitchFamily="49" charset="0"/>
-                <a:cs typeface="Consolas" panose="020B0609020204030204" pitchFamily="49" charset="0"/>
-              </a:rPr>
-              <a:t> </a:t>
-            </a:r>
-            <a:r>
               <a:rPr lang="en-US" dirty="0" smtClean="0">
                 <a:latin typeface="Consolas" panose="020B0609020204030204" pitchFamily="49" charset="0"/>
                 <a:cs typeface="Consolas" panose="020B0609020204030204" pitchFamily="49" charset="0"/>
@@ -5868,16 +8882,6 @@
                 <a:cs typeface="Consolas" panose="020B0609020204030204" pitchFamily="49" charset="0"/>
               </a:rPr>
               <a:t> </a:t>
-            </a:r>
-            <a:r>
-              <a:rPr lang="tr-TR" b="1" dirty="0" err="1" smtClean="0">
-                <a:solidFill>
-                  <a:srgbClr val="FF0000"/>
-                </a:solidFill>
-                <a:latin typeface="Consolas" panose="020B0609020204030204" pitchFamily="49" charset="0"/>
-                <a:cs typeface="Consolas" panose="020B0609020204030204" pitchFamily="49" charset="0"/>
-              </a:rPr>
-              <a:t>formaction</a:t>
             </a:r>
             <a:r>
               <a:rPr lang="en-US" dirty="0">
@@ -6022,6 +9026,13 @@
   <p:clrMapOvr>
     <a:masterClrMapping/>
   </p:clrMapOvr>
+  <p:timing>
+    <p:tnLst>
+      <p:par>
+        <p:cTn id="1" dur="indefinite" restart="never" nodeType="tmRoot"/>
+      </p:par>
+    </p:tnLst>
+  </p:timing>
 </p:sld>
 </file>
 
@@ -6054,587 +9065,63 @@
         </p:nvSpPr>
         <p:spPr>
           <a:xfrm>
-            <a:off x="395536" y="1988840"/>
-            <a:ext cx="8229600" cy="4525963"/>
+            <a:off x="1115616" y="1556792"/>
+            <a:ext cx="6779096" cy="4525963"/>
           </a:xfrm>
         </p:spPr>
         <p:txBody>
-          <a:bodyPr/>
-          <a:lstStyle/>
-          <a:p>
-            <a:r>
-              <a:rPr lang="en-US" dirty="0" smtClean="0">
-                <a:solidFill>
-                  <a:srgbClr val="0070C0"/>
-                </a:solidFill>
-              </a:rPr>
-              <a:t>&lt;</a:t>
-            </a:r>
-            <a:r>
-              <a:rPr lang="tr-TR" dirty="0" smtClean="0">
-                <a:solidFill>
-                  <a:schemeClr val="accent2">
-                    <a:lumMod val="50000"/>
-                  </a:schemeClr>
-                </a:solidFill>
-              </a:rPr>
-              <a:t>a</a:t>
-            </a:r>
-            <a:r>
-              <a:rPr lang="en-US" dirty="0" smtClean="0"/>
-              <a:t> </a:t>
-            </a:r>
-            <a:r>
-              <a:rPr lang="en-US" dirty="0" err="1">
+          <a:bodyPr>
+            <a:noAutofit/>
+          </a:bodyPr>
+          <a:lstStyle/>
+          <a:p>
+            <a:r>
+              <a:rPr lang="tr-TR" sz="8800" dirty="0" smtClean="0">
                 <a:solidFill>
                   <a:srgbClr val="FF0000"/>
                 </a:solidFill>
               </a:rPr>
-              <a:t>href</a:t>
-            </a:r>
-            <a:r>
-              <a:rPr lang="en-US" dirty="0" smtClean="0">
-                <a:solidFill>
-                  <a:srgbClr val="0070C0"/>
-                </a:solidFill>
-              </a:rPr>
-              <a:t>=</a:t>
-            </a:r>
-            <a:r>
-              <a:rPr lang="en-US" dirty="0" smtClean="0">
-                <a:solidFill>
-                  <a:schemeClr val="accent3">
-                    <a:lumMod val="75000"/>
-                  </a:schemeClr>
-                </a:solidFill>
-              </a:rPr>
-              <a:t>"/</a:t>
-            </a:r>
-            <a:r>
-              <a:rPr lang="tr-TR" dirty="0" smtClean="0">
-                <a:solidFill>
-                  <a:schemeClr val="accent3">
-                    <a:lumMod val="75000"/>
-                  </a:schemeClr>
-                </a:solidFill>
-              </a:rPr>
-              <a:t>s</a:t>
-            </a:r>
-            <a:r>
-              <a:rPr lang="en-US" dirty="0" err="1" smtClean="0">
-                <a:solidFill>
-                  <a:schemeClr val="accent3">
-                    <a:lumMod val="75000"/>
-                  </a:schemeClr>
-                </a:solidFill>
-              </a:rPr>
-              <a:t>tatic</a:t>
-            </a:r>
-            <a:r>
-              <a:rPr lang="en-US" dirty="0" smtClean="0">
-                <a:solidFill>
-                  <a:schemeClr val="accent3">
-                    <a:lumMod val="75000"/>
-                  </a:schemeClr>
-                </a:solidFill>
-              </a:rPr>
-              <a:t>/</a:t>
-            </a:r>
-            <a:r>
-              <a:rPr lang="tr-TR" dirty="0" err="1" smtClean="0">
-                <a:solidFill>
-                  <a:schemeClr val="accent3">
-                    <a:lumMod val="75000"/>
-                  </a:schemeClr>
-                </a:solidFill>
-              </a:rPr>
-              <a:t>bye</a:t>
-            </a:r>
-            <a:r>
-              <a:rPr lang="en-US" dirty="0" smtClean="0">
-                <a:solidFill>
-                  <a:schemeClr val="accent3">
-                    <a:lumMod val="75000"/>
-                  </a:schemeClr>
-                </a:solidFill>
-              </a:rPr>
-              <a:t>.</a:t>
-            </a:r>
-            <a:r>
-              <a:rPr lang="tr-TR" dirty="0" smtClean="0">
-                <a:solidFill>
-                  <a:schemeClr val="accent3">
-                    <a:lumMod val="75000"/>
-                  </a:schemeClr>
-                </a:solidFill>
-              </a:rPr>
-              <a:t>html</a:t>
-            </a:r>
-            <a:r>
-              <a:rPr lang="en-US" dirty="0" smtClean="0">
-                <a:solidFill>
-                  <a:srgbClr val="0070C0"/>
-                </a:solidFill>
-              </a:rPr>
-              <a:t>&gt;</a:t>
-            </a:r>
-            <a:r>
-              <a:rPr lang="tr-TR" dirty="0" err="1" smtClean="0"/>
-              <a:t>exit</a:t>
-            </a:r>
-            <a:r>
-              <a:rPr lang="en-US" dirty="0" smtClean="0">
-                <a:solidFill>
-                  <a:srgbClr val="0070C0"/>
-                </a:solidFill>
-              </a:rPr>
-              <a:t>&lt;</a:t>
-            </a:r>
-            <a:r>
-              <a:rPr lang="tr-TR" dirty="0" smtClean="0">
-                <a:solidFill>
-                  <a:schemeClr val="accent2">
-                    <a:lumMod val="50000"/>
-                  </a:schemeClr>
-                </a:solidFill>
-              </a:rPr>
-              <a:t>a</a:t>
-            </a:r>
-            <a:r>
-              <a:rPr lang="en-US" dirty="0" smtClean="0">
-                <a:solidFill>
-                  <a:srgbClr val="0070C0"/>
-                </a:solidFill>
-              </a:rPr>
-              <a:t>/&gt;</a:t>
-            </a:r>
-            <a:endParaRPr lang="tr-TR" dirty="0" smtClean="0">
+              <a:t>h</a:t>
+            </a:r>
+            <a:r>
+              <a:rPr lang="en-US" sz="8800" dirty="0" smtClean="0">
+                <a:solidFill>
+                  <a:srgbClr val="FF0000"/>
+                </a:solidFill>
+              </a:rPr>
+              <a:t>ref</a:t>
+            </a:r>
+            <a:endParaRPr lang="tr-TR" sz="8800" dirty="0" smtClean="0">
               <a:solidFill>
-                <a:srgbClr val="0070C0"/>
+                <a:srgbClr val="FF0000"/>
               </a:solidFill>
             </a:endParaRPr>
           </a:p>
           <a:p>
             <a:r>
-              <a:rPr lang="en-US" dirty="0" smtClean="0">
-                <a:solidFill>
-                  <a:srgbClr val="0070C0"/>
-                </a:solidFill>
-              </a:rPr>
-              <a:t>&lt;</a:t>
-            </a:r>
-            <a:r>
-              <a:rPr lang="tr-TR" dirty="0" err="1" smtClean="0">
-                <a:solidFill>
-                  <a:schemeClr val="accent2">
-                    <a:lumMod val="50000"/>
-                  </a:schemeClr>
-                </a:solidFill>
-              </a:rPr>
-              <a:t>img</a:t>
-            </a:r>
-            <a:r>
-              <a:rPr lang="tr-TR" dirty="0" smtClean="0">
-                <a:solidFill>
-                  <a:schemeClr val="accent2">
-                    <a:lumMod val="50000"/>
-                  </a:schemeClr>
-                </a:solidFill>
-              </a:rPr>
-              <a:t> </a:t>
-            </a:r>
-            <a:r>
-              <a:rPr lang="tr-TR" dirty="0" err="1" smtClean="0">
+              <a:rPr lang="tr-TR" sz="8800" dirty="0" err="1" smtClean="0">
                 <a:solidFill>
                   <a:srgbClr val="FF0000"/>
                 </a:solidFill>
               </a:rPr>
               <a:t>src</a:t>
             </a:r>
-            <a:r>
-              <a:rPr lang="en-US" dirty="0" smtClean="0">
-                <a:solidFill>
-                  <a:srgbClr val="0070C0"/>
-                </a:solidFill>
-              </a:rPr>
-              <a:t>=</a:t>
-            </a:r>
-            <a:r>
-              <a:rPr lang="en-US" dirty="0" smtClean="0">
-                <a:solidFill>
-                  <a:schemeClr val="accent3">
-                    <a:lumMod val="75000"/>
-                  </a:schemeClr>
-                </a:solidFill>
-              </a:rPr>
-              <a:t>"/</a:t>
-            </a:r>
-            <a:r>
-              <a:rPr lang="tr-TR" dirty="0" smtClean="0">
-                <a:solidFill>
-                  <a:schemeClr val="accent3">
-                    <a:lumMod val="75000"/>
-                  </a:schemeClr>
-                </a:solidFill>
-              </a:rPr>
-              <a:t>s</a:t>
-            </a:r>
-            <a:r>
-              <a:rPr lang="en-US" dirty="0" err="1" smtClean="0">
-                <a:solidFill>
-                  <a:schemeClr val="accent3">
-                    <a:lumMod val="75000"/>
-                  </a:schemeClr>
-                </a:solidFill>
-              </a:rPr>
-              <a:t>tatic</a:t>
-            </a:r>
-            <a:r>
-              <a:rPr lang="en-US" dirty="0" smtClean="0">
-                <a:solidFill>
-                  <a:schemeClr val="accent3">
-                    <a:lumMod val="75000"/>
-                  </a:schemeClr>
-                </a:solidFill>
-              </a:rPr>
-              <a:t>/</a:t>
-            </a:r>
-            <a:r>
-              <a:rPr lang="tr-TR" dirty="0" err="1" smtClean="0">
-                <a:solidFill>
-                  <a:schemeClr val="accent3">
-                    <a:lumMod val="75000"/>
-                  </a:schemeClr>
-                </a:solidFill>
-              </a:rPr>
-              <a:t>smile</a:t>
-            </a:r>
-            <a:r>
-              <a:rPr lang="en-US" dirty="0" smtClean="0">
-                <a:solidFill>
-                  <a:schemeClr val="accent3">
-                    <a:lumMod val="75000"/>
-                  </a:schemeClr>
-                </a:solidFill>
-              </a:rPr>
-              <a:t>.</a:t>
-            </a:r>
-            <a:r>
-              <a:rPr lang="tr-TR" dirty="0" err="1" smtClean="0">
-                <a:solidFill>
-                  <a:schemeClr val="accent3">
-                    <a:lumMod val="75000"/>
-                  </a:schemeClr>
-                </a:solidFill>
-              </a:rPr>
-              <a:t>jpg</a:t>
-            </a:r>
-            <a:r>
-              <a:rPr lang="en-US" dirty="0" smtClean="0">
-                <a:solidFill>
-                  <a:schemeClr val="accent3">
-                    <a:lumMod val="75000"/>
-                  </a:schemeClr>
-                </a:solidFill>
-              </a:rPr>
-              <a:t>"</a:t>
-            </a:r>
-            <a:r>
-              <a:rPr lang="en-US" dirty="0" smtClean="0">
-                <a:solidFill>
-                  <a:srgbClr val="0070C0"/>
-                </a:solidFill>
-              </a:rPr>
-              <a:t>/&gt;</a:t>
-            </a:r>
-            <a:endParaRPr lang="tr-TR" dirty="0">
+            <a:endParaRPr lang="tr-TR" sz="8800" dirty="0" smtClean="0">
               <a:solidFill>
-                <a:srgbClr val="0070C0"/>
+                <a:srgbClr val="FF0000"/>
               </a:solidFill>
             </a:endParaRPr>
           </a:p>
           <a:p>
             <a:r>
-              <a:rPr lang="en-US" dirty="0">
-                <a:solidFill>
-                  <a:srgbClr val="0070C0"/>
-                </a:solidFill>
-              </a:rPr>
-              <a:t>&lt;</a:t>
-            </a:r>
-            <a:r>
-              <a:rPr lang="en-US" dirty="0">
-                <a:solidFill>
-                  <a:schemeClr val="accent2">
-                    <a:lumMod val="50000"/>
-                  </a:schemeClr>
+              <a:rPr lang="tr-TR" sz="8800" dirty="0" smtClean="0">
+                <a:solidFill>
+                  <a:srgbClr val="FF0000"/>
                 </a:solidFill>
               </a:rPr>
               <a:t>link</a:t>
             </a:r>
-            <a:r>
-              <a:rPr lang="en-US" dirty="0"/>
-              <a:t> </a:t>
-            </a:r>
-            <a:r>
-              <a:rPr lang="en-US" dirty="0" err="1">
-                <a:solidFill>
-                  <a:srgbClr val="FF0000"/>
-                </a:solidFill>
-              </a:rPr>
-              <a:t>href</a:t>
-            </a:r>
-            <a:r>
-              <a:rPr lang="en-US" dirty="0" smtClean="0">
-                <a:solidFill>
-                  <a:srgbClr val="0070C0"/>
-                </a:solidFill>
-              </a:rPr>
-              <a:t>=</a:t>
-            </a:r>
-            <a:r>
-              <a:rPr lang="en-US" dirty="0" smtClean="0">
-                <a:solidFill>
-                  <a:schemeClr val="accent3">
-                    <a:lumMod val="75000"/>
-                  </a:schemeClr>
-                </a:solidFill>
-              </a:rPr>
-              <a:t>"/</a:t>
-            </a:r>
-            <a:r>
-              <a:rPr lang="tr-TR" dirty="0" smtClean="0">
-                <a:solidFill>
-                  <a:schemeClr val="accent3">
-                    <a:lumMod val="75000"/>
-                  </a:schemeClr>
-                </a:solidFill>
-              </a:rPr>
-              <a:t>s</a:t>
-            </a:r>
-            <a:r>
-              <a:rPr lang="en-US" dirty="0" err="1" smtClean="0">
-                <a:solidFill>
-                  <a:schemeClr val="accent3">
-                    <a:lumMod val="75000"/>
-                  </a:schemeClr>
-                </a:solidFill>
-              </a:rPr>
-              <a:t>tatic</a:t>
-            </a:r>
-            <a:r>
-              <a:rPr lang="en-US" dirty="0" smtClean="0">
-                <a:solidFill>
-                  <a:schemeClr val="accent3">
-                    <a:lumMod val="75000"/>
-                  </a:schemeClr>
-                </a:solidFill>
-              </a:rPr>
-              <a:t>/site.css</a:t>
-            </a:r>
-            <a:r>
-              <a:rPr lang="en-US" dirty="0">
-                <a:solidFill>
-                  <a:schemeClr val="accent3">
-                    <a:lumMod val="75000"/>
-                  </a:schemeClr>
-                </a:solidFill>
-              </a:rPr>
-              <a:t>" </a:t>
-            </a:r>
-            <a:r>
-              <a:rPr lang="en-US" dirty="0" err="1">
-                <a:solidFill>
-                  <a:srgbClr val="FF0000"/>
-                </a:solidFill>
-              </a:rPr>
-              <a:t>rel</a:t>
-            </a:r>
-            <a:r>
-              <a:rPr lang="en-US" dirty="0">
-                <a:solidFill>
-                  <a:srgbClr val="0070C0"/>
-                </a:solidFill>
-              </a:rPr>
-              <a:t>=</a:t>
-            </a:r>
-            <a:r>
-              <a:rPr lang="en-US" dirty="0">
-                <a:solidFill>
-                  <a:schemeClr val="accent3">
-                    <a:lumMod val="75000"/>
-                  </a:schemeClr>
-                </a:solidFill>
-              </a:rPr>
-              <a:t>"stylesheet"</a:t>
-            </a:r>
-            <a:r>
-              <a:rPr lang="en-US" dirty="0"/>
-              <a:t> </a:t>
-            </a:r>
-            <a:r>
-              <a:rPr lang="en-US" dirty="0" smtClean="0">
-                <a:solidFill>
-                  <a:srgbClr val="0070C0"/>
-                </a:solidFill>
-              </a:rPr>
-              <a:t>/&gt;</a:t>
-            </a:r>
-            <a:endParaRPr lang="tr-TR" dirty="0" smtClean="0">
-              <a:solidFill>
-                <a:srgbClr val="0070C0"/>
-              </a:solidFill>
-            </a:endParaRPr>
-          </a:p>
-          <a:p>
-            <a:r>
-              <a:rPr lang="en-US" dirty="0" smtClean="0">
-                <a:solidFill>
-                  <a:srgbClr val="0070C0"/>
-                </a:solidFill>
-              </a:rPr>
-              <a:t>&lt;</a:t>
-            </a:r>
-            <a:r>
-              <a:rPr lang="tr-TR" dirty="0" smtClean="0">
-                <a:solidFill>
-                  <a:schemeClr val="accent2">
-                    <a:lumMod val="50000"/>
-                  </a:schemeClr>
-                </a:solidFill>
-              </a:rPr>
-              <a:t>form</a:t>
-            </a:r>
-            <a:r>
-              <a:rPr lang="en-US" dirty="0" smtClean="0"/>
-              <a:t> </a:t>
-            </a:r>
-            <a:r>
-              <a:rPr lang="tr-TR" dirty="0" err="1" smtClean="0">
-                <a:solidFill>
-                  <a:srgbClr val="FF0000"/>
-                </a:solidFill>
-              </a:rPr>
-              <a:t>action</a:t>
-            </a:r>
-            <a:r>
-              <a:rPr lang="en-US" dirty="0" smtClean="0">
-                <a:solidFill>
-                  <a:srgbClr val="0070C0"/>
-                </a:solidFill>
-              </a:rPr>
-              <a:t>=</a:t>
-            </a:r>
-            <a:r>
-              <a:rPr lang="en-US" dirty="0" smtClean="0">
-                <a:solidFill>
-                  <a:schemeClr val="accent3">
-                    <a:lumMod val="75000"/>
-                  </a:schemeClr>
-                </a:solidFill>
-              </a:rPr>
-              <a:t>"/</a:t>
-            </a:r>
-            <a:r>
-              <a:rPr lang="tr-TR" dirty="0" err="1" smtClean="0">
-                <a:solidFill>
-                  <a:schemeClr val="accent3">
-                    <a:lumMod val="75000"/>
-                  </a:schemeClr>
-                </a:solidFill>
-              </a:rPr>
-              <a:t>params</a:t>
-            </a:r>
-            <a:r>
-              <a:rPr lang="en-US" dirty="0" smtClean="0">
-                <a:solidFill>
-                  <a:schemeClr val="accent3">
-                    <a:lumMod val="75000"/>
-                  </a:schemeClr>
-                </a:solidFill>
-              </a:rPr>
-              <a:t>" </a:t>
-            </a:r>
-            <a:r>
-              <a:rPr lang="tr-TR" dirty="0" err="1" smtClean="0">
-                <a:solidFill>
-                  <a:srgbClr val="FF0000"/>
-                </a:solidFill>
-              </a:rPr>
-              <a:t>method</a:t>
-            </a:r>
-            <a:r>
-              <a:rPr lang="en-US" dirty="0" smtClean="0">
-                <a:solidFill>
-                  <a:srgbClr val="0070C0"/>
-                </a:solidFill>
-              </a:rPr>
-              <a:t>=</a:t>
-            </a:r>
-            <a:r>
-              <a:rPr lang="en-US" dirty="0">
-                <a:solidFill>
-                  <a:schemeClr val="accent3">
-                    <a:lumMod val="75000"/>
-                  </a:schemeClr>
-                </a:solidFill>
-              </a:rPr>
-              <a:t>"</a:t>
-            </a:r>
-            <a:r>
-              <a:rPr lang="tr-TR" dirty="0" smtClean="0">
-                <a:solidFill>
-                  <a:schemeClr val="accent3">
-                    <a:lumMod val="75000"/>
-                  </a:schemeClr>
-                </a:solidFill>
-              </a:rPr>
-              <a:t>POST</a:t>
-            </a:r>
-            <a:r>
-              <a:rPr lang="en-US" dirty="0" smtClean="0">
-                <a:solidFill>
-                  <a:schemeClr val="accent3">
-                    <a:lumMod val="75000"/>
-                  </a:schemeClr>
-                </a:solidFill>
-              </a:rPr>
-              <a:t>"</a:t>
-            </a:r>
-            <a:r>
-              <a:rPr lang="en-US" dirty="0" smtClean="0">
-                <a:solidFill>
-                  <a:srgbClr val="0070C0"/>
-                </a:solidFill>
-              </a:rPr>
-              <a:t>/&gt;</a:t>
-            </a:r>
-            <a:endParaRPr lang="tr-TR" dirty="0">
-              <a:solidFill>
-                <a:srgbClr val="0070C0"/>
-              </a:solidFill>
-            </a:endParaRPr>
-          </a:p>
-          <a:p>
-            <a:endParaRPr lang="tr-TR" dirty="0">
-              <a:solidFill>
-                <a:srgbClr val="0070C0"/>
-              </a:solidFill>
-            </a:endParaRPr>
-          </a:p>
-          <a:p>
-            <a:endParaRPr lang="tr-TR" dirty="0" smtClean="0">
-              <a:solidFill>
-                <a:srgbClr val="0070C0"/>
-              </a:solidFill>
-            </a:endParaRPr>
-          </a:p>
-          <a:p>
-            <a:endParaRPr lang="tr-TR" dirty="0">
-              <a:solidFill>
-                <a:srgbClr val="0070C0"/>
-              </a:solidFill>
-            </a:endParaRPr>
+            <a:endParaRPr lang="tr-TR" sz="8800" dirty="0"/>
           </a:p>
         </p:txBody>
       </p:sp>
@@ -6648,6 +9135,786 @@
             <p:ph type="title"/>
           </p:nvPr>
         </p:nvSpPr>
+        <p:spPr/>
+        <p:txBody>
+          <a:bodyPr>
+            <a:normAutofit fontScale="90000"/>
+          </a:bodyPr>
+          <a:lstStyle/>
+          <a:p>
+            <a:r>
+              <a:rPr lang="tr-TR" sz="4900" dirty="0" smtClean="0"/>
+              <a:t>URL ve link </a:t>
+            </a:r>
+            <a:r>
+              <a:rPr lang="tr-TR" dirty="0" smtClean="0"/>
+              <a:t/>
+            </a:r>
+            <a:br>
+              <a:rPr lang="tr-TR" dirty="0" smtClean="0"/>
+            </a:br>
+            <a:r>
+              <a:rPr lang="tr-TR" b="1" dirty="0" err="1" smtClean="0"/>
+              <a:t>hyperlink</a:t>
+            </a:r>
+            <a:r>
+              <a:rPr lang="tr-TR" b="1" dirty="0" smtClean="0"/>
+              <a:t> </a:t>
+            </a:r>
+            <a:r>
+              <a:rPr lang="tr-TR" dirty="0" smtClean="0"/>
+              <a:t>taşıyan html öznitelikleri</a:t>
+            </a:r>
+            <a:endParaRPr lang="tr-TR" dirty="0"/>
+          </a:p>
+        </p:txBody>
+      </p:sp>
+    </p:spTree>
+    <p:extLst>
+      <p:ext uri="{BB962C8B-B14F-4D97-AF65-F5344CB8AC3E}">
+        <p14:creationId xmlns:p14="http://schemas.microsoft.com/office/powerpoint/2010/main" val="3980582576"/>
+      </p:ext>
+    </p:extLst>
+  </p:cSld>
+  <p:clrMapOvr>
+    <a:masterClrMapping/>
+  </p:clrMapOvr>
+  <p:timing>
+    <p:tnLst>
+      <p:par>
+        <p:cTn id="1" dur="indefinite" restart="never" nodeType="tmRoot"/>
+      </p:par>
+    </p:tnLst>
+  </p:timing>
+</p:sld>
+</file>
+
+<file path=ppt/slides/slide6.xml><?xml version="1.0" encoding="utf-8"?>
+<p:sld xmlns:a="http://schemas.openxmlformats.org/drawingml/2006/main" xmlns:r="http://schemas.openxmlformats.org/officeDocument/2006/relationships" xmlns:p="http://schemas.openxmlformats.org/presentationml/2006/main">
+  <p:cSld>
+    <p:spTree>
+      <p:nvGrpSpPr>
+        <p:cNvPr id="1" name=""/>
+        <p:cNvGrpSpPr/>
+        <p:nvPr/>
+      </p:nvGrpSpPr>
+      <p:grpSpPr>
+        <a:xfrm>
+          <a:off x="0" y="0"/>
+          <a:ext cx="0" cy="0"/>
+          <a:chOff x="0" y="0"/>
+          <a:chExt cx="0" cy="0"/>
+        </a:xfrm>
+      </p:grpSpPr>
+      <p:sp>
+        <p:nvSpPr>
+          <p:cNvPr id="3" name="İçerik Yer Tutucusu 2"/>
+          <p:cNvSpPr>
+            <a:spLocks noGrp="1"/>
+          </p:cNvSpPr>
+          <p:nvPr>
+            <p:ph idx="1"/>
+          </p:nvPr>
+        </p:nvSpPr>
+        <p:spPr>
+          <a:xfrm>
+            <a:off x="395536" y="2132856"/>
+            <a:ext cx="8229600" cy="4525963"/>
+          </a:xfrm>
+        </p:spPr>
+        <p:txBody>
+          <a:bodyPr/>
+          <a:lstStyle/>
+          <a:p>
+            <a:r>
+              <a:rPr lang="en-US" dirty="0" smtClean="0">
+                <a:solidFill>
+                  <a:srgbClr val="0070C0"/>
+                </a:solidFill>
+              </a:rPr>
+              <a:t>&lt;</a:t>
+            </a:r>
+            <a:r>
+              <a:rPr lang="tr-TR" dirty="0" smtClean="0">
+                <a:solidFill>
+                  <a:schemeClr val="accent2">
+                    <a:lumMod val="50000"/>
+                  </a:schemeClr>
+                </a:solidFill>
+              </a:rPr>
+              <a:t>a</a:t>
+            </a:r>
+            <a:r>
+              <a:rPr lang="en-US" dirty="0" smtClean="0"/>
+              <a:t> </a:t>
+            </a:r>
+            <a:r>
+              <a:rPr lang="en-US" dirty="0" err="1">
+                <a:solidFill>
+                  <a:srgbClr val="FF0000"/>
+                </a:solidFill>
+              </a:rPr>
+              <a:t>href</a:t>
+            </a:r>
+            <a:r>
+              <a:rPr lang="en-US" dirty="0" smtClean="0">
+                <a:solidFill>
+                  <a:srgbClr val="0070C0"/>
+                </a:solidFill>
+              </a:rPr>
+              <a:t>=</a:t>
+            </a:r>
+            <a:r>
+              <a:rPr lang="en-US" dirty="0" smtClean="0">
+                <a:solidFill>
+                  <a:schemeClr val="accent3">
+                    <a:lumMod val="75000"/>
+                  </a:schemeClr>
+                </a:solidFill>
+              </a:rPr>
+              <a:t>"/</a:t>
+            </a:r>
+            <a:r>
+              <a:rPr lang="tr-TR" dirty="0" smtClean="0">
+                <a:solidFill>
+                  <a:schemeClr val="accent3">
+                    <a:lumMod val="75000"/>
+                  </a:schemeClr>
+                </a:solidFill>
+              </a:rPr>
+              <a:t>s</a:t>
+            </a:r>
+            <a:r>
+              <a:rPr lang="en-US" dirty="0" err="1" smtClean="0">
+                <a:solidFill>
+                  <a:schemeClr val="accent3">
+                    <a:lumMod val="75000"/>
+                  </a:schemeClr>
+                </a:solidFill>
+              </a:rPr>
+              <a:t>tatic</a:t>
+            </a:r>
+            <a:r>
+              <a:rPr lang="en-US" dirty="0" smtClean="0">
+                <a:solidFill>
+                  <a:schemeClr val="accent3">
+                    <a:lumMod val="75000"/>
+                  </a:schemeClr>
+                </a:solidFill>
+              </a:rPr>
+              <a:t>/</a:t>
+            </a:r>
+            <a:r>
+              <a:rPr lang="tr-TR" dirty="0" err="1" smtClean="0">
+                <a:solidFill>
+                  <a:schemeClr val="accent3">
+                    <a:lumMod val="75000"/>
+                  </a:schemeClr>
+                </a:solidFill>
+              </a:rPr>
+              <a:t>bye</a:t>
+            </a:r>
+            <a:r>
+              <a:rPr lang="en-US" dirty="0" smtClean="0">
+                <a:solidFill>
+                  <a:schemeClr val="accent3">
+                    <a:lumMod val="75000"/>
+                  </a:schemeClr>
+                </a:solidFill>
+              </a:rPr>
+              <a:t>.</a:t>
+            </a:r>
+            <a:r>
+              <a:rPr lang="tr-TR" dirty="0" smtClean="0">
+                <a:solidFill>
+                  <a:schemeClr val="accent3">
+                    <a:lumMod val="75000"/>
+                  </a:schemeClr>
+                </a:solidFill>
+              </a:rPr>
+              <a:t>html</a:t>
+            </a:r>
+            <a:r>
+              <a:rPr lang="en-US" dirty="0" smtClean="0">
+                <a:solidFill>
+                  <a:srgbClr val="0070C0"/>
+                </a:solidFill>
+              </a:rPr>
+              <a:t>&gt;</a:t>
+            </a:r>
+            <a:r>
+              <a:rPr lang="tr-TR" dirty="0" err="1" smtClean="0"/>
+              <a:t>exit</a:t>
+            </a:r>
+            <a:r>
+              <a:rPr lang="en-US" dirty="0" smtClean="0">
+                <a:solidFill>
+                  <a:srgbClr val="0070C0"/>
+                </a:solidFill>
+              </a:rPr>
+              <a:t>&lt;</a:t>
+            </a:r>
+            <a:r>
+              <a:rPr lang="tr-TR" dirty="0" smtClean="0">
+                <a:solidFill>
+                  <a:schemeClr val="accent2">
+                    <a:lumMod val="50000"/>
+                  </a:schemeClr>
+                </a:solidFill>
+              </a:rPr>
+              <a:t>a</a:t>
+            </a:r>
+            <a:r>
+              <a:rPr lang="en-US" dirty="0" smtClean="0">
+                <a:solidFill>
+                  <a:srgbClr val="0070C0"/>
+                </a:solidFill>
+              </a:rPr>
+              <a:t>/&gt;</a:t>
+            </a:r>
+            <a:endParaRPr lang="tr-TR" dirty="0" smtClean="0">
+              <a:solidFill>
+                <a:srgbClr val="0070C0"/>
+              </a:solidFill>
+            </a:endParaRPr>
+          </a:p>
+          <a:p>
+            <a:r>
+              <a:rPr lang="en-US" dirty="0" smtClean="0">
+                <a:solidFill>
+                  <a:srgbClr val="0070C0"/>
+                </a:solidFill>
+              </a:rPr>
+              <a:t>&lt;</a:t>
+            </a:r>
+            <a:r>
+              <a:rPr lang="tr-TR" dirty="0" err="1" smtClean="0">
+                <a:solidFill>
+                  <a:schemeClr val="accent2">
+                    <a:lumMod val="50000"/>
+                  </a:schemeClr>
+                </a:solidFill>
+              </a:rPr>
+              <a:t>img</a:t>
+            </a:r>
+            <a:r>
+              <a:rPr lang="tr-TR" dirty="0" smtClean="0">
+                <a:solidFill>
+                  <a:schemeClr val="accent2">
+                    <a:lumMod val="50000"/>
+                  </a:schemeClr>
+                </a:solidFill>
+              </a:rPr>
+              <a:t> </a:t>
+            </a:r>
+            <a:r>
+              <a:rPr lang="tr-TR" dirty="0" err="1" smtClean="0">
+                <a:solidFill>
+                  <a:srgbClr val="FF0000"/>
+                </a:solidFill>
+              </a:rPr>
+              <a:t>src</a:t>
+            </a:r>
+            <a:r>
+              <a:rPr lang="en-US" dirty="0" smtClean="0">
+                <a:solidFill>
+                  <a:srgbClr val="0070C0"/>
+                </a:solidFill>
+              </a:rPr>
+              <a:t>=</a:t>
+            </a:r>
+            <a:r>
+              <a:rPr lang="en-US" dirty="0" smtClean="0">
+                <a:solidFill>
+                  <a:schemeClr val="accent3">
+                    <a:lumMod val="75000"/>
+                  </a:schemeClr>
+                </a:solidFill>
+              </a:rPr>
+              <a:t>"/</a:t>
+            </a:r>
+            <a:r>
+              <a:rPr lang="tr-TR" dirty="0" smtClean="0">
+                <a:solidFill>
+                  <a:schemeClr val="accent3">
+                    <a:lumMod val="75000"/>
+                  </a:schemeClr>
+                </a:solidFill>
+              </a:rPr>
+              <a:t>s</a:t>
+            </a:r>
+            <a:r>
+              <a:rPr lang="en-US" dirty="0" err="1" smtClean="0">
+                <a:solidFill>
+                  <a:schemeClr val="accent3">
+                    <a:lumMod val="75000"/>
+                  </a:schemeClr>
+                </a:solidFill>
+              </a:rPr>
+              <a:t>tatic</a:t>
+            </a:r>
+            <a:r>
+              <a:rPr lang="en-US" dirty="0" smtClean="0">
+                <a:solidFill>
+                  <a:schemeClr val="accent3">
+                    <a:lumMod val="75000"/>
+                  </a:schemeClr>
+                </a:solidFill>
+              </a:rPr>
+              <a:t>/</a:t>
+            </a:r>
+            <a:r>
+              <a:rPr lang="tr-TR" dirty="0" err="1" smtClean="0">
+                <a:solidFill>
+                  <a:schemeClr val="accent3">
+                    <a:lumMod val="75000"/>
+                  </a:schemeClr>
+                </a:solidFill>
+              </a:rPr>
+              <a:t>smile</a:t>
+            </a:r>
+            <a:r>
+              <a:rPr lang="en-US" dirty="0" smtClean="0">
+                <a:solidFill>
+                  <a:schemeClr val="accent3">
+                    <a:lumMod val="75000"/>
+                  </a:schemeClr>
+                </a:solidFill>
+              </a:rPr>
+              <a:t>.</a:t>
+            </a:r>
+            <a:r>
+              <a:rPr lang="tr-TR" dirty="0" err="1" smtClean="0">
+                <a:solidFill>
+                  <a:schemeClr val="accent3">
+                    <a:lumMod val="75000"/>
+                  </a:schemeClr>
+                </a:solidFill>
+              </a:rPr>
+              <a:t>jpg</a:t>
+            </a:r>
+            <a:r>
+              <a:rPr lang="en-US" dirty="0" smtClean="0">
+                <a:solidFill>
+                  <a:schemeClr val="accent3">
+                    <a:lumMod val="75000"/>
+                  </a:schemeClr>
+                </a:solidFill>
+              </a:rPr>
+              <a:t>"</a:t>
+            </a:r>
+            <a:r>
+              <a:rPr lang="en-US" dirty="0" smtClean="0">
+                <a:solidFill>
+                  <a:srgbClr val="0070C0"/>
+                </a:solidFill>
+              </a:rPr>
+              <a:t>/&gt;</a:t>
+            </a:r>
+            <a:endParaRPr lang="tr-TR" dirty="0">
+              <a:solidFill>
+                <a:srgbClr val="0070C0"/>
+              </a:solidFill>
+            </a:endParaRPr>
+          </a:p>
+          <a:p>
+            <a:r>
+              <a:rPr lang="en-US" dirty="0">
+                <a:solidFill>
+                  <a:srgbClr val="0070C0"/>
+                </a:solidFill>
+              </a:rPr>
+              <a:t>&lt;</a:t>
+            </a:r>
+            <a:r>
+              <a:rPr lang="en-US" dirty="0">
+                <a:solidFill>
+                  <a:schemeClr val="accent2">
+                    <a:lumMod val="50000"/>
+                  </a:schemeClr>
+                </a:solidFill>
+              </a:rPr>
+              <a:t>link</a:t>
+            </a:r>
+            <a:r>
+              <a:rPr lang="en-US" dirty="0"/>
+              <a:t> </a:t>
+            </a:r>
+            <a:r>
+              <a:rPr lang="en-US" dirty="0" err="1">
+                <a:solidFill>
+                  <a:srgbClr val="FF0000"/>
+                </a:solidFill>
+              </a:rPr>
+              <a:t>href</a:t>
+            </a:r>
+            <a:r>
+              <a:rPr lang="en-US" dirty="0">
+                <a:solidFill>
+                  <a:srgbClr val="0070C0"/>
+                </a:solidFill>
+              </a:rPr>
+              <a:t>=</a:t>
+            </a:r>
+            <a:r>
+              <a:rPr lang="en-US" dirty="0">
+                <a:solidFill>
+                  <a:schemeClr val="accent3">
+                    <a:lumMod val="75000"/>
+                  </a:schemeClr>
+                </a:solidFill>
+              </a:rPr>
+              <a:t>"/</a:t>
+            </a:r>
+            <a:r>
+              <a:rPr lang="tr-TR" dirty="0">
+                <a:solidFill>
+                  <a:schemeClr val="accent3">
+                    <a:lumMod val="75000"/>
+                  </a:schemeClr>
+                </a:solidFill>
+              </a:rPr>
+              <a:t>s</a:t>
+            </a:r>
+            <a:r>
+              <a:rPr lang="en-US" dirty="0" err="1">
+                <a:solidFill>
+                  <a:schemeClr val="accent3">
+                    <a:lumMod val="75000"/>
+                  </a:schemeClr>
+                </a:solidFill>
+              </a:rPr>
+              <a:t>tatic</a:t>
+            </a:r>
+            <a:r>
+              <a:rPr lang="en-US" dirty="0">
+                <a:solidFill>
+                  <a:schemeClr val="accent3">
+                    <a:lumMod val="75000"/>
+                  </a:schemeClr>
+                </a:solidFill>
+              </a:rPr>
+              <a:t>/site.css" </a:t>
+            </a:r>
+            <a:r>
+              <a:rPr lang="en-US" dirty="0" err="1">
+                <a:solidFill>
+                  <a:srgbClr val="FF0000"/>
+                </a:solidFill>
+              </a:rPr>
+              <a:t>rel</a:t>
+            </a:r>
+            <a:r>
+              <a:rPr lang="en-US" dirty="0">
+                <a:solidFill>
+                  <a:srgbClr val="0070C0"/>
+                </a:solidFill>
+              </a:rPr>
+              <a:t>=</a:t>
+            </a:r>
+            <a:r>
+              <a:rPr lang="en-US" dirty="0">
+                <a:solidFill>
+                  <a:schemeClr val="accent3">
+                    <a:lumMod val="75000"/>
+                  </a:schemeClr>
+                </a:solidFill>
+              </a:rPr>
+              <a:t>"stylesheet"</a:t>
+            </a:r>
+            <a:r>
+              <a:rPr lang="en-US" dirty="0"/>
+              <a:t> </a:t>
+            </a:r>
+            <a:r>
+              <a:rPr lang="en-US" dirty="0">
+                <a:solidFill>
+                  <a:srgbClr val="0070C0"/>
+                </a:solidFill>
+              </a:rPr>
+              <a:t>/&gt;</a:t>
+            </a:r>
+            <a:endParaRPr lang="tr-TR" dirty="0">
+              <a:solidFill>
+                <a:srgbClr val="0070C0"/>
+              </a:solidFill>
+            </a:endParaRPr>
+          </a:p>
+          <a:p>
+            <a:r>
+              <a:rPr lang="en-US" dirty="0" smtClean="0">
+                <a:solidFill>
+                  <a:srgbClr val="0070C0"/>
+                </a:solidFill>
+              </a:rPr>
+              <a:t>&lt;</a:t>
+            </a:r>
+            <a:r>
+              <a:rPr lang="tr-TR" dirty="0" err="1" smtClean="0">
+                <a:solidFill>
+                  <a:schemeClr val="accent2">
+                    <a:lumMod val="50000"/>
+                  </a:schemeClr>
+                </a:solidFill>
+              </a:rPr>
+              <a:t>script</a:t>
+            </a:r>
+            <a:r>
+              <a:rPr lang="en-US" dirty="0" smtClean="0"/>
+              <a:t> </a:t>
+            </a:r>
+            <a:r>
+              <a:rPr lang="tr-TR" dirty="0" err="1" smtClean="0">
+                <a:solidFill>
+                  <a:srgbClr val="FF0000"/>
+                </a:solidFill>
+              </a:rPr>
+              <a:t>src</a:t>
+            </a:r>
+            <a:r>
+              <a:rPr lang="en-US" dirty="0" smtClean="0">
+                <a:solidFill>
+                  <a:srgbClr val="0070C0"/>
+                </a:solidFill>
+              </a:rPr>
+              <a:t>=</a:t>
+            </a:r>
+            <a:r>
+              <a:rPr lang="en-US" dirty="0" smtClean="0">
+                <a:solidFill>
+                  <a:schemeClr val="accent3">
+                    <a:lumMod val="75000"/>
+                  </a:schemeClr>
+                </a:solidFill>
+              </a:rPr>
+              <a:t>"/</a:t>
+            </a:r>
+            <a:r>
+              <a:rPr lang="tr-TR" dirty="0" err="1" smtClean="0">
+                <a:solidFill>
+                  <a:schemeClr val="accent3">
+                    <a:lumMod val="75000"/>
+                  </a:schemeClr>
+                </a:solidFill>
+              </a:rPr>
+              <a:t>static</a:t>
+            </a:r>
+            <a:r>
+              <a:rPr lang="tr-TR" dirty="0" smtClean="0">
+                <a:solidFill>
+                  <a:schemeClr val="accent3">
+                    <a:lumMod val="75000"/>
+                  </a:schemeClr>
+                </a:solidFill>
+              </a:rPr>
+              <a:t>/main</a:t>
+            </a:r>
+            <a:r>
+              <a:rPr lang="en-US" dirty="0" smtClean="0">
+                <a:solidFill>
+                  <a:schemeClr val="accent3">
+                    <a:lumMod val="75000"/>
+                  </a:schemeClr>
+                </a:solidFill>
+              </a:rPr>
+              <a:t>.</a:t>
+            </a:r>
+            <a:r>
+              <a:rPr lang="tr-TR" dirty="0" err="1" smtClean="0">
+                <a:solidFill>
+                  <a:schemeClr val="accent3">
+                    <a:lumMod val="75000"/>
+                  </a:schemeClr>
+                </a:solidFill>
+              </a:rPr>
+              <a:t>js</a:t>
+            </a:r>
+            <a:r>
+              <a:rPr lang="en-US" dirty="0" smtClean="0">
+                <a:solidFill>
+                  <a:schemeClr val="accent3">
+                    <a:lumMod val="75000"/>
+                  </a:schemeClr>
+                </a:solidFill>
+              </a:rPr>
+              <a:t>" </a:t>
+            </a:r>
+            <a:r>
+              <a:rPr lang="en-US" dirty="0" smtClean="0">
+                <a:solidFill>
+                  <a:srgbClr val="0070C0"/>
+                </a:solidFill>
+              </a:rPr>
+              <a:t>/&gt;</a:t>
+            </a:r>
+            <a:endParaRPr lang="tr-TR" dirty="0" smtClean="0">
+              <a:solidFill>
+                <a:srgbClr val="0070C0"/>
+              </a:solidFill>
+            </a:endParaRPr>
+          </a:p>
+          <a:p>
+            <a:r>
+              <a:rPr lang="en-US" dirty="0" smtClean="0">
+                <a:solidFill>
+                  <a:srgbClr val="0070C0"/>
+                </a:solidFill>
+              </a:rPr>
+              <a:t>&lt;</a:t>
+            </a:r>
+            <a:r>
+              <a:rPr lang="tr-TR" dirty="0" smtClean="0">
+                <a:solidFill>
+                  <a:schemeClr val="accent2">
+                    <a:lumMod val="50000"/>
+                  </a:schemeClr>
+                </a:solidFill>
+              </a:rPr>
+              <a:t>form</a:t>
+            </a:r>
+            <a:r>
+              <a:rPr lang="en-US" dirty="0" smtClean="0"/>
+              <a:t> </a:t>
+            </a:r>
+            <a:r>
+              <a:rPr lang="tr-TR" dirty="0" err="1" smtClean="0">
+                <a:solidFill>
+                  <a:srgbClr val="FF0000"/>
+                </a:solidFill>
+              </a:rPr>
+              <a:t>action</a:t>
+            </a:r>
+            <a:r>
+              <a:rPr lang="en-US" dirty="0" smtClean="0">
+                <a:solidFill>
+                  <a:srgbClr val="0070C0"/>
+                </a:solidFill>
+              </a:rPr>
+              <a:t>=</a:t>
+            </a:r>
+            <a:r>
+              <a:rPr lang="en-US" dirty="0" smtClean="0">
+                <a:solidFill>
+                  <a:schemeClr val="accent3">
+                    <a:lumMod val="75000"/>
+                  </a:schemeClr>
+                </a:solidFill>
+              </a:rPr>
+              <a:t>"/</a:t>
+            </a:r>
+            <a:r>
+              <a:rPr lang="tr-TR" dirty="0" err="1" smtClean="0">
+                <a:solidFill>
+                  <a:schemeClr val="accent3">
+                    <a:lumMod val="75000"/>
+                  </a:schemeClr>
+                </a:solidFill>
+              </a:rPr>
+              <a:t>params</a:t>
+            </a:r>
+            <a:r>
+              <a:rPr lang="en-US" dirty="0" smtClean="0">
+                <a:solidFill>
+                  <a:schemeClr val="accent3">
+                    <a:lumMod val="75000"/>
+                  </a:schemeClr>
+                </a:solidFill>
+              </a:rPr>
+              <a:t>" </a:t>
+            </a:r>
+            <a:r>
+              <a:rPr lang="tr-TR" dirty="0" err="1" smtClean="0">
+                <a:solidFill>
+                  <a:srgbClr val="FF0000"/>
+                </a:solidFill>
+              </a:rPr>
+              <a:t>method</a:t>
+            </a:r>
+            <a:r>
+              <a:rPr lang="en-US" dirty="0" smtClean="0">
+                <a:solidFill>
+                  <a:srgbClr val="0070C0"/>
+                </a:solidFill>
+              </a:rPr>
+              <a:t>=</a:t>
+            </a:r>
+            <a:r>
+              <a:rPr lang="en-US" dirty="0">
+                <a:solidFill>
+                  <a:schemeClr val="accent3">
+                    <a:lumMod val="75000"/>
+                  </a:schemeClr>
+                </a:solidFill>
+              </a:rPr>
+              <a:t>"</a:t>
+            </a:r>
+            <a:r>
+              <a:rPr lang="tr-TR" dirty="0" smtClean="0">
+                <a:solidFill>
+                  <a:schemeClr val="accent3">
+                    <a:lumMod val="75000"/>
+                  </a:schemeClr>
+                </a:solidFill>
+              </a:rPr>
+              <a:t>POST</a:t>
+            </a:r>
+            <a:r>
+              <a:rPr lang="en-US" dirty="0" smtClean="0">
+                <a:solidFill>
+                  <a:schemeClr val="accent3">
+                    <a:lumMod val="75000"/>
+                  </a:schemeClr>
+                </a:solidFill>
+              </a:rPr>
+              <a:t>"</a:t>
+            </a:r>
+            <a:r>
+              <a:rPr lang="en-US" dirty="0" smtClean="0">
+                <a:solidFill>
+                  <a:srgbClr val="0070C0"/>
+                </a:solidFill>
+              </a:rPr>
+              <a:t>/&gt;</a:t>
+            </a:r>
+            <a:endParaRPr lang="tr-TR" dirty="0">
+              <a:solidFill>
+                <a:srgbClr val="0070C0"/>
+              </a:solidFill>
+            </a:endParaRPr>
+          </a:p>
+          <a:p>
+            <a:endParaRPr lang="tr-TR" dirty="0">
+              <a:solidFill>
+                <a:srgbClr val="0070C0"/>
+              </a:solidFill>
+            </a:endParaRPr>
+          </a:p>
+          <a:p>
+            <a:endParaRPr lang="tr-TR" dirty="0" smtClean="0">
+              <a:solidFill>
+                <a:srgbClr val="0070C0"/>
+              </a:solidFill>
+            </a:endParaRPr>
+          </a:p>
+          <a:p>
+            <a:endParaRPr lang="tr-TR" dirty="0">
+              <a:solidFill>
+                <a:srgbClr val="0070C0"/>
+              </a:solidFill>
+            </a:endParaRPr>
+          </a:p>
+        </p:txBody>
+      </p:sp>
+      <p:sp>
+        <p:nvSpPr>
+          <p:cNvPr id="4" name="Başlık 1"/>
+          <p:cNvSpPr>
+            <a:spLocks noGrp="1"/>
+          </p:cNvSpPr>
+          <p:nvPr>
+            <p:ph type="title"/>
+          </p:nvPr>
+        </p:nvSpPr>
         <p:spPr>
           <a:xfrm>
             <a:off x="611560" y="548680"/>
@@ -6681,11 +9948,7 @@
             </a:r>
             <a:r>
               <a:rPr lang="tr-TR" dirty="0" smtClean="0"/>
-              <a:t>taşıyan html </a:t>
-            </a:r>
-            <a:r>
-              <a:rPr lang="tr-TR" dirty="0" smtClean="0"/>
-              <a:t>elemanları</a:t>
+              <a:t>taşıyan html elemanları</a:t>
             </a:r>
             <a:endParaRPr lang="tr-TR" dirty="0"/>
           </a:p>
@@ -6701,6 +9964,2291 @@
   <p:clrMapOvr>
     <a:masterClrMapping/>
   </p:clrMapOvr>
+  <p:timing>
+    <p:tnLst>
+      <p:par>
+        <p:cTn id="1" dur="indefinite" restart="never" nodeType="tmRoot"/>
+      </p:par>
+    </p:tnLst>
+  </p:timing>
+</p:sld>
+</file>
+
+<file path=ppt/slides/slide7.xml><?xml version="1.0" encoding="utf-8"?>
+<p:sld xmlns:a="http://schemas.openxmlformats.org/drawingml/2006/main" xmlns:r="http://schemas.openxmlformats.org/officeDocument/2006/relationships" xmlns:p="http://schemas.openxmlformats.org/presentationml/2006/main">
+  <p:cSld>
+    <p:spTree>
+      <p:nvGrpSpPr>
+        <p:cNvPr id="1" name=""/>
+        <p:cNvGrpSpPr/>
+        <p:nvPr/>
+      </p:nvGrpSpPr>
+      <p:grpSpPr>
+        <a:xfrm>
+          <a:off x="0" y="0"/>
+          <a:ext cx="0" cy="0"/>
+          <a:chOff x="0" y="0"/>
+          <a:chExt cx="0" cy="0"/>
+        </a:xfrm>
+      </p:grpSpPr>
+      <p:sp>
+        <p:nvSpPr>
+          <p:cNvPr id="3" name="İçerik Yer Tutucusu 2"/>
+          <p:cNvSpPr>
+            <a:spLocks noGrp="1"/>
+          </p:cNvSpPr>
+          <p:nvPr>
+            <p:ph idx="1"/>
+          </p:nvPr>
+        </p:nvSpPr>
+        <p:spPr>
+          <a:xfrm>
+            <a:off x="395536" y="2132856"/>
+            <a:ext cx="8229600" cy="4525963"/>
+          </a:xfrm>
+        </p:spPr>
+        <p:txBody>
+          <a:bodyPr/>
+          <a:lstStyle/>
+          <a:p>
+            <a:r>
+              <a:rPr lang="en-US" dirty="0" smtClean="0">
+                <a:solidFill>
+                  <a:srgbClr val="0070C0"/>
+                </a:solidFill>
+              </a:rPr>
+              <a:t>&lt;</a:t>
+            </a:r>
+            <a:r>
+              <a:rPr lang="tr-TR" dirty="0" smtClean="0">
+                <a:solidFill>
+                  <a:schemeClr val="accent2">
+                    <a:lumMod val="50000"/>
+                  </a:schemeClr>
+                </a:solidFill>
+              </a:rPr>
+              <a:t>a</a:t>
+            </a:r>
+            <a:r>
+              <a:rPr lang="en-US" dirty="0" smtClean="0"/>
+              <a:t> </a:t>
+            </a:r>
+            <a:r>
+              <a:rPr lang="en-US" dirty="0" err="1">
+                <a:solidFill>
+                  <a:srgbClr val="FF0000"/>
+                </a:solidFill>
+              </a:rPr>
+              <a:t>href</a:t>
+            </a:r>
+            <a:r>
+              <a:rPr lang="en-US" dirty="0" smtClean="0">
+                <a:solidFill>
+                  <a:srgbClr val="0070C0"/>
+                </a:solidFill>
+              </a:rPr>
+              <a:t>=</a:t>
+            </a:r>
+            <a:r>
+              <a:rPr lang="en-US" dirty="0" smtClean="0">
+                <a:solidFill>
+                  <a:schemeClr val="accent3">
+                    <a:lumMod val="75000"/>
+                  </a:schemeClr>
+                </a:solidFill>
+              </a:rPr>
+              <a:t>"/</a:t>
+            </a:r>
+            <a:r>
+              <a:rPr lang="tr-TR" dirty="0" smtClean="0">
+                <a:solidFill>
+                  <a:schemeClr val="accent3">
+                    <a:lumMod val="75000"/>
+                  </a:schemeClr>
+                </a:solidFill>
+              </a:rPr>
+              <a:t>s</a:t>
+            </a:r>
+            <a:r>
+              <a:rPr lang="en-US" dirty="0" err="1" smtClean="0">
+                <a:solidFill>
+                  <a:schemeClr val="accent3">
+                    <a:lumMod val="75000"/>
+                  </a:schemeClr>
+                </a:solidFill>
+              </a:rPr>
+              <a:t>tatic</a:t>
+            </a:r>
+            <a:r>
+              <a:rPr lang="en-US" dirty="0" smtClean="0">
+                <a:solidFill>
+                  <a:schemeClr val="accent3">
+                    <a:lumMod val="75000"/>
+                  </a:schemeClr>
+                </a:solidFill>
+              </a:rPr>
+              <a:t>/</a:t>
+            </a:r>
+            <a:r>
+              <a:rPr lang="tr-TR" dirty="0" err="1" smtClean="0">
+                <a:solidFill>
+                  <a:schemeClr val="accent3">
+                    <a:lumMod val="75000"/>
+                  </a:schemeClr>
+                </a:solidFill>
+              </a:rPr>
+              <a:t>bye</a:t>
+            </a:r>
+            <a:r>
+              <a:rPr lang="en-US" dirty="0" smtClean="0">
+                <a:solidFill>
+                  <a:schemeClr val="accent3">
+                    <a:lumMod val="75000"/>
+                  </a:schemeClr>
+                </a:solidFill>
+              </a:rPr>
+              <a:t>.</a:t>
+            </a:r>
+            <a:r>
+              <a:rPr lang="tr-TR" dirty="0" smtClean="0">
+                <a:solidFill>
+                  <a:schemeClr val="accent3">
+                    <a:lumMod val="75000"/>
+                  </a:schemeClr>
+                </a:solidFill>
+              </a:rPr>
+              <a:t>html</a:t>
+            </a:r>
+            <a:r>
+              <a:rPr lang="en-US" dirty="0" smtClean="0">
+                <a:solidFill>
+                  <a:srgbClr val="0070C0"/>
+                </a:solidFill>
+              </a:rPr>
+              <a:t>&gt;</a:t>
+            </a:r>
+            <a:r>
+              <a:rPr lang="tr-TR" dirty="0" err="1" smtClean="0"/>
+              <a:t>exit</a:t>
+            </a:r>
+            <a:r>
+              <a:rPr lang="en-US" dirty="0" smtClean="0">
+                <a:solidFill>
+                  <a:srgbClr val="0070C0"/>
+                </a:solidFill>
+              </a:rPr>
+              <a:t>&lt;</a:t>
+            </a:r>
+            <a:r>
+              <a:rPr lang="tr-TR" dirty="0" smtClean="0">
+                <a:solidFill>
+                  <a:schemeClr val="accent2">
+                    <a:lumMod val="50000"/>
+                  </a:schemeClr>
+                </a:solidFill>
+              </a:rPr>
+              <a:t>a</a:t>
+            </a:r>
+            <a:r>
+              <a:rPr lang="en-US" dirty="0" smtClean="0">
+                <a:solidFill>
+                  <a:srgbClr val="0070C0"/>
+                </a:solidFill>
+              </a:rPr>
+              <a:t>/&gt;</a:t>
+            </a:r>
+            <a:endParaRPr lang="tr-TR" dirty="0" smtClean="0">
+              <a:solidFill>
+                <a:srgbClr val="0070C0"/>
+              </a:solidFill>
+            </a:endParaRPr>
+          </a:p>
+          <a:p>
+            <a:r>
+              <a:rPr lang="en-US" dirty="0" smtClean="0">
+                <a:solidFill>
+                  <a:srgbClr val="0070C0"/>
+                </a:solidFill>
+              </a:rPr>
+              <a:t>&lt;</a:t>
+            </a:r>
+            <a:r>
+              <a:rPr lang="tr-TR" dirty="0" err="1" smtClean="0">
+                <a:solidFill>
+                  <a:schemeClr val="accent2">
+                    <a:lumMod val="50000"/>
+                  </a:schemeClr>
+                </a:solidFill>
+              </a:rPr>
+              <a:t>img</a:t>
+            </a:r>
+            <a:r>
+              <a:rPr lang="tr-TR" dirty="0" smtClean="0">
+                <a:solidFill>
+                  <a:schemeClr val="accent2">
+                    <a:lumMod val="50000"/>
+                  </a:schemeClr>
+                </a:solidFill>
+              </a:rPr>
+              <a:t> </a:t>
+            </a:r>
+            <a:r>
+              <a:rPr lang="tr-TR" dirty="0" err="1" smtClean="0">
+                <a:solidFill>
+                  <a:srgbClr val="FF0000"/>
+                </a:solidFill>
+              </a:rPr>
+              <a:t>src</a:t>
+            </a:r>
+            <a:r>
+              <a:rPr lang="en-US" dirty="0" smtClean="0">
+                <a:solidFill>
+                  <a:srgbClr val="0070C0"/>
+                </a:solidFill>
+              </a:rPr>
+              <a:t>=</a:t>
+            </a:r>
+            <a:r>
+              <a:rPr lang="en-US" dirty="0" smtClean="0">
+                <a:solidFill>
+                  <a:schemeClr val="accent3">
+                    <a:lumMod val="75000"/>
+                  </a:schemeClr>
+                </a:solidFill>
+              </a:rPr>
+              <a:t>"/</a:t>
+            </a:r>
+            <a:r>
+              <a:rPr lang="tr-TR" dirty="0" smtClean="0">
+                <a:solidFill>
+                  <a:schemeClr val="accent3">
+                    <a:lumMod val="75000"/>
+                  </a:schemeClr>
+                </a:solidFill>
+              </a:rPr>
+              <a:t>s</a:t>
+            </a:r>
+            <a:r>
+              <a:rPr lang="en-US" dirty="0" err="1" smtClean="0">
+                <a:solidFill>
+                  <a:schemeClr val="accent3">
+                    <a:lumMod val="75000"/>
+                  </a:schemeClr>
+                </a:solidFill>
+              </a:rPr>
+              <a:t>tatic</a:t>
+            </a:r>
+            <a:r>
+              <a:rPr lang="en-US" dirty="0" smtClean="0">
+                <a:solidFill>
+                  <a:schemeClr val="accent3">
+                    <a:lumMod val="75000"/>
+                  </a:schemeClr>
+                </a:solidFill>
+              </a:rPr>
+              <a:t>/</a:t>
+            </a:r>
+            <a:r>
+              <a:rPr lang="tr-TR" dirty="0" err="1" smtClean="0">
+                <a:solidFill>
+                  <a:schemeClr val="accent3">
+                    <a:lumMod val="75000"/>
+                  </a:schemeClr>
+                </a:solidFill>
+              </a:rPr>
+              <a:t>smile</a:t>
+            </a:r>
+            <a:r>
+              <a:rPr lang="en-US" dirty="0" smtClean="0">
+                <a:solidFill>
+                  <a:schemeClr val="accent3">
+                    <a:lumMod val="75000"/>
+                  </a:schemeClr>
+                </a:solidFill>
+              </a:rPr>
+              <a:t>.</a:t>
+            </a:r>
+            <a:r>
+              <a:rPr lang="tr-TR" dirty="0" err="1" smtClean="0">
+                <a:solidFill>
+                  <a:schemeClr val="accent3">
+                    <a:lumMod val="75000"/>
+                  </a:schemeClr>
+                </a:solidFill>
+              </a:rPr>
+              <a:t>jpg</a:t>
+            </a:r>
+            <a:r>
+              <a:rPr lang="en-US" dirty="0" smtClean="0">
+                <a:solidFill>
+                  <a:schemeClr val="accent3">
+                    <a:lumMod val="75000"/>
+                  </a:schemeClr>
+                </a:solidFill>
+              </a:rPr>
+              <a:t>"</a:t>
+            </a:r>
+            <a:r>
+              <a:rPr lang="en-US" dirty="0" smtClean="0">
+                <a:solidFill>
+                  <a:srgbClr val="0070C0"/>
+                </a:solidFill>
+              </a:rPr>
+              <a:t>/&gt;</a:t>
+            </a:r>
+            <a:endParaRPr lang="tr-TR" dirty="0" smtClean="0">
+              <a:solidFill>
+                <a:srgbClr val="0070C0"/>
+              </a:solidFill>
+            </a:endParaRPr>
+          </a:p>
+          <a:p>
+            <a:r>
+              <a:rPr lang="en-US" dirty="0">
+                <a:solidFill>
+                  <a:srgbClr val="0070C0"/>
+                </a:solidFill>
+              </a:rPr>
+              <a:t>&lt;</a:t>
+            </a:r>
+            <a:r>
+              <a:rPr lang="en-US" dirty="0">
+                <a:solidFill>
+                  <a:schemeClr val="accent2">
+                    <a:lumMod val="50000"/>
+                  </a:schemeClr>
+                </a:solidFill>
+              </a:rPr>
+              <a:t>link</a:t>
+            </a:r>
+            <a:r>
+              <a:rPr lang="en-US" dirty="0"/>
+              <a:t> </a:t>
+            </a:r>
+            <a:r>
+              <a:rPr lang="en-US" dirty="0" err="1">
+                <a:solidFill>
+                  <a:srgbClr val="FF0000"/>
+                </a:solidFill>
+              </a:rPr>
+              <a:t>href</a:t>
+            </a:r>
+            <a:r>
+              <a:rPr lang="en-US" dirty="0">
+                <a:solidFill>
+                  <a:srgbClr val="0070C0"/>
+                </a:solidFill>
+              </a:rPr>
+              <a:t>=</a:t>
+            </a:r>
+            <a:r>
+              <a:rPr lang="en-US" dirty="0">
+                <a:solidFill>
+                  <a:schemeClr val="accent3">
+                    <a:lumMod val="75000"/>
+                  </a:schemeClr>
+                </a:solidFill>
+              </a:rPr>
+              <a:t>"/</a:t>
+            </a:r>
+            <a:r>
+              <a:rPr lang="tr-TR" dirty="0">
+                <a:solidFill>
+                  <a:schemeClr val="accent3">
+                    <a:lumMod val="75000"/>
+                  </a:schemeClr>
+                </a:solidFill>
+              </a:rPr>
+              <a:t>s</a:t>
+            </a:r>
+            <a:r>
+              <a:rPr lang="en-US" dirty="0" err="1">
+                <a:solidFill>
+                  <a:schemeClr val="accent3">
+                    <a:lumMod val="75000"/>
+                  </a:schemeClr>
+                </a:solidFill>
+              </a:rPr>
+              <a:t>tatic</a:t>
+            </a:r>
+            <a:r>
+              <a:rPr lang="en-US" dirty="0">
+                <a:solidFill>
+                  <a:schemeClr val="accent3">
+                    <a:lumMod val="75000"/>
+                  </a:schemeClr>
+                </a:solidFill>
+              </a:rPr>
+              <a:t>/site.css" </a:t>
+            </a:r>
+            <a:r>
+              <a:rPr lang="en-US" dirty="0" err="1">
+                <a:solidFill>
+                  <a:srgbClr val="FF0000"/>
+                </a:solidFill>
+              </a:rPr>
+              <a:t>rel</a:t>
+            </a:r>
+            <a:r>
+              <a:rPr lang="en-US" dirty="0">
+                <a:solidFill>
+                  <a:srgbClr val="0070C0"/>
+                </a:solidFill>
+              </a:rPr>
+              <a:t>=</a:t>
+            </a:r>
+            <a:r>
+              <a:rPr lang="en-US" dirty="0">
+                <a:solidFill>
+                  <a:schemeClr val="accent3">
+                    <a:lumMod val="75000"/>
+                  </a:schemeClr>
+                </a:solidFill>
+              </a:rPr>
+              <a:t>"stylesheet"</a:t>
+            </a:r>
+            <a:r>
+              <a:rPr lang="en-US" dirty="0"/>
+              <a:t> </a:t>
+            </a:r>
+            <a:r>
+              <a:rPr lang="en-US" dirty="0" smtClean="0">
+                <a:solidFill>
+                  <a:srgbClr val="0070C0"/>
+                </a:solidFill>
+              </a:rPr>
+              <a:t>/&gt;</a:t>
+            </a:r>
+            <a:endParaRPr lang="tr-TR" dirty="0" smtClean="0">
+              <a:solidFill>
+                <a:srgbClr val="0070C0"/>
+              </a:solidFill>
+            </a:endParaRPr>
+          </a:p>
+          <a:p>
+            <a:r>
+              <a:rPr lang="en-US" dirty="0" smtClean="0">
+                <a:solidFill>
+                  <a:srgbClr val="0070C0"/>
+                </a:solidFill>
+              </a:rPr>
+              <a:t>&lt;</a:t>
+            </a:r>
+            <a:r>
+              <a:rPr lang="tr-TR" dirty="0" err="1" smtClean="0">
+                <a:solidFill>
+                  <a:schemeClr val="accent2">
+                    <a:lumMod val="50000"/>
+                  </a:schemeClr>
+                </a:solidFill>
+              </a:rPr>
+              <a:t>script</a:t>
+            </a:r>
+            <a:r>
+              <a:rPr lang="en-US" dirty="0" smtClean="0"/>
+              <a:t> </a:t>
+            </a:r>
+            <a:r>
+              <a:rPr lang="tr-TR" dirty="0" err="1" smtClean="0">
+                <a:solidFill>
+                  <a:srgbClr val="FF0000"/>
+                </a:solidFill>
+              </a:rPr>
+              <a:t>src</a:t>
+            </a:r>
+            <a:r>
+              <a:rPr lang="en-US" dirty="0" smtClean="0">
+                <a:solidFill>
+                  <a:srgbClr val="0070C0"/>
+                </a:solidFill>
+              </a:rPr>
+              <a:t>=</a:t>
+            </a:r>
+            <a:r>
+              <a:rPr lang="en-US" dirty="0" smtClean="0">
+                <a:solidFill>
+                  <a:schemeClr val="accent3">
+                    <a:lumMod val="75000"/>
+                  </a:schemeClr>
+                </a:solidFill>
+              </a:rPr>
+              <a:t>"/</a:t>
+            </a:r>
+            <a:r>
+              <a:rPr lang="tr-TR" dirty="0">
+                <a:solidFill>
+                  <a:schemeClr val="accent3">
+                    <a:lumMod val="75000"/>
+                  </a:schemeClr>
+                </a:solidFill>
+              </a:rPr>
+              <a:t>s</a:t>
+            </a:r>
+            <a:r>
+              <a:rPr lang="en-US" dirty="0" err="1">
+                <a:solidFill>
+                  <a:schemeClr val="accent3">
+                    <a:lumMod val="75000"/>
+                  </a:schemeClr>
+                </a:solidFill>
+              </a:rPr>
+              <a:t>tatic</a:t>
+            </a:r>
+            <a:r>
+              <a:rPr lang="en-US" dirty="0">
+                <a:solidFill>
+                  <a:schemeClr val="accent3">
+                    <a:lumMod val="75000"/>
+                  </a:schemeClr>
+                </a:solidFill>
+              </a:rPr>
+              <a:t>/site.css" </a:t>
+            </a:r>
+            <a:r>
+              <a:rPr lang="en-US" dirty="0" smtClean="0">
+                <a:solidFill>
+                  <a:srgbClr val="0070C0"/>
+                </a:solidFill>
+              </a:rPr>
+              <a:t>/&gt;</a:t>
+            </a:r>
+            <a:endParaRPr lang="tr-TR" dirty="0">
+              <a:solidFill>
+                <a:srgbClr val="0070C0"/>
+              </a:solidFill>
+            </a:endParaRPr>
+          </a:p>
+          <a:p>
+            <a:r>
+              <a:rPr lang="en-US" strike="sngStrike" dirty="0" smtClean="0">
+                <a:solidFill>
+                  <a:schemeClr val="accent2">
+                    <a:lumMod val="60000"/>
+                    <a:lumOff val="40000"/>
+                  </a:schemeClr>
+                </a:solidFill>
+              </a:rPr>
+              <a:t>&lt;</a:t>
+            </a:r>
+            <a:r>
+              <a:rPr lang="tr-TR" strike="sngStrike" dirty="0">
+                <a:solidFill>
+                  <a:schemeClr val="accent2">
+                    <a:lumMod val="60000"/>
+                    <a:lumOff val="40000"/>
+                  </a:schemeClr>
+                </a:solidFill>
+              </a:rPr>
+              <a:t>form</a:t>
+            </a:r>
+            <a:r>
+              <a:rPr lang="en-US" strike="sngStrike" dirty="0">
+                <a:solidFill>
+                  <a:schemeClr val="accent2">
+                    <a:lumMod val="60000"/>
+                    <a:lumOff val="40000"/>
+                  </a:schemeClr>
+                </a:solidFill>
+              </a:rPr>
+              <a:t> </a:t>
+            </a:r>
+            <a:r>
+              <a:rPr lang="tr-TR" strike="sngStrike" dirty="0" err="1">
+                <a:solidFill>
+                  <a:schemeClr val="accent2">
+                    <a:lumMod val="60000"/>
+                    <a:lumOff val="40000"/>
+                  </a:schemeClr>
+                </a:solidFill>
+              </a:rPr>
+              <a:t>action</a:t>
+            </a:r>
+            <a:r>
+              <a:rPr lang="en-US" strike="sngStrike" dirty="0">
+                <a:solidFill>
+                  <a:schemeClr val="accent2">
+                    <a:lumMod val="60000"/>
+                    <a:lumOff val="40000"/>
+                  </a:schemeClr>
+                </a:solidFill>
+              </a:rPr>
+              <a:t>="/</a:t>
+            </a:r>
+            <a:r>
+              <a:rPr lang="tr-TR" strike="sngStrike" dirty="0" err="1">
+                <a:solidFill>
+                  <a:schemeClr val="accent2">
+                    <a:lumMod val="60000"/>
+                    <a:lumOff val="40000"/>
+                  </a:schemeClr>
+                </a:solidFill>
+              </a:rPr>
+              <a:t>params</a:t>
+            </a:r>
+            <a:r>
+              <a:rPr lang="en-US" strike="sngStrike" dirty="0">
+                <a:solidFill>
+                  <a:schemeClr val="accent2">
+                    <a:lumMod val="60000"/>
+                    <a:lumOff val="40000"/>
+                  </a:schemeClr>
+                </a:solidFill>
+              </a:rPr>
+              <a:t>" </a:t>
+            </a:r>
+            <a:r>
+              <a:rPr lang="tr-TR" strike="sngStrike" dirty="0" err="1">
+                <a:solidFill>
+                  <a:schemeClr val="accent2">
+                    <a:lumMod val="60000"/>
+                    <a:lumOff val="40000"/>
+                  </a:schemeClr>
+                </a:solidFill>
+              </a:rPr>
+              <a:t>method</a:t>
+            </a:r>
+            <a:r>
+              <a:rPr lang="en-US" strike="sngStrike" dirty="0">
+                <a:solidFill>
+                  <a:schemeClr val="accent2">
+                    <a:lumMod val="60000"/>
+                    <a:lumOff val="40000"/>
+                  </a:schemeClr>
+                </a:solidFill>
+              </a:rPr>
+              <a:t>="</a:t>
+            </a:r>
+            <a:r>
+              <a:rPr lang="tr-TR" strike="sngStrike" dirty="0">
+                <a:solidFill>
+                  <a:schemeClr val="accent2">
+                    <a:lumMod val="60000"/>
+                    <a:lumOff val="40000"/>
+                  </a:schemeClr>
+                </a:solidFill>
+              </a:rPr>
+              <a:t>POST</a:t>
+            </a:r>
+            <a:r>
+              <a:rPr lang="en-US" strike="sngStrike" dirty="0">
+                <a:solidFill>
+                  <a:schemeClr val="accent2">
+                    <a:lumMod val="60000"/>
+                    <a:lumOff val="40000"/>
+                  </a:schemeClr>
+                </a:solidFill>
+              </a:rPr>
+              <a:t>"/&gt;</a:t>
+            </a:r>
+            <a:endParaRPr lang="tr-TR" strike="sngStrike" dirty="0">
+              <a:solidFill>
+                <a:schemeClr val="accent2">
+                  <a:lumMod val="60000"/>
+                  <a:lumOff val="40000"/>
+                </a:schemeClr>
+              </a:solidFill>
+            </a:endParaRPr>
+          </a:p>
+          <a:p>
+            <a:endParaRPr lang="tr-TR" dirty="0">
+              <a:solidFill>
+                <a:srgbClr val="0070C0"/>
+              </a:solidFill>
+            </a:endParaRPr>
+          </a:p>
+          <a:p>
+            <a:endParaRPr lang="tr-TR" dirty="0">
+              <a:solidFill>
+                <a:srgbClr val="0070C0"/>
+              </a:solidFill>
+            </a:endParaRPr>
+          </a:p>
+          <a:p>
+            <a:endParaRPr lang="tr-TR" dirty="0" smtClean="0">
+              <a:solidFill>
+                <a:srgbClr val="0070C0"/>
+              </a:solidFill>
+            </a:endParaRPr>
+          </a:p>
+          <a:p>
+            <a:endParaRPr lang="tr-TR" dirty="0">
+              <a:solidFill>
+                <a:srgbClr val="0070C0"/>
+              </a:solidFill>
+            </a:endParaRPr>
+          </a:p>
+        </p:txBody>
+      </p:sp>
+      <p:sp>
+        <p:nvSpPr>
+          <p:cNvPr id="4" name="Başlık 1"/>
+          <p:cNvSpPr>
+            <a:spLocks noGrp="1"/>
+          </p:cNvSpPr>
+          <p:nvPr>
+            <p:ph type="title"/>
+          </p:nvPr>
+        </p:nvSpPr>
+        <p:spPr>
+          <a:xfrm>
+            <a:off x="611560" y="548680"/>
+            <a:ext cx="8229600" cy="1143000"/>
+          </a:xfrm>
+        </p:spPr>
+        <p:txBody>
+          <a:bodyPr>
+            <a:normAutofit fontScale="90000"/>
+          </a:bodyPr>
+          <a:lstStyle/>
+          <a:p>
+            <a:r>
+              <a:rPr lang="tr-TR" sz="4900" dirty="0" smtClean="0"/>
+              <a:t>URL ve link </a:t>
+            </a:r>
+            <a:r>
+              <a:rPr lang="tr-TR" dirty="0" smtClean="0"/>
+              <a:t/>
+            </a:r>
+            <a:br>
+              <a:rPr lang="tr-TR" dirty="0" smtClean="0"/>
+            </a:br>
+            <a:r>
+              <a:rPr lang="tr-TR" b="1" dirty="0" err="1" smtClean="0"/>
+              <a:t>hyperlink</a:t>
+            </a:r>
+            <a:r>
+              <a:rPr lang="tr-TR" b="1" dirty="0" smtClean="0"/>
+              <a:t> </a:t>
+            </a:r>
+            <a:r>
+              <a:rPr lang="tr-TR" dirty="0" smtClean="0"/>
+              <a:t>http</a:t>
+            </a:r>
+            <a:r>
+              <a:rPr lang="tr-TR" b="1" dirty="0" smtClean="0"/>
+              <a:t> GET </a:t>
+            </a:r>
+            <a:r>
+              <a:rPr lang="tr-TR" dirty="0" smtClean="0"/>
+              <a:t>isteği</a:t>
+            </a:r>
+            <a:endParaRPr lang="tr-TR" dirty="0"/>
+          </a:p>
+        </p:txBody>
+      </p:sp>
+    </p:spTree>
+    <p:extLst>
+      <p:ext uri="{BB962C8B-B14F-4D97-AF65-F5344CB8AC3E}">
+        <p14:creationId xmlns:p14="http://schemas.microsoft.com/office/powerpoint/2010/main" val="1304541137"/>
+      </p:ext>
+    </p:extLst>
+  </p:cSld>
+  <p:clrMapOvr>
+    <a:masterClrMapping/>
+  </p:clrMapOvr>
+  <p:timing>
+    <p:tnLst>
+      <p:par>
+        <p:cTn id="1" dur="indefinite" restart="never" nodeType="tmRoot"/>
+      </p:par>
+    </p:tnLst>
+  </p:timing>
+</p:sld>
+</file>
+
+<file path=ppt/slides/slide8.xml><?xml version="1.0" encoding="utf-8"?>
+<p:sld xmlns:a="http://schemas.openxmlformats.org/drawingml/2006/main" xmlns:r="http://schemas.openxmlformats.org/officeDocument/2006/relationships" xmlns:p="http://schemas.openxmlformats.org/presentationml/2006/main">
+  <p:cSld>
+    <p:spTree>
+      <p:nvGrpSpPr>
+        <p:cNvPr id="1" name=""/>
+        <p:cNvGrpSpPr/>
+        <p:nvPr/>
+      </p:nvGrpSpPr>
+      <p:grpSpPr>
+        <a:xfrm>
+          <a:off x="0" y="0"/>
+          <a:ext cx="0" cy="0"/>
+          <a:chOff x="0" y="0"/>
+          <a:chExt cx="0" cy="0"/>
+        </a:xfrm>
+      </p:grpSpPr>
+      <p:sp>
+        <p:nvSpPr>
+          <p:cNvPr id="3" name="İçerik Yer Tutucusu 2"/>
+          <p:cNvSpPr>
+            <a:spLocks noGrp="1"/>
+          </p:cNvSpPr>
+          <p:nvPr>
+            <p:ph idx="1"/>
+          </p:nvPr>
+        </p:nvSpPr>
+        <p:spPr/>
+        <p:txBody>
+          <a:bodyPr/>
+          <a:lstStyle/>
+          <a:p>
+            <a:endParaRPr lang="tr-TR" dirty="0">
+              <a:solidFill>
+                <a:srgbClr val="0070C0"/>
+              </a:solidFill>
+            </a:endParaRPr>
+          </a:p>
+          <a:p>
+            <a:r>
+              <a:rPr lang="tr-TR" dirty="0"/>
+              <a:t>GET</a:t>
+            </a:r>
+            <a:r>
+              <a:rPr lang="tr-TR" dirty="0">
+                <a:solidFill>
+                  <a:srgbClr val="0070C0"/>
+                </a:solidFill>
+              </a:rPr>
+              <a:t> </a:t>
+            </a:r>
+            <a:r>
+              <a:rPr lang="tr-TR" b="1" dirty="0">
+                <a:solidFill>
+                  <a:srgbClr val="7030A0"/>
+                </a:solidFill>
+              </a:rPr>
+              <a:t>http</a:t>
+            </a:r>
+            <a:r>
+              <a:rPr lang="tr-TR" b="1" dirty="0"/>
+              <a:t>://</a:t>
+            </a:r>
+            <a:r>
+              <a:rPr lang="tr-TR" b="1" dirty="0">
+                <a:solidFill>
+                  <a:schemeClr val="accent2">
+                    <a:lumMod val="75000"/>
+                  </a:schemeClr>
+                </a:solidFill>
+              </a:rPr>
+              <a:t>www</a:t>
+            </a:r>
+            <a:r>
+              <a:rPr lang="tr-TR" b="1" dirty="0"/>
+              <a:t>.</a:t>
+            </a:r>
+            <a:r>
+              <a:rPr lang="tr-TR" b="1" dirty="0">
+                <a:solidFill>
+                  <a:schemeClr val="tx2">
+                    <a:lumMod val="60000"/>
+                    <a:lumOff val="40000"/>
+                  </a:schemeClr>
+                </a:solidFill>
+              </a:rPr>
+              <a:t>gazete.com</a:t>
+            </a:r>
+            <a:r>
+              <a:rPr lang="tr-TR" b="1" dirty="0"/>
+              <a:t>/</a:t>
+            </a:r>
+            <a:r>
+              <a:rPr lang="tr-TR" dirty="0">
+                <a:solidFill>
+                  <a:schemeClr val="accent3">
+                    <a:lumMod val="75000"/>
+                  </a:schemeClr>
+                </a:solidFill>
+              </a:rPr>
+              <a:t>s</a:t>
+            </a:r>
+            <a:r>
+              <a:rPr lang="en-US" dirty="0" err="1" smtClean="0">
+                <a:solidFill>
+                  <a:schemeClr val="accent3">
+                    <a:lumMod val="75000"/>
+                  </a:schemeClr>
+                </a:solidFill>
+              </a:rPr>
+              <a:t>tatic</a:t>
+            </a:r>
+            <a:r>
+              <a:rPr lang="tr-TR" dirty="0" smtClean="0">
+                <a:solidFill>
+                  <a:schemeClr val="accent3">
+                    <a:lumMod val="75000"/>
+                  </a:schemeClr>
+                </a:solidFill>
+              </a:rPr>
+              <a:t>/</a:t>
+            </a:r>
+            <a:r>
+              <a:rPr lang="tr-TR" dirty="0" err="1" smtClean="0">
+                <a:solidFill>
+                  <a:schemeClr val="accent3">
+                    <a:lumMod val="75000"/>
+                  </a:schemeClr>
+                </a:solidFill>
+              </a:rPr>
+              <a:t>bye</a:t>
+            </a:r>
+            <a:r>
+              <a:rPr lang="en-US" dirty="0">
+                <a:solidFill>
+                  <a:schemeClr val="accent3">
+                    <a:lumMod val="75000"/>
+                  </a:schemeClr>
+                </a:solidFill>
+              </a:rPr>
+              <a:t>.</a:t>
+            </a:r>
+            <a:r>
+              <a:rPr lang="tr-TR" dirty="0">
+                <a:solidFill>
+                  <a:schemeClr val="accent3">
+                    <a:lumMod val="75000"/>
+                  </a:schemeClr>
+                </a:solidFill>
+              </a:rPr>
+              <a:t>html</a:t>
+            </a:r>
+            <a:endParaRPr lang="tr-TR" dirty="0">
+              <a:solidFill>
+                <a:srgbClr val="0070C0"/>
+              </a:solidFill>
+            </a:endParaRPr>
+          </a:p>
+          <a:p>
+            <a:r>
+              <a:rPr lang="tr-TR" dirty="0"/>
+              <a:t>GET</a:t>
+            </a:r>
+            <a:r>
+              <a:rPr lang="tr-TR" dirty="0">
+                <a:solidFill>
+                  <a:srgbClr val="0070C0"/>
+                </a:solidFill>
+              </a:rPr>
+              <a:t> </a:t>
+            </a:r>
+            <a:r>
+              <a:rPr lang="tr-TR" b="1" dirty="0">
+                <a:solidFill>
+                  <a:srgbClr val="7030A0"/>
+                </a:solidFill>
+              </a:rPr>
+              <a:t>http</a:t>
+            </a:r>
+            <a:r>
+              <a:rPr lang="tr-TR" b="1" dirty="0"/>
+              <a:t>://</a:t>
+            </a:r>
+            <a:r>
+              <a:rPr lang="tr-TR" b="1" dirty="0">
+                <a:solidFill>
+                  <a:schemeClr val="accent2">
+                    <a:lumMod val="75000"/>
+                  </a:schemeClr>
+                </a:solidFill>
+              </a:rPr>
+              <a:t>www</a:t>
+            </a:r>
+            <a:r>
+              <a:rPr lang="tr-TR" b="1" dirty="0"/>
+              <a:t>.</a:t>
+            </a:r>
+            <a:r>
+              <a:rPr lang="tr-TR" b="1" dirty="0">
+                <a:solidFill>
+                  <a:schemeClr val="tx2">
+                    <a:lumMod val="60000"/>
+                    <a:lumOff val="40000"/>
+                  </a:schemeClr>
+                </a:solidFill>
+              </a:rPr>
+              <a:t>gazete.com</a:t>
+            </a:r>
+            <a:r>
+              <a:rPr lang="tr-TR" b="1" dirty="0"/>
+              <a:t>/</a:t>
+            </a:r>
+            <a:r>
+              <a:rPr lang="tr-TR" dirty="0">
+                <a:solidFill>
+                  <a:schemeClr val="accent3">
+                    <a:lumMod val="75000"/>
+                  </a:schemeClr>
+                </a:solidFill>
+              </a:rPr>
+              <a:t>s</a:t>
+            </a:r>
+            <a:r>
+              <a:rPr lang="en-US" dirty="0" err="1" smtClean="0">
+                <a:solidFill>
+                  <a:schemeClr val="accent3">
+                    <a:lumMod val="75000"/>
+                  </a:schemeClr>
+                </a:solidFill>
+              </a:rPr>
+              <a:t>tatic</a:t>
+            </a:r>
+            <a:r>
+              <a:rPr lang="tr-TR" dirty="0" smtClean="0">
+                <a:solidFill>
+                  <a:schemeClr val="accent3">
+                    <a:lumMod val="75000"/>
+                  </a:schemeClr>
+                </a:solidFill>
+              </a:rPr>
+              <a:t>/</a:t>
+            </a:r>
+            <a:r>
+              <a:rPr lang="tr-TR" dirty="0" err="1" smtClean="0">
+                <a:solidFill>
+                  <a:schemeClr val="accent3">
+                    <a:lumMod val="75000"/>
+                  </a:schemeClr>
+                </a:solidFill>
+              </a:rPr>
+              <a:t>smile</a:t>
+            </a:r>
+            <a:r>
+              <a:rPr lang="en-US" dirty="0">
+                <a:solidFill>
+                  <a:schemeClr val="accent3">
+                    <a:lumMod val="75000"/>
+                  </a:schemeClr>
+                </a:solidFill>
+              </a:rPr>
+              <a:t>.</a:t>
+            </a:r>
+            <a:r>
+              <a:rPr lang="tr-TR" dirty="0" err="1" smtClean="0">
+                <a:solidFill>
+                  <a:schemeClr val="accent3">
+                    <a:lumMod val="75000"/>
+                  </a:schemeClr>
+                </a:solidFill>
+              </a:rPr>
+              <a:t>jpg</a:t>
+            </a:r>
+            <a:endParaRPr lang="tr-TR" dirty="0" smtClean="0">
+              <a:solidFill>
+                <a:schemeClr val="accent3">
+                  <a:lumMod val="75000"/>
+                </a:schemeClr>
+              </a:solidFill>
+            </a:endParaRPr>
+          </a:p>
+          <a:p>
+            <a:r>
+              <a:rPr lang="tr-TR" dirty="0" smtClean="0"/>
+              <a:t>GET</a:t>
+            </a:r>
+            <a:r>
+              <a:rPr lang="tr-TR" dirty="0" smtClean="0">
+                <a:solidFill>
+                  <a:srgbClr val="0070C0"/>
+                </a:solidFill>
+              </a:rPr>
+              <a:t> </a:t>
+            </a:r>
+            <a:r>
+              <a:rPr lang="tr-TR" b="1" dirty="0" smtClean="0">
+                <a:solidFill>
+                  <a:srgbClr val="7030A0"/>
+                </a:solidFill>
+              </a:rPr>
+              <a:t>http</a:t>
+            </a:r>
+            <a:r>
+              <a:rPr lang="tr-TR" b="1" dirty="0" smtClean="0"/>
+              <a:t>://</a:t>
+            </a:r>
+            <a:r>
+              <a:rPr lang="tr-TR" b="1" dirty="0" smtClean="0">
+                <a:solidFill>
+                  <a:schemeClr val="accent2">
+                    <a:lumMod val="75000"/>
+                  </a:schemeClr>
+                </a:solidFill>
+              </a:rPr>
+              <a:t>www</a:t>
+            </a:r>
+            <a:r>
+              <a:rPr lang="tr-TR" b="1" dirty="0" smtClean="0"/>
+              <a:t>.</a:t>
+            </a:r>
+            <a:r>
+              <a:rPr lang="tr-TR" b="1" dirty="0" smtClean="0">
+                <a:solidFill>
+                  <a:schemeClr val="tx2">
+                    <a:lumMod val="60000"/>
+                    <a:lumOff val="40000"/>
+                  </a:schemeClr>
+                </a:solidFill>
+              </a:rPr>
+              <a:t>gazete.com</a:t>
+            </a:r>
+            <a:r>
+              <a:rPr lang="tr-TR" b="1" dirty="0" smtClean="0"/>
+              <a:t>/</a:t>
+            </a:r>
+            <a:r>
+              <a:rPr lang="tr-TR" dirty="0" smtClean="0">
+                <a:solidFill>
+                  <a:schemeClr val="accent3">
+                    <a:lumMod val="75000"/>
+                  </a:schemeClr>
+                </a:solidFill>
+              </a:rPr>
+              <a:t>s</a:t>
+            </a:r>
+            <a:r>
+              <a:rPr lang="en-US" dirty="0" err="1" smtClean="0">
+                <a:solidFill>
+                  <a:schemeClr val="accent3">
+                    <a:lumMod val="75000"/>
+                  </a:schemeClr>
+                </a:solidFill>
+              </a:rPr>
+              <a:t>tatic</a:t>
+            </a:r>
+            <a:r>
+              <a:rPr lang="tr-TR" dirty="0" smtClean="0">
+                <a:solidFill>
+                  <a:schemeClr val="accent3">
+                    <a:lumMod val="75000"/>
+                  </a:schemeClr>
+                </a:solidFill>
+              </a:rPr>
+              <a:t>/site</a:t>
+            </a:r>
+            <a:r>
+              <a:rPr lang="en-US" dirty="0" smtClean="0">
+                <a:solidFill>
+                  <a:schemeClr val="accent3">
+                    <a:lumMod val="75000"/>
+                  </a:schemeClr>
+                </a:solidFill>
+              </a:rPr>
+              <a:t>.</a:t>
+            </a:r>
+            <a:r>
+              <a:rPr lang="tr-TR" dirty="0" err="1" smtClean="0">
+                <a:solidFill>
+                  <a:schemeClr val="accent3">
+                    <a:lumMod val="75000"/>
+                  </a:schemeClr>
+                </a:solidFill>
+              </a:rPr>
+              <a:t>css</a:t>
+            </a:r>
+            <a:endParaRPr lang="tr-TR" dirty="0" smtClean="0">
+              <a:solidFill>
+                <a:schemeClr val="accent3">
+                  <a:lumMod val="75000"/>
+                </a:schemeClr>
+              </a:solidFill>
+            </a:endParaRPr>
+          </a:p>
+          <a:p>
+            <a:r>
+              <a:rPr lang="tr-TR" dirty="0"/>
+              <a:t>GET</a:t>
+            </a:r>
+            <a:r>
+              <a:rPr lang="tr-TR" dirty="0">
+                <a:solidFill>
+                  <a:srgbClr val="0070C0"/>
+                </a:solidFill>
+              </a:rPr>
+              <a:t> </a:t>
+            </a:r>
+            <a:r>
+              <a:rPr lang="tr-TR" b="1" dirty="0">
+                <a:solidFill>
+                  <a:srgbClr val="7030A0"/>
+                </a:solidFill>
+              </a:rPr>
+              <a:t>http</a:t>
+            </a:r>
+            <a:r>
+              <a:rPr lang="tr-TR" b="1" dirty="0"/>
+              <a:t>://</a:t>
+            </a:r>
+            <a:r>
+              <a:rPr lang="tr-TR" b="1" dirty="0">
+                <a:solidFill>
+                  <a:schemeClr val="accent2">
+                    <a:lumMod val="75000"/>
+                  </a:schemeClr>
+                </a:solidFill>
+              </a:rPr>
+              <a:t>www</a:t>
+            </a:r>
+            <a:r>
+              <a:rPr lang="tr-TR" b="1" dirty="0"/>
+              <a:t>.</a:t>
+            </a:r>
+            <a:r>
+              <a:rPr lang="tr-TR" b="1" dirty="0">
+                <a:solidFill>
+                  <a:schemeClr val="tx2">
+                    <a:lumMod val="60000"/>
+                    <a:lumOff val="40000"/>
+                  </a:schemeClr>
+                </a:solidFill>
+              </a:rPr>
+              <a:t>gazete.com</a:t>
+            </a:r>
+            <a:r>
+              <a:rPr lang="tr-TR" b="1" dirty="0"/>
+              <a:t>/</a:t>
+            </a:r>
+            <a:r>
+              <a:rPr lang="tr-TR" dirty="0">
+                <a:solidFill>
+                  <a:schemeClr val="accent3">
+                    <a:lumMod val="75000"/>
+                  </a:schemeClr>
+                </a:solidFill>
+              </a:rPr>
+              <a:t>s</a:t>
+            </a:r>
+            <a:r>
+              <a:rPr lang="en-US" dirty="0" err="1">
+                <a:solidFill>
+                  <a:schemeClr val="accent3">
+                    <a:lumMod val="75000"/>
+                  </a:schemeClr>
+                </a:solidFill>
+              </a:rPr>
+              <a:t>tatic</a:t>
+            </a:r>
+            <a:r>
+              <a:rPr lang="tr-TR" dirty="0" smtClean="0">
+                <a:solidFill>
+                  <a:schemeClr val="accent3">
+                    <a:lumMod val="75000"/>
+                  </a:schemeClr>
+                </a:solidFill>
+              </a:rPr>
+              <a:t>/main</a:t>
+            </a:r>
+            <a:r>
+              <a:rPr lang="en-US" dirty="0" smtClean="0">
+                <a:solidFill>
+                  <a:schemeClr val="accent3">
+                    <a:lumMod val="75000"/>
+                  </a:schemeClr>
+                </a:solidFill>
+              </a:rPr>
+              <a:t>.</a:t>
+            </a:r>
+            <a:r>
+              <a:rPr lang="tr-TR" dirty="0" err="1" smtClean="0">
+                <a:solidFill>
+                  <a:schemeClr val="accent3">
+                    <a:lumMod val="75000"/>
+                  </a:schemeClr>
+                </a:solidFill>
+              </a:rPr>
+              <a:t>js</a:t>
+            </a:r>
+            <a:endParaRPr lang="tr-TR" dirty="0">
+              <a:solidFill>
+                <a:srgbClr val="0070C0"/>
+              </a:solidFill>
+            </a:endParaRPr>
+          </a:p>
+          <a:p>
+            <a:endParaRPr lang="tr-TR" dirty="0" smtClean="0">
+              <a:solidFill>
+                <a:srgbClr val="0070C0"/>
+              </a:solidFill>
+            </a:endParaRPr>
+          </a:p>
+          <a:p>
+            <a:endParaRPr lang="tr-TR" dirty="0">
+              <a:solidFill>
+                <a:srgbClr val="0070C0"/>
+              </a:solidFill>
+            </a:endParaRPr>
+          </a:p>
+        </p:txBody>
+      </p:sp>
+      <p:sp>
+        <p:nvSpPr>
+          <p:cNvPr id="4" name="Başlık 1"/>
+          <p:cNvSpPr>
+            <a:spLocks noGrp="1"/>
+          </p:cNvSpPr>
+          <p:nvPr>
+            <p:ph type="title"/>
+          </p:nvPr>
+        </p:nvSpPr>
+        <p:spPr>
+          <a:xfrm>
+            <a:off x="611560" y="548680"/>
+            <a:ext cx="8229600" cy="1143000"/>
+          </a:xfrm>
+        </p:spPr>
+        <p:txBody>
+          <a:bodyPr>
+            <a:normAutofit fontScale="90000"/>
+          </a:bodyPr>
+          <a:lstStyle/>
+          <a:p>
+            <a:r>
+              <a:rPr lang="tr-TR" sz="4900" dirty="0" smtClean="0"/>
+              <a:t>URL ve link </a:t>
+            </a:r>
+            <a:r>
+              <a:rPr lang="tr-TR" dirty="0" smtClean="0"/>
+              <a:t/>
+            </a:r>
+            <a:br>
+              <a:rPr lang="tr-TR" dirty="0" smtClean="0"/>
+            </a:br>
+            <a:r>
+              <a:rPr lang="tr-TR" b="1" dirty="0" smtClean="0"/>
+              <a:t>http</a:t>
+            </a:r>
+            <a:r>
+              <a:rPr lang="tr-TR" dirty="0" smtClean="0"/>
+              <a:t> </a:t>
+            </a:r>
+            <a:r>
+              <a:rPr lang="tr-TR" b="1" dirty="0" smtClean="0"/>
+              <a:t>GET</a:t>
+            </a:r>
+            <a:r>
+              <a:rPr lang="tr-TR" dirty="0" smtClean="0"/>
+              <a:t> isteği</a:t>
+            </a:r>
+            <a:endParaRPr lang="tr-TR" dirty="0"/>
+          </a:p>
+        </p:txBody>
+      </p:sp>
+    </p:spTree>
+    <p:extLst>
+      <p:ext uri="{BB962C8B-B14F-4D97-AF65-F5344CB8AC3E}">
+        <p14:creationId xmlns:p14="http://schemas.microsoft.com/office/powerpoint/2010/main" val="1857068107"/>
+      </p:ext>
+    </p:extLst>
+  </p:cSld>
+  <p:clrMapOvr>
+    <a:masterClrMapping/>
+  </p:clrMapOvr>
+  <p:timing>
+    <p:tnLst>
+      <p:par>
+        <p:cTn id="1" dur="indefinite" restart="never" nodeType="tmRoot"/>
+      </p:par>
+    </p:tnLst>
+  </p:timing>
+</p:sld>
+</file>
+
+<file path=ppt/slides/slide9.xml><?xml version="1.0" encoding="utf-8"?>
+<p:sld xmlns:a="http://schemas.openxmlformats.org/drawingml/2006/main" xmlns:r="http://schemas.openxmlformats.org/officeDocument/2006/relationships" xmlns:p="http://schemas.openxmlformats.org/presentationml/2006/main">
+  <p:cSld>
+    <p:spTree>
+      <p:nvGrpSpPr>
+        <p:cNvPr id="1" name=""/>
+        <p:cNvGrpSpPr/>
+        <p:nvPr/>
+      </p:nvGrpSpPr>
+      <p:grpSpPr>
+        <a:xfrm>
+          <a:off x="0" y="0"/>
+          <a:ext cx="0" cy="0"/>
+          <a:chOff x="0" y="0"/>
+          <a:chExt cx="0" cy="0"/>
+        </a:xfrm>
+      </p:grpSpPr>
+      <p:pic>
+        <p:nvPicPr>
+          <p:cNvPr id="23" name="İçerik Yer Tutucusu 22"/>
+          <p:cNvPicPr>
+            <a:picLocks noGrp="1" noChangeAspect="1"/>
+          </p:cNvPicPr>
+          <p:nvPr>
+            <p:ph idx="1"/>
+          </p:nvPr>
+        </p:nvPicPr>
+        <p:blipFill>
+          <a:blip r:embed="rId3">
+            <a:extLst>
+              <a:ext uri="{28A0092B-C50C-407E-A947-70E740481C1C}">
+                <a14:useLocalDpi xmlns:a14="http://schemas.microsoft.com/office/drawing/2010/main" val="0"/>
+              </a:ext>
+            </a:extLst>
+          </a:blip>
+          <a:stretch>
+            <a:fillRect/>
+          </a:stretch>
+        </p:blipFill>
+        <p:spPr>
+          <a:xfrm>
+            <a:off x="5004048" y="3210808"/>
+            <a:ext cx="1072229" cy="1643351"/>
+          </a:xfrm>
+        </p:spPr>
+      </p:pic>
+      <p:pic>
+        <p:nvPicPr>
+          <p:cNvPr id="9" name="İçerik Yer Tutucusu 5"/>
+          <p:cNvPicPr>
+            <a:picLocks noChangeAspect="1"/>
+          </p:cNvPicPr>
+          <p:nvPr/>
+        </p:nvPicPr>
+        <p:blipFill>
+          <a:blip r:embed="rId4" cstate="print">
+            <a:extLst>
+              <a:ext uri="{28A0092B-C50C-407E-A947-70E740481C1C}">
+                <a14:useLocalDpi xmlns:a14="http://schemas.microsoft.com/office/drawing/2010/main" val="0"/>
+              </a:ext>
+            </a:extLst>
+          </a:blip>
+          <a:stretch>
+            <a:fillRect/>
+          </a:stretch>
+        </p:blipFill>
+        <p:spPr>
+          <a:xfrm>
+            <a:off x="645800" y="2124154"/>
+            <a:ext cx="2801166" cy="1008112"/>
+          </a:xfrm>
+          <a:prstGeom prst="rect">
+            <a:avLst/>
+          </a:prstGeom>
+        </p:spPr>
+      </p:pic>
+      <p:sp>
+        <p:nvSpPr>
+          <p:cNvPr id="11" name="Yuvarlatılmış Dikdörtgen 10"/>
+          <p:cNvSpPr/>
+          <p:nvPr/>
+        </p:nvSpPr>
+        <p:spPr>
+          <a:xfrm>
+            <a:off x="2157968" y="2761766"/>
+            <a:ext cx="864096" cy="216024"/>
+          </a:xfrm>
+          <a:prstGeom prst="roundRect">
+            <a:avLst/>
+          </a:prstGeom>
+          <a:noFill/>
+        </p:spPr>
+        <p:style>
+          <a:lnRef idx="2">
+            <a:schemeClr val="accent1">
+              <a:shade val="50000"/>
+            </a:schemeClr>
+          </a:lnRef>
+          <a:fillRef idx="1">
+            <a:schemeClr val="accent1"/>
+          </a:fillRef>
+          <a:effectRef idx="0">
+            <a:schemeClr val="accent1"/>
+          </a:effectRef>
+          <a:fontRef idx="minor">
+            <a:schemeClr val="lt1"/>
+          </a:fontRef>
+        </p:style>
+        <p:txBody>
+          <a:bodyPr rtlCol="0" anchor="ctr"/>
+          <a:lstStyle/>
+          <a:p>
+            <a:pPr algn="ctr"/>
+            <a:endParaRPr lang="tr-TR"/>
+          </a:p>
+        </p:txBody>
+      </p:sp>
+      <p:sp>
+        <p:nvSpPr>
+          <p:cNvPr id="14" name="Metin kutusu 13"/>
+          <p:cNvSpPr txBox="1"/>
+          <p:nvPr/>
+        </p:nvSpPr>
+        <p:spPr>
+          <a:xfrm>
+            <a:off x="348754" y="3492981"/>
+            <a:ext cx="2842552" cy="261610"/>
+          </a:xfrm>
+          <a:prstGeom prst="rect">
+            <a:avLst/>
+          </a:prstGeom>
+          <a:noFill/>
+          <a:ln>
+            <a:solidFill>
+              <a:srgbClr val="7030A0"/>
+            </a:solidFill>
+            <a:prstDash val="dash"/>
+          </a:ln>
+        </p:spPr>
+        <p:txBody>
+          <a:bodyPr wrap="square" rtlCol="0">
+            <a:spAutoFit/>
+          </a:bodyPr>
+          <a:lstStyle/>
+          <a:p>
+            <a:pPr algn="ctr"/>
+            <a:r>
+              <a:rPr lang="tr-TR" sz="1100" dirty="0"/>
+              <a:t>GET</a:t>
+            </a:r>
+            <a:r>
+              <a:rPr lang="tr-TR" sz="1100" dirty="0">
+                <a:solidFill>
+                  <a:srgbClr val="0070C0"/>
+                </a:solidFill>
+              </a:rPr>
+              <a:t> </a:t>
+            </a:r>
+            <a:r>
+              <a:rPr lang="tr-TR" sz="1100" b="1" dirty="0">
+                <a:solidFill>
+                  <a:srgbClr val="7030A0"/>
+                </a:solidFill>
+              </a:rPr>
+              <a:t>http</a:t>
+            </a:r>
+            <a:r>
+              <a:rPr lang="tr-TR" sz="1100" b="1" dirty="0"/>
+              <a:t>://</a:t>
+            </a:r>
+            <a:r>
+              <a:rPr lang="tr-TR" sz="1100" b="1" dirty="0">
+                <a:solidFill>
+                  <a:schemeClr val="accent2">
+                    <a:lumMod val="75000"/>
+                  </a:schemeClr>
+                </a:solidFill>
+              </a:rPr>
+              <a:t>www</a:t>
+            </a:r>
+            <a:r>
+              <a:rPr lang="tr-TR" sz="1100" b="1" dirty="0"/>
+              <a:t>.</a:t>
+            </a:r>
+            <a:r>
+              <a:rPr lang="tr-TR" sz="1100" b="1" dirty="0">
+                <a:solidFill>
+                  <a:schemeClr val="tx2">
+                    <a:lumMod val="60000"/>
+                    <a:lumOff val="40000"/>
+                  </a:schemeClr>
+                </a:solidFill>
+              </a:rPr>
+              <a:t>gazete.com</a:t>
+            </a:r>
+            <a:r>
+              <a:rPr lang="tr-TR" sz="1100" b="1" dirty="0"/>
+              <a:t>/</a:t>
+            </a:r>
+            <a:r>
+              <a:rPr lang="tr-TR" sz="1100" dirty="0">
+                <a:solidFill>
+                  <a:schemeClr val="accent3">
+                    <a:lumMod val="75000"/>
+                  </a:schemeClr>
+                </a:solidFill>
+              </a:rPr>
+              <a:t>s</a:t>
+            </a:r>
+            <a:r>
+              <a:rPr lang="en-US" sz="1100" dirty="0" err="1">
+                <a:solidFill>
+                  <a:schemeClr val="accent3">
+                    <a:lumMod val="75000"/>
+                  </a:schemeClr>
+                </a:solidFill>
+              </a:rPr>
+              <a:t>tatic</a:t>
+            </a:r>
+            <a:r>
+              <a:rPr lang="tr-TR" sz="1100" dirty="0">
+                <a:solidFill>
+                  <a:schemeClr val="accent3">
+                    <a:lumMod val="75000"/>
+                  </a:schemeClr>
+                </a:solidFill>
+              </a:rPr>
+              <a:t>/</a:t>
+            </a:r>
+            <a:r>
+              <a:rPr lang="tr-TR" sz="1100" dirty="0" err="1">
+                <a:solidFill>
+                  <a:schemeClr val="accent3">
+                    <a:lumMod val="75000"/>
+                  </a:schemeClr>
+                </a:solidFill>
+              </a:rPr>
+              <a:t>bye</a:t>
+            </a:r>
+            <a:r>
+              <a:rPr lang="en-US" sz="1100" dirty="0">
+                <a:solidFill>
+                  <a:schemeClr val="accent3">
+                    <a:lumMod val="75000"/>
+                  </a:schemeClr>
+                </a:solidFill>
+              </a:rPr>
+              <a:t>.</a:t>
+            </a:r>
+            <a:r>
+              <a:rPr lang="tr-TR" sz="1100" dirty="0">
+                <a:solidFill>
+                  <a:schemeClr val="accent3">
+                    <a:lumMod val="75000"/>
+                  </a:schemeClr>
+                </a:solidFill>
+              </a:rPr>
+              <a:t>html</a:t>
+            </a:r>
+            <a:endParaRPr lang="tr-TR" sz="1100" dirty="0">
+              <a:solidFill>
+                <a:srgbClr val="0070C0"/>
+              </a:solidFill>
+            </a:endParaRPr>
+          </a:p>
+        </p:txBody>
+      </p:sp>
+      <p:cxnSp>
+        <p:nvCxnSpPr>
+          <p:cNvPr id="16" name="Düz Ok Bağlayıcısı 15"/>
+          <p:cNvCxnSpPr>
+            <a:stCxn id="11" idx="2"/>
+          </p:cNvCxnSpPr>
+          <p:nvPr/>
+        </p:nvCxnSpPr>
+        <p:spPr>
+          <a:xfrm>
+            <a:off x="2590016" y="2977790"/>
+            <a:ext cx="0" cy="491552"/>
+          </a:xfrm>
+          <a:prstGeom prst="straightConnector1">
+            <a:avLst/>
+          </a:prstGeom>
+          <a:ln w="19050">
+            <a:solidFill>
+              <a:schemeClr val="accent1">
+                <a:lumMod val="75000"/>
+              </a:schemeClr>
+            </a:solidFill>
+            <a:tailEnd type="arrow"/>
+          </a:ln>
+        </p:spPr>
+        <p:style>
+          <a:lnRef idx="1">
+            <a:schemeClr val="accent1"/>
+          </a:lnRef>
+          <a:fillRef idx="0">
+            <a:schemeClr val="accent1"/>
+          </a:fillRef>
+          <a:effectRef idx="0">
+            <a:schemeClr val="accent1"/>
+          </a:effectRef>
+          <a:fontRef idx="minor">
+            <a:schemeClr val="tx1"/>
+          </a:fontRef>
+        </p:style>
+      </p:cxnSp>
+      <p:cxnSp>
+        <p:nvCxnSpPr>
+          <p:cNvPr id="17" name="Düz Ok Bağlayıcısı 16"/>
+          <p:cNvCxnSpPr/>
+          <p:nvPr/>
+        </p:nvCxnSpPr>
+        <p:spPr>
+          <a:xfrm>
+            <a:off x="3223750" y="3623786"/>
+            <a:ext cx="1790684" cy="0"/>
+          </a:xfrm>
+          <a:prstGeom prst="straightConnector1">
+            <a:avLst/>
+          </a:prstGeom>
+          <a:ln w="19050">
+            <a:solidFill>
+              <a:srgbClr val="7030A0"/>
+            </a:solidFill>
+            <a:tailEnd type="arrow"/>
+          </a:ln>
+        </p:spPr>
+        <p:style>
+          <a:lnRef idx="1">
+            <a:schemeClr val="accent1"/>
+          </a:lnRef>
+          <a:fillRef idx="0">
+            <a:schemeClr val="accent1"/>
+          </a:fillRef>
+          <a:effectRef idx="0">
+            <a:schemeClr val="accent1"/>
+          </a:effectRef>
+          <a:fontRef idx="minor">
+            <a:schemeClr val="tx1"/>
+          </a:fontRef>
+        </p:style>
+      </p:cxnSp>
+      <p:cxnSp>
+        <p:nvCxnSpPr>
+          <p:cNvPr id="20" name="Düz Bağlayıcı 19"/>
+          <p:cNvCxnSpPr/>
+          <p:nvPr/>
+        </p:nvCxnSpPr>
+        <p:spPr>
+          <a:xfrm>
+            <a:off x="4008298" y="2149132"/>
+            <a:ext cx="72008" cy="3753118"/>
+          </a:xfrm>
+          <a:prstGeom prst="line">
+            <a:avLst/>
+          </a:prstGeom>
+          <a:ln w="28575">
+            <a:solidFill>
+              <a:srgbClr val="7030A0"/>
+            </a:solidFill>
+            <a:prstDash val="dash"/>
+          </a:ln>
+        </p:spPr>
+        <p:style>
+          <a:lnRef idx="1">
+            <a:schemeClr val="accent1"/>
+          </a:lnRef>
+          <a:fillRef idx="0">
+            <a:schemeClr val="accent1"/>
+          </a:fillRef>
+          <a:effectRef idx="0">
+            <a:schemeClr val="accent1"/>
+          </a:effectRef>
+          <a:fontRef idx="minor">
+            <a:schemeClr val="tx1"/>
+          </a:fontRef>
+        </p:style>
+      </p:cxnSp>
+      <p:sp>
+        <p:nvSpPr>
+          <p:cNvPr id="22" name="Metin kutusu 21"/>
+          <p:cNvSpPr txBox="1"/>
+          <p:nvPr/>
+        </p:nvSpPr>
+        <p:spPr>
+          <a:xfrm>
+            <a:off x="3609004" y="1677305"/>
+            <a:ext cx="843912" cy="461665"/>
+          </a:xfrm>
+          <a:prstGeom prst="rect">
+            <a:avLst/>
+          </a:prstGeom>
+          <a:noFill/>
+        </p:spPr>
+        <p:txBody>
+          <a:bodyPr wrap="square" rtlCol="0">
+            <a:spAutoFit/>
+          </a:bodyPr>
+          <a:lstStyle/>
+          <a:p>
+            <a:pPr algn="ctr"/>
+            <a:r>
+              <a:rPr lang="tr-TR" sz="2400" b="1" dirty="0" smtClean="0">
+                <a:solidFill>
+                  <a:srgbClr val="7030A0"/>
+                </a:solidFill>
+              </a:rPr>
+              <a:t>http</a:t>
+            </a:r>
+            <a:endParaRPr lang="tr-TR" sz="2400" b="1" dirty="0">
+              <a:solidFill>
+                <a:srgbClr val="7030A0"/>
+              </a:solidFill>
+            </a:endParaRPr>
+          </a:p>
+        </p:txBody>
+      </p:sp>
+      <p:sp>
+        <p:nvSpPr>
+          <p:cNvPr id="24" name="Metin kutusu 23"/>
+          <p:cNvSpPr txBox="1"/>
+          <p:nvPr/>
+        </p:nvSpPr>
+        <p:spPr>
+          <a:xfrm>
+            <a:off x="4823088" y="2728271"/>
+            <a:ext cx="1491228" cy="461665"/>
+          </a:xfrm>
+          <a:prstGeom prst="rect">
+            <a:avLst/>
+          </a:prstGeom>
+          <a:noFill/>
+        </p:spPr>
+        <p:txBody>
+          <a:bodyPr wrap="square" rtlCol="0">
+            <a:spAutoFit/>
+          </a:bodyPr>
+          <a:lstStyle/>
+          <a:p>
+            <a:pPr algn="ctr"/>
+            <a:r>
+              <a:rPr lang="tr-TR" sz="2400" b="1" dirty="0" smtClean="0">
+                <a:solidFill>
+                  <a:schemeClr val="accent2">
+                    <a:lumMod val="75000"/>
+                  </a:schemeClr>
+                </a:solidFill>
+              </a:rPr>
+              <a:t>www</a:t>
+            </a:r>
+            <a:endParaRPr lang="tr-TR" sz="2400" b="1" dirty="0">
+              <a:solidFill>
+                <a:schemeClr val="accent2">
+                  <a:lumMod val="75000"/>
+                </a:schemeClr>
+              </a:solidFill>
+            </a:endParaRPr>
+          </a:p>
+        </p:txBody>
+      </p:sp>
+      <p:pic>
+        <p:nvPicPr>
+          <p:cNvPr id="29" name="Resim 28"/>
+          <p:cNvPicPr>
+            <a:picLocks noChangeAspect="1"/>
+          </p:cNvPicPr>
+          <p:nvPr/>
+        </p:nvPicPr>
+        <p:blipFill>
+          <a:blip r:embed="rId5" cstate="print">
+            <a:extLst>
+              <a:ext uri="{28A0092B-C50C-407E-A947-70E740481C1C}">
+                <a14:useLocalDpi xmlns:a14="http://schemas.microsoft.com/office/drawing/2010/main" val="0"/>
+              </a:ext>
+            </a:extLst>
+          </a:blip>
+          <a:stretch>
+            <a:fillRect/>
+          </a:stretch>
+        </p:blipFill>
+        <p:spPr>
+          <a:xfrm>
+            <a:off x="6357084" y="3623786"/>
+            <a:ext cx="2223247" cy="936104"/>
+          </a:xfrm>
+          <a:prstGeom prst="rect">
+            <a:avLst/>
+          </a:prstGeom>
+        </p:spPr>
+      </p:pic>
+      <p:sp>
+        <p:nvSpPr>
+          <p:cNvPr id="30" name="Yuvarlatılmış Dikdörtgen 29"/>
+          <p:cNvSpPr/>
+          <p:nvPr/>
+        </p:nvSpPr>
+        <p:spPr>
+          <a:xfrm>
+            <a:off x="6307544" y="3515774"/>
+            <a:ext cx="2301719" cy="1152128"/>
+          </a:xfrm>
+          <a:prstGeom prst="roundRect">
+            <a:avLst/>
+          </a:prstGeom>
+          <a:noFill/>
+          <a:ln>
+            <a:solidFill>
+              <a:schemeClr val="accent3">
+                <a:lumMod val="75000"/>
+              </a:schemeClr>
+            </a:solidFill>
+          </a:ln>
+        </p:spPr>
+        <p:style>
+          <a:lnRef idx="2">
+            <a:schemeClr val="accent1">
+              <a:shade val="50000"/>
+            </a:schemeClr>
+          </a:lnRef>
+          <a:fillRef idx="1">
+            <a:schemeClr val="accent1"/>
+          </a:fillRef>
+          <a:effectRef idx="0">
+            <a:schemeClr val="accent1"/>
+          </a:effectRef>
+          <a:fontRef idx="minor">
+            <a:schemeClr val="lt1"/>
+          </a:fontRef>
+        </p:style>
+        <p:txBody>
+          <a:bodyPr rtlCol="0" anchor="ctr"/>
+          <a:lstStyle/>
+          <a:p>
+            <a:pPr algn="ctr"/>
+            <a:endParaRPr lang="tr-TR"/>
+          </a:p>
+        </p:txBody>
+      </p:sp>
+      <p:sp>
+        <p:nvSpPr>
+          <p:cNvPr id="31" name="Metin kutusu 30"/>
+          <p:cNvSpPr txBox="1"/>
+          <p:nvPr/>
+        </p:nvSpPr>
+        <p:spPr>
+          <a:xfrm>
+            <a:off x="6212294" y="3189936"/>
+            <a:ext cx="1720840" cy="369332"/>
+          </a:xfrm>
+          <a:prstGeom prst="rect">
+            <a:avLst/>
+          </a:prstGeom>
+          <a:noFill/>
+        </p:spPr>
+        <p:txBody>
+          <a:bodyPr wrap="square" rtlCol="0">
+            <a:spAutoFit/>
+          </a:bodyPr>
+          <a:lstStyle/>
+          <a:p>
+            <a:r>
+              <a:rPr lang="tr-TR" dirty="0" smtClean="0">
+                <a:solidFill>
+                  <a:schemeClr val="accent3">
+                    <a:lumMod val="75000"/>
+                  </a:schemeClr>
+                </a:solidFill>
+              </a:rPr>
+              <a:t>/</a:t>
+            </a:r>
+            <a:r>
+              <a:rPr lang="tr-TR" dirty="0" err="1" smtClean="0">
+                <a:solidFill>
+                  <a:schemeClr val="accent3">
+                    <a:lumMod val="75000"/>
+                  </a:schemeClr>
+                </a:solidFill>
+              </a:rPr>
+              <a:t>static</a:t>
+            </a:r>
+            <a:r>
+              <a:rPr lang="tr-TR" dirty="0" smtClean="0">
+                <a:solidFill>
+                  <a:schemeClr val="accent3">
+                    <a:lumMod val="75000"/>
+                  </a:schemeClr>
+                </a:solidFill>
+              </a:rPr>
+              <a:t>/bye.html</a:t>
+            </a:r>
+            <a:endParaRPr lang="tr-TR" dirty="0">
+              <a:solidFill>
+                <a:schemeClr val="accent3">
+                  <a:lumMod val="75000"/>
+                </a:schemeClr>
+              </a:solidFill>
+            </a:endParaRPr>
+          </a:p>
+        </p:txBody>
+      </p:sp>
+      <p:pic>
+        <p:nvPicPr>
+          <p:cNvPr id="36" name="Resim 35"/>
+          <p:cNvPicPr>
+            <a:picLocks noChangeAspect="1"/>
+          </p:cNvPicPr>
+          <p:nvPr/>
+        </p:nvPicPr>
+        <p:blipFill>
+          <a:blip r:embed="rId5" cstate="print">
+            <a:extLst>
+              <a:ext uri="{28A0092B-C50C-407E-A947-70E740481C1C}">
+                <a14:useLocalDpi xmlns:a14="http://schemas.microsoft.com/office/drawing/2010/main" val="0"/>
+              </a:ext>
+            </a:extLst>
+          </a:blip>
+          <a:stretch>
+            <a:fillRect/>
+          </a:stretch>
+        </p:blipFill>
+        <p:spPr>
+          <a:xfrm>
+            <a:off x="608443" y="4307862"/>
+            <a:ext cx="2223247" cy="936104"/>
+          </a:xfrm>
+          <a:prstGeom prst="rect">
+            <a:avLst/>
+          </a:prstGeom>
+        </p:spPr>
+      </p:pic>
+      <p:sp>
+        <p:nvSpPr>
+          <p:cNvPr id="37" name="Yuvarlatılmış Dikdörtgen 36"/>
+          <p:cNvSpPr/>
+          <p:nvPr/>
+        </p:nvSpPr>
+        <p:spPr>
+          <a:xfrm>
+            <a:off x="558903" y="4199850"/>
+            <a:ext cx="2572937" cy="1152128"/>
+          </a:xfrm>
+          <a:prstGeom prst="roundRect">
+            <a:avLst/>
+          </a:prstGeom>
+          <a:noFill/>
+          <a:ln>
+            <a:solidFill>
+              <a:srgbClr val="0070C0"/>
+            </a:solidFill>
+            <a:prstDash val="sysDot"/>
+          </a:ln>
+        </p:spPr>
+        <p:style>
+          <a:lnRef idx="2">
+            <a:schemeClr val="accent1">
+              <a:shade val="50000"/>
+            </a:schemeClr>
+          </a:lnRef>
+          <a:fillRef idx="1">
+            <a:schemeClr val="accent1"/>
+          </a:fillRef>
+          <a:effectRef idx="0">
+            <a:schemeClr val="accent1"/>
+          </a:effectRef>
+          <a:fontRef idx="minor">
+            <a:schemeClr val="lt1"/>
+          </a:fontRef>
+        </p:style>
+        <p:txBody>
+          <a:bodyPr rtlCol="0" anchor="ctr"/>
+          <a:lstStyle/>
+          <a:p>
+            <a:pPr algn="ctr"/>
+            <a:endParaRPr lang="tr-TR"/>
+          </a:p>
+        </p:txBody>
+      </p:sp>
+      <p:sp>
+        <p:nvSpPr>
+          <p:cNvPr id="47" name="Metin kutusu 46"/>
+          <p:cNvSpPr txBox="1"/>
+          <p:nvPr/>
+        </p:nvSpPr>
+        <p:spPr>
+          <a:xfrm>
+            <a:off x="3223750" y="3346784"/>
+            <a:ext cx="792088" cy="276999"/>
+          </a:xfrm>
+          <a:prstGeom prst="rect">
+            <a:avLst/>
+          </a:prstGeom>
+          <a:noFill/>
+        </p:spPr>
+        <p:txBody>
+          <a:bodyPr wrap="square" rtlCol="0">
+            <a:spAutoFit/>
+          </a:bodyPr>
+          <a:lstStyle/>
+          <a:p>
+            <a:pPr algn="ctr"/>
+            <a:r>
+              <a:rPr lang="tr-TR" sz="1200" b="1" dirty="0" err="1" smtClean="0">
+                <a:solidFill>
+                  <a:srgbClr val="7030A0"/>
+                </a:solidFill>
+              </a:rPr>
+              <a:t>request</a:t>
+            </a:r>
+            <a:endParaRPr lang="tr-TR" sz="1200" b="1" dirty="0">
+              <a:solidFill>
+                <a:srgbClr val="7030A0"/>
+              </a:solidFill>
+            </a:endParaRPr>
+          </a:p>
+        </p:txBody>
+      </p:sp>
+      <p:sp>
+        <p:nvSpPr>
+          <p:cNvPr id="49" name="Metin kutusu 48"/>
+          <p:cNvSpPr txBox="1"/>
+          <p:nvPr/>
+        </p:nvSpPr>
+        <p:spPr>
+          <a:xfrm>
+            <a:off x="4082992" y="3953338"/>
+            <a:ext cx="892245" cy="276999"/>
+          </a:xfrm>
+          <a:prstGeom prst="rect">
+            <a:avLst/>
+          </a:prstGeom>
+          <a:noFill/>
+        </p:spPr>
+        <p:txBody>
+          <a:bodyPr wrap="square" rtlCol="0">
+            <a:spAutoFit/>
+          </a:bodyPr>
+          <a:lstStyle/>
+          <a:p>
+            <a:pPr algn="ctr"/>
+            <a:r>
+              <a:rPr lang="tr-TR" sz="1200" b="1" dirty="0" err="1" smtClean="0">
+                <a:solidFill>
+                  <a:srgbClr val="7030A0"/>
+                </a:solidFill>
+              </a:rPr>
+              <a:t>response</a:t>
+            </a:r>
+            <a:endParaRPr lang="tr-TR" sz="1200" b="1" dirty="0">
+              <a:solidFill>
+                <a:srgbClr val="7030A0"/>
+              </a:solidFill>
+            </a:endParaRPr>
+          </a:p>
+        </p:txBody>
+      </p:sp>
+      <p:sp>
+        <p:nvSpPr>
+          <p:cNvPr id="53" name="Metin kutusu 52"/>
+          <p:cNvSpPr txBox="1"/>
+          <p:nvPr/>
+        </p:nvSpPr>
+        <p:spPr>
+          <a:xfrm>
+            <a:off x="5903106" y="1628800"/>
+            <a:ext cx="1264064" cy="369332"/>
+          </a:xfrm>
+          <a:prstGeom prst="rect">
+            <a:avLst/>
+          </a:prstGeom>
+          <a:noFill/>
+          <a:ln w="19050">
+            <a:solidFill>
+              <a:schemeClr val="tx2">
+                <a:lumMod val="60000"/>
+                <a:lumOff val="40000"/>
+              </a:schemeClr>
+            </a:solidFill>
+          </a:ln>
+        </p:spPr>
+        <p:txBody>
+          <a:bodyPr wrap="none" rtlCol="0">
+            <a:spAutoFit/>
+          </a:bodyPr>
+          <a:lstStyle/>
+          <a:p>
+            <a:r>
+              <a:rPr lang="tr-TR" b="1" dirty="0">
+                <a:solidFill>
+                  <a:schemeClr val="tx2">
+                    <a:lumMod val="60000"/>
+                    <a:lumOff val="40000"/>
+                  </a:schemeClr>
+                </a:solidFill>
+              </a:rPr>
+              <a:t>gazete.com</a:t>
+            </a:r>
+            <a:endParaRPr lang="tr-TR" dirty="0"/>
+          </a:p>
+        </p:txBody>
+      </p:sp>
+      <p:cxnSp>
+        <p:nvCxnSpPr>
+          <p:cNvPr id="68" name="Düz Ok Bağlayıcısı 67"/>
+          <p:cNvCxnSpPr/>
+          <p:nvPr/>
+        </p:nvCxnSpPr>
+        <p:spPr>
+          <a:xfrm flipH="1">
+            <a:off x="3172792" y="4226488"/>
+            <a:ext cx="1787587" cy="0"/>
+          </a:xfrm>
+          <a:prstGeom prst="straightConnector1">
+            <a:avLst/>
+          </a:prstGeom>
+          <a:ln w="19050">
+            <a:solidFill>
+              <a:srgbClr val="7030A0"/>
+            </a:solidFill>
+            <a:tailEnd type="arrow"/>
+          </a:ln>
+        </p:spPr>
+        <p:style>
+          <a:lnRef idx="1">
+            <a:schemeClr val="accent1"/>
+          </a:lnRef>
+          <a:fillRef idx="0">
+            <a:schemeClr val="accent1"/>
+          </a:fillRef>
+          <a:effectRef idx="0">
+            <a:schemeClr val="accent1"/>
+          </a:effectRef>
+          <a:fontRef idx="minor">
+            <a:schemeClr val="tx1"/>
+          </a:fontRef>
+        </p:style>
+      </p:cxnSp>
+      <p:sp>
+        <p:nvSpPr>
+          <p:cNvPr id="71" name="Başlık 1"/>
+          <p:cNvSpPr>
+            <a:spLocks noGrp="1"/>
+          </p:cNvSpPr>
+          <p:nvPr>
+            <p:ph type="title"/>
+          </p:nvPr>
+        </p:nvSpPr>
+        <p:spPr/>
+        <p:txBody>
+          <a:bodyPr>
+            <a:normAutofit fontScale="90000"/>
+          </a:bodyPr>
+          <a:lstStyle/>
+          <a:p>
+            <a:r>
+              <a:rPr lang="tr-TR" sz="4900" dirty="0" smtClean="0"/>
+              <a:t>URL ve link </a:t>
+            </a:r>
+            <a:r>
+              <a:rPr lang="tr-TR" dirty="0" smtClean="0"/>
+              <a:t/>
+            </a:r>
+            <a:br>
+              <a:rPr lang="tr-TR" dirty="0" smtClean="0"/>
+            </a:br>
+            <a:r>
+              <a:rPr lang="tr-TR" b="1" dirty="0" smtClean="0"/>
+              <a:t>http</a:t>
+            </a:r>
+            <a:r>
+              <a:rPr lang="tr-TR" dirty="0" smtClean="0"/>
+              <a:t> </a:t>
+            </a:r>
+            <a:r>
+              <a:rPr lang="tr-TR" b="1" dirty="0" smtClean="0"/>
+              <a:t>GET</a:t>
+            </a:r>
+            <a:r>
+              <a:rPr lang="tr-TR" dirty="0" smtClean="0"/>
+              <a:t> isteği</a:t>
+            </a:r>
+            <a:endParaRPr lang="tr-TR" dirty="0"/>
+          </a:p>
+        </p:txBody>
+      </p:sp>
+    </p:spTree>
+    <p:extLst>
+      <p:ext uri="{BB962C8B-B14F-4D97-AF65-F5344CB8AC3E}">
+        <p14:creationId xmlns:p14="http://schemas.microsoft.com/office/powerpoint/2010/main" val="3406104683"/>
+      </p:ext>
+    </p:extLst>
+  </p:cSld>
+  <p:clrMapOvr>
+    <a:masterClrMapping/>
+  </p:clrMapOvr>
+  <p:timing>
+    <p:tnLst>
+      <p:par>
+        <p:cTn id="1" dur="indefinite" restart="never" nodeType="tmRoot"/>
+      </p:par>
+    </p:tnLst>
+  </p:timing>
 </p:sld>
 </file>
 
